--- a/documentacion/StudyApp.pptx
+++ b/documentacion/StudyApp.pptx
@@ -7,8 +7,11 @@
   <p:sldIdLst>
     <p:sldId id="259" r:id="rId2"/>
     <p:sldId id="257" r:id="rId3"/>
-    <p:sldId id="256" r:id="rId4"/>
-    <p:sldId id="258" r:id="rId5"/>
+    <p:sldId id="261" r:id="rId4"/>
+    <p:sldId id="262" r:id="rId5"/>
+    <p:sldId id="256" r:id="rId6"/>
+    <p:sldId id="260" r:id="rId7"/>
+    <p:sldId id="258" r:id="rId8"/>
   </p:sldIdLst>
   <p:sldSz cx="12192000" cy="6858000"/>
   <p:notesSz cx="6858000" cy="9144000"/>
@@ -107,6 +110,11 @@
       </a:defRPr>
     </a:lvl9pPr>
   </p:defaultTextStyle>
+  <p:extLst>
+    <p:ext uri="{EFAFB233-063F-42B5-8137-9DF3F51BA10A}">
+      <p15:sldGuideLst xmlns:p15="http://schemas.microsoft.com/office/powerpoint/2012/main"/>
+    </p:ext>
+  </p:extLst>
 </p:presentation>
 </file>
 
@@ -5832,7 +5840,7 @@
           <p:cNvPr id="2" name="Título 1">
             <a:extLst>
               <a:ext uri="{FF2B5EF4-FFF2-40B4-BE49-F238E27FC236}">
-                <a16:creationId xmlns:a16="http://schemas.microsoft.com/office/drawing/2014/main" id="{CE3F41BE-D9D5-43FA-B2F9-1D2504FC4D37}"/>
+                <a16:creationId xmlns:a16="http://schemas.microsoft.com/office/drawing/2014/main" xmlns="" id="{CE3F41BE-D9D5-43FA-B2F9-1D2504FC4D37}"/>
               </a:ext>
             </a:extLst>
           </p:cNvPr>
@@ -5843,7 +5851,12 @@
             <p:ph type="title"/>
           </p:nvPr>
         </p:nvSpPr>
-        <p:spPr/>
+        <p:spPr>
+          <a:xfrm>
+            <a:off x="953559" y="695325"/>
+            <a:ext cx="8596668" cy="1320800"/>
+          </a:xfrm>
+        </p:spPr>
         <p:txBody>
           <a:bodyPr>
             <a:normAutofit/>
@@ -5851,10 +5864,18 @@
           <a:lstStyle/>
           <a:p>
             <a:r>
-              <a:rPr lang="es-ES" sz="6600" b="1" u="sng" dirty="0"/>
+              <a:rPr lang="es-ES" sz="6600" b="1" u="sng" dirty="0">
+                <a:solidFill>
+                  <a:schemeClr val="accent2"/>
+                </a:solidFill>
+              </a:rPr>
               <a:t>StudyApp</a:t>
             </a:r>
-            <a:endParaRPr lang="es-ES" sz="5400" b="1" u="sng" dirty="0"/>
+            <a:endParaRPr lang="es-ES" sz="5400" b="1" u="sng" dirty="0">
+              <a:solidFill>
+                <a:schemeClr val="accent2"/>
+              </a:solidFill>
+            </a:endParaRPr>
           </a:p>
         </p:txBody>
       </p:sp>
@@ -5863,7 +5884,7 @@
           <p:cNvPr id="3" name="Marcador de contenido 2">
             <a:extLst>
               <a:ext uri="{FF2B5EF4-FFF2-40B4-BE49-F238E27FC236}">
-                <a16:creationId xmlns:a16="http://schemas.microsoft.com/office/drawing/2014/main" id="{E51EA3FB-0C4A-4C77-B9E2-0A95E6FBAAC3}"/>
+                <a16:creationId xmlns:a16="http://schemas.microsoft.com/office/drawing/2014/main" xmlns="" id="{E51EA3FB-0C4A-4C77-B9E2-0A95E6FBAAC3}"/>
               </a:ext>
             </a:extLst>
           </p:cNvPr>
@@ -5876,8 +5897,8 @@
         </p:nvSpPr>
         <p:spPr>
           <a:xfrm>
-            <a:off x="4257261" y="3429000"/>
-            <a:ext cx="7272130" cy="2653610"/>
+            <a:off x="4323936" y="3743325"/>
+            <a:ext cx="5591589" cy="2653610"/>
           </a:xfrm>
         </p:spPr>
         <p:txBody>
@@ -6002,7 +6023,7 @@
           <p:cNvPr id="4" name="Imagen 3">
             <a:extLst>
               <a:ext uri="{FF2B5EF4-FFF2-40B4-BE49-F238E27FC236}">
-                <a16:creationId xmlns:a16="http://schemas.microsoft.com/office/drawing/2014/main" id="{DF2A39B1-9E39-43AF-B0B6-47E4597CE896}"/>
+                <a16:creationId xmlns:a16="http://schemas.microsoft.com/office/drawing/2014/main" xmlns="" id="{DF2A39B1-9E39-43AF-B0B6-47E4597CE896}"/>
               </a:ext>
             </a:extLst>
           </p:cNvPr>
@@ -6024,7 +6045,7 @@
         </p:blipFill>
         <p:spPr bwMode="auto">
           <a:xfrm>
-            <a:off x="972381" y="838614"/>
+            <a:off x="534231" y="991014"/>
             <a:ext cx="6091236" cy="5786438"/>
           </a:xfrm>
           <a:prstGeom prst="rect">
@@ -6041,7 +6062,7 @@
           <p:cNvPr id="5" name="Título 1">
             <a:extLst>
               <a:ext uri="{FF2B5EF4-FFF2-40B4-BE49-F238E27FC236}">
-                <a16:creationId xmlns:a16="http://schemas.microsoft.com/office/drawing/2014/main" id="{ACF83947-EE58-46B0-ACC9-C463D16A9F5D}"/>
+                <a16:creationId xmlns:a16="http://schemas.microsoft.com/office/drawing/2014/main" xmlns="" id="{ACF83947-EE58-46B0-ACC9-C463D16A9F5D}"/>
               </a:ext>
             </a:extLst>
           </p:cNvPr>
@@ -6054,8 +6075,8 @@
         </p:nvSpPr>
         <p:spPr>
           <a:xfrm>
-            <a:off x="665922" y="365125"/>
-            <a:ext cx="8491538" cy="463550"/>
+            <a:off x="334206" y="264543"/>
+            <a:ext cx="6733344" cy="463550"/>
           </a:xfrm>
         </p:spPr>
         <p:txBody>
@@ -6065,7 +6086,11 @@
           <a:lstStyle/>
           <a:p>
             <a:r>
-              <a:rPr lang="es-ES" sz="3200" b="1" u="sng" dirty="0"/>
+              <a:rPr lang="es-ES" sz="3200" b="1" u="sng" dirty="0">
+                <a:solidFill>
+                  <a:schemeClr val="accent2"/>
+                </a:solidFill>
+              </a:rPr>
               <a:t>Diagrama de caso de uso de Sistema</a:t>
             </a:r>
           </a:p>
@@ -6076,7 +6101,7 @@
           <p:cNvPr id="6" name="Imagen 5">
             <a:extLst>
               <a:ext uri="{FF2B5EF4-FFF2-40B4-BE49-F238E27FC236}">
-                <a16:creationId xmlns:a16="http://schemas.microsoft.com/office/drawing/2014/main" id="{0E9159BF-30F7-4F18-B7BA-722C04FEF48A}"/>
+                <a16:creationId xmlns:a16="http://schemas.microsoft.com/office/drawing/2014/main" xmlns="" id="{0E9159BF-30F7-4F18-B7BA-722C04FEF48A}"/>
               </a:ext>
             </a:extLst>
           </p:cNvPr>
@@ -6098,8 +6123,8 @@
         </p:blipFill>
         <p:spPr bwMode="auto">
           <a:xfrm>
-            <a:off x="7729746" y="1364456"/>
-            <a:ext cx="3843130" cy="4129088"/>
+            <a:off x="6625467" y="1659731"/>
+            <a:ext cx="3690108" cy="3969544"/>
           </a:xfrm>
           <a:prstGeom prst="rect">
             <a:avLst/>
@@ -6140,12 +6165,3442 @@
           <a:chExt cx="0" cy="0"/>
         </a:xfrm>
       </p:grpSpPr>
+      <p:graphicFrame>
+        <p:nvGraphicFramePr>
+          <p:cNvPr id="4" name="Tabla 3"/>
+          <p:cNvGraphicFramePr>
+            <a:graphicFrameLocks noGrp="1"/>
+          </p:cNvGraphicFramePr>
+          <p:nvPr>
+            <p:extLst>
+              <p:ext uri="{D42A27DB-BD31-4B8C-83A1-F6EECF244321}">
+                <p14:modId xmlns:p14="http://schemas.microsoft.com/office/powerpoint/2010/main" val="3512409775"/>
+              </p:ext>
+            </p:extLst>
+          </p:nvPr>
+        </p:nvGraphicFramePr>
+        <p:xfrm>
+          <a:off x="457994" y="1146969"/>
+          <a:ext cx="5473700" cy="2447925"/>
+        </p:xfrm>
+        <a:graphic>
+          <a:graphicData uri="http://schemas.openxmlformats.org/drawingml/2006/table">
+            <a:tbl>
+              <a:tblPr firstRow="1" firstCol="1" bandRow="1">
+                <a:tableStyleId>{5C22544A-7EE6-4342-B048-85BDC9FD1C3A}</a:tableStyleId>
+              </a:tblPr>
+              <a:tblGrid>
+                <a:gridCol w="1830070"/>
+                <a:gridCol w="3643630"/>
+              </a:tblGrid>
+              <a:tr h="190500">
+                <a:tc gridSpan="2">
+                  <a:txBody>
+                    <a:bodyPr/>
+                    <a:lstStyle/>
+                    <a:p>
+                      <a:pPr algn="ctr">
+                        <a:lnSpc>
+                          <a:spcPct val="107000"/>
+                        </a:lnSpc>
+                        <a:spcAft>
+                          <a:spcPts val="0"/>
+                        </a:spcAft>
+                      </a:pPr>
+                      <a:r>
+                        <a:rPr lang="es-PE" sz="1100" dirty="0">
+                          <a:effectLst/>
+                        </a:rPr>
+                        <a:t>CASO DE USO CREAR USUARIO</a:t>
+                      </a:r>
+                      <a:endParaRPr lang="en-GB" sz="1100" dirty="0">
+                        <a:effectLst/>
+                        <a:latin typeface="Calibri" panose="020F0502020204030204" pitchFamily="34" charset="0"/>
+                        <a:ea typeface="Calibri" panose="020F0502020204030204" pitchFamily="34" charset="0"/>
+                        <a:cs typeface="Times New Roman" panose="02020603050405020304" pitchFamily="18" charset="0"/>
+                      </a:endParaRPr>
+                    </a:p>
+                  </a:txBody>
+                  <a:tcPr marL="44450" marR="44450" marT="0" marB="0" anchor="ctr"/>
+                </a:tc>
+                <a:tc hMerge="1">
+                  <a:txBody>
+                    <a:bodyPr/>
+                    <a:lstStyle/>
+                    <a:p>
+                      <a:endParaRPr lang="en-GB"/>
+                    </a:p>
+                  </a:txBody>
+                  <a:tcPr/>
+                </a:tc>
+              </a:tr>
+              <a:tr h="190500">
+                <a:tc>
+                  <a:txBody>
+                    <a:bodyPr/>
+                    <a:lstStyle/>
+                    <a:p>
+                      <a:pPr>
+                        <a:lnSpc>
+                          <a:spcPct val="107000"/>
+                        </a:lnSpc>
+                        <a:spcAft>
+                          <a:spcPts val="0"/>
+                        </a:spcAft>
+                      </a:pPr>
+                      <a:r>
+                        <a:rPr lang="es-PE" sz="1100">
+                          <a:effectLst/>
+                        </a:rPr>
+                        <a:t>Caso de Uso</a:t>
+                      </a:r>
+                      <a:endParaRPr lang="en-GB" sz="1100">
+                        <a:effectLst/>
+                        <a:latin typeface="Calibri" panose="020F0502020204030204" pitchFamily="34" charset="0"/>
+                        <a:ea typeface="Calibri" panose="020F0502020204030204" pitchFamily="34" charset="0"/>
+                        <a:cs typeface="Times New Roman" panose="02020603050405020304" pitchFamily="18" charset="0"/>
+                      </a:endParaRPr>
+                    </a:p>
+                  </a:txBody>
+                  <a:tcPr marL="44450" marR="44450" marT="0" marB="0" anchor="ctr"/>
+                </a:tc>
+                <a:tc>
+                  <a:txBody>
+                    <a:bodyPr/>
+                    <a:lstStyle/>
+                    <a:p>
+                      <a:pPr>
+                        <a:lnSpc>
+                          <a:spcPct val="107000"/>
+                        </a:lnSpc>
+                        <a:spcAft>
+                          <a:spcPts val="0"/>
+                        </a:spcAft>
+                      </a:pPr>
+                      <a:r>
+                        <a:rPr lang="es-PE" sz="1100">
+                          <a:effectLst/>
+                        </a:rPr>
+                        <a:t>Crear usuario</a:t>
+                      </a:r>
+                      <a:endParaRPr lang="en-GB" sz="1100">
+                        <a:effectLst/>
+                        <a:latin typeface="Calibri" panose="020F0502020204030204" pitchFamily="34" charset="0"/>
+                        <a:ea typeface="Calibri" panose="020F0502020204030204" pitchFamily="34" charset="0"/>
+                        <a:cs typeface="Times New Roman" panose="02020603050405020304" pitchFamily="18" charset="0"/>
+                      </a:endParaRPr>
+                    </a:p>
+                  </a:txBody>
+                  <a:tcPr marL="44450" marR="44450" marT="0" marB="0" anchor="ctr"/>
+                </a:tc>
+              </a:tr>
+              <a:tr h="190500">
+                <a:tc>
+                  <a:txBody>
+                    <a:bodyPr/>
+                    <a:lstStyle/>
+                    <a:p>
+                      <a:pPr>
+                        <a:lnSpc>
+                          <a:spcPct val="107000"/>
+                        </a:lnSpc>
+                        <a:spcAft>
+                          <a:spcPts val="0"/>
+                        </a:spcAft>
+                      </a:pPr>
+                      <a:r>
+                        <a:rPr lang="es-PE" sz="1100">
+                          <a:effectLst/>
+                        </a:rPr>
+                        <a:t>Actores</a:t>
+                      </a:r>
+                      <a:endParaRPr lang="en-GB" sz="1100">
+                        <a:effectLst/>
+                        <a:latin typeface="Calibri" panose="020F0502020204030204" pitchFamily="34" charset="0"/>
+                        <a:ea typeface="Calibri" panose="020F0502020204030204" pitchFamily="34" charset="0"/>
+                        <a:cs typeface="Times New Roman" panose="02020603050405020304" pitchFamily="18" charset="0"/>
+                      </a:endParaRPr>
+                    </a:p>
+                  </a:txBody>
+                  <a:tcPr marL="44450" marR="44450" marT="0" marB="0" anchor="ctr"/>
+                </a:tc>
+                <a:tc>
+                  <a:txBody>
+                    <a:bodyPr/>
+                    <a:lstStyle/>
+                    <a:p>
+                      <a:pPr>
+                        <a:lnSpc>
+                          <a:spcPct val="107000"/>
+                        </a:lnSpc>
+                        <a:spcAft>
+                          <a:spcPts val="0"/>
+                        </a:spcAft>
+                      </a:pPr>
+                      <a:r>
+                        <a:rPr lang="es-PE" sz="1100">
+                          <a:effectLst/>
+                        </a:rPr>
+                        <a:t>Estudiante</a:t>
+                      </a:r>
+                      <a:endParaRPr lang="en-GB" sz="1100">
+                        <a:effectLst/>
+                        <a:latin typeface="Calibri" panose="020F0502020204030204" pitchFamily="34" charset="0"/>
+                        <a:ea typeface="Calibri" panose="020F0502020204030204" pitchFamily="34" charset="0"/>
+                        <a:cs typeface="Times New Roman" panose="02020603050405020304" pitchFamily="18" charset="0"/>
+                      </a:endParaRPr>
+                    </a:p>
+                  </a:txBody>
+                  <a:tcPr marL="44450" marR="44450" marT="0" marB="0" anchor="ctr"/>
+                </a:tc>
+              </a:tr>
+              <a:tr h="190500">
+                <a:tc>
+                  <a:txBody>
+                    <a:bodyPr/>
+                    <a:lstStyle/>
+                    <a:p>
+                      <a:pPr>
+                        <a:lnSpc>
+                          <a:spcPct val="107000"/>
+                        </a:lnSpc>
+                        <a:spcAft>
+                          <a:spcPts val="0"/>
+                        </a:spcAft>
+                      </a:pPr>
+                      <a:r>
+                        <a:rPr lang="es-PE" sz="1100">
+                          <a:effectLst/>
+                        </a:rPr>
+                        <a:t>Tipo</a:t>
+                      </a:r>
+                      <a:endParaRPr lang="en-GB" sz="1100">
+                        <a:effectLst/>
+                        <a:latin typeface="Calibri" panose="020F0502020204030204" pitchFamily="34" charset="0"/>
+                        <a:ea typeface="Calibri" panose="020F0502020204030204" pitchFamily="34" charset="0"/>
+                        <a:cs typeface="Times New Roman" panose="02020603050405020304" pitchFamily="18" charset="0"/>
+                      </a:endParaRPr>
+                    </a:p>
+                  </a:txBody>
+                  <a:tcPr marL="44450" marR="44450" marT="0" marB="0" anchor="ctr"/>
+                </a:tc>
+                <a:tc>
+                  <a:txBody>
+                    <a:bodyPr/>
+                    <a:lstStyle/>
+                    <a:p>
+                      <a:pPr>
+                        <a:lnSpc>
+                          <a:spcPct val="107000"/>
+                        </a:lnSpc>
+                        <a:spcAft>
+                          <a:spcPts val="0"/>
+                        </a:spcAft>
+                      </a:pPr>
+                      <a:r>
+                        <a:rPr lang="es-PE" sz="1100">
+                          <a:effectLst/>
+                        </a:rPr>
+                        <a:t>Básico</a:t>
+                      </a:r>
+                      <a:endParaRPr lang="en-GB" sz="1100">
+                        <a:effectLst/>
+                        <a:latin typeface="Calibri" panose="020F0502020204030204" pitchFamily="34" charset="0"/>
+                        <a:ea typeface="Calibri" panose="020F0502020204030204" pitchFamily="34" charset="0"/>
+                        <a:cs typeface="Times New Roman" panose="02020603050405020304" pitchFamily="18" charset="0"/>
+                      </a:endParaRPr>
+                    </a:p>
+                  </a:txBody>
+                  <a:tcPr marL="44450" marR="44450" marT="0" marB="0" anchor="ctr"/>
+                </a:tc>
+              </a:tr>
+              <a:tr h="409575">
+                <a:tc>
+                  <a:txBody>
+                    <a:bodyPr/>
+                    <a:lstStyle/>
+                    <a:p>
+                      <a:pPr>
+                        <a:lnSpc>
+                          <a:spcPct val="107000"/>
+                        </a:lnSpc>
+                        <a:spcAft>
+                          <a:spcPts val="0"/>
+                        </a:spcAft>
+                      </a:pPr>
+                      <a:r>
+                        <a:rPr lang="es-PE" sz="1100">
+                          <a:effectLst/>
+                        </a:rPr>
+                        <a:t>Propósito</a:t>
+                      </a:r>
+                      <a:endParaRPr lang="en-GB" sz="1100">
+                        <a:effectLst/>
+                        <a:latin typeface="Calibri" panose="020F0502020204030204" pitchFamily="34" charset="0"/>
+                        <a:ea typeface="Calibri" panose="020F0502020204030204" pitchFamily="34" charset="0"/>
+                        <a:cs typeface="Times New Roman" panose="02020603050405020304" pitchFamily="18" charset="0"/>
+                      </a:endParaRPr>
+                    </a:p>
+                  </a:txBody>
+                  <a:tcPr marL="44450" marR="44450" marT="0" marB="0" anchor="ctr"/>
+                </a:tc>
+                <a:tc>
+                  <a:txBody>
+                    <a:bodyPr/>
+                    <a:lstStyle/>
+                    <a:p>
+                      <a:pPr>
+                        <a:lnSpc>
+                          <a:spcPct val="107000"/>
+                        </a:lnSpc>
+                        <a:spcAft>
+                          <a:spcPts val="0"/>
+                        </a:spcAft>
+                      </a:pPr>
+                      <a:r>
+                        <a:rPr lang="es-PE" sz="1100" dirty="0">
+                          <a:effectLst/>
+                        </a:rPr>
+                        <a:t>Crear una nueva cuenta de usuario en el Sistema para poder iniciar sesión.</a:t>
+                      </a:r>
+                      <a:endParaRPr lang="en-GB" sz="1100" dirty="0">
+                        <a:effectLst/>
+                        <a:latin typeface="Calibri" panose="020F0502020204030204" pitchFamily="34" charset="0"/>
+                        <a:ea typeface="Calibri" panose="020F0502020204030204" pitchFamily="34" charset="0"/>
+                        <a:cs typeface="Times New Roman" panose="02020603050405020304" pitchFamily="18" charset="0"/>
+                      </a:endParaRPr>
+                    </a:p>
+                  </a:txBody>
+                  <a:tcPr marL="44450" marR="44450" marT="0" marB="0" anchor="ctr"/>
+                </a:tc>
+              </a:tr>
+              <a:tr h="190500">
+                <a:tc>
+                  <a:txBody>
+                    <a:bodyPr/>
+                    <a:lstStyle/>
+                    <a:p>
+                      <a:pPr>
+                        <a:lnSpc>
+                          <a:spcPct val="107000"/>
+                        </a:lnSpc>
+                        <a:spcAft>
+                          <a:spcPts val="0"/>
+                        </a:spcAft>
+                      </a:pPr>
+                      <a:r>
+                        <a:rPr lang="es-PE" sz="1100">
+                          <a:effectLst/>
+                        </a:rPr>
+                        <a:t>Resumen</a:t>
+                      </a:r>
+                      <a:endParaRPr lang="en-GB" sz="1100">
+                        <a:effectLst/>
+                        <a:latin typeface="Calibri" panose="020F0502020204030204" pitchFamily="34" charset="0"/>
+                        <a:ea typeface="Calibri" panose="020F0502020204030204" pitchFamily="34" charset="0"/>
+                        <a:cs typeface="Times New Roman" panose="02020603050405020304" pitchFamily="18" charset="0"/>
+                      </a:endParaRPr>
+                    </a:p>
+                  </a:txBody>
+                  <a:tcPr marL="44450" marR="44450" marT="0" marB="0" anchor="ctr"/>
+                </a:tc>
+                <a:tc>
+                  <a:txBody>
+                    <a:bodyPr/>
+                    <a:lstStyle/>
+                    <a:p>
+                      <a:pPr>
+                        <a:lnSpc>
+                          <a:spcPct val="107000"/>
+                        </a:lnSpc>
+                        <a:spcAft>
+                          <a:spcPts val="0"/>
+                        </a:spcAft>
+                      </a:pPr>
+                      <a:r>
+                        <a:rPr lang="es-PE" sz="1100">
+                          <a:effectLst/>
+                        </a:rPr>
+                        <a:t>Crear nueva cuenta</a:t>
+                      </a:r>
+                      <a:endParaRPr lang="en-GB" sz="1100">
+                        <a:effectLst/>
+                        <a:latin typeface="Calibri" panose="020F0502020204030204" pitchFamily="34" charset="0"/>
+                        <a:ea typeface="Calibri" panose="020F0502020204030204" pitchFamily="34" charset="0"/>
+                        <a:cs typeface="Times New Roman" panose="02020603050405020304" pitchFamily="18" charset="0"/>
+                      </a:endParaRPr>
+                    </a:p>
+                  </a:txBody>
+                  <a:tcPr marL="44450" marR="44450" marT="0" marB="0" anchor="ctr"/>
+                </a:tc>
+              </a:tr>
+              <a:tr h="381000">
+                <a:tc>
+                  <a:txBody>
+                    <a:bodyPr/>
+                    <a:lstStyle/>
+                    <a:p>
+                      <a:pPr>
+                        <a:lnSpc>
+                          <a:spcPct val="107000"/>
+                        </a:lnSpc>
+                        <a:spcAft>
+                          <a:spcPts val="0"/>
+                        </a:spcAft>
+                      </a:pPr>
+                      <a:r>
+                        <a:rPr lang="es-PE" sz="1100">
+                          <a:effectLst/>
+                        </a:rPr>
+                        <a:t>Precondiciones</a:t>
+                      </a:r>
+                      <a:endParaRPr lang="en-GB" sz="1100">
+                        <a:effectLst/>
+                        <a:latin typeface="Calibri" panose="020F0502020204030204" pitchFamily="34" charset="0"/>
+                        <a:ea typeface="Calibri" panose="020F0502020204030204" pitchFamily="34" charset="0"/>
+                        <a:cs typeface="Times New Roman" panose="02020603050405020304" pitchFamily="18" charset="0"/>
+                      </a:endParaRPr>
+                    </a:p>
+                  </a:txBody>
+                  <a:tcPr marL="44450" marR="44450" marT="0" marB="0" anchor="ctr"/>
+                </a:tc>
+                <a:tc>
+                  <a:txBody>
+                    <a:bodyPr/>
+                    <a:lstStyle/>
+                    <a:p>
+                      <a:pPr>
+                        <a:lnSpc>
+                          <a:spcPct val="107000"/>
+                        </a:lnSpc>
+                        <a:spcAft>
+                          <a:spcPts val="0"/>
+                        </a:spcAft>
+                      </a:pPr>
+                      <a:r>
+                        <a:rPr lang="es-PE" sz="1100" dirty="0">
+                          <a:effectLst/>
+                        </a:rPr>
+                        <a:t>Es necesario ingresar los datos del usuario solicitado por el sistema</a:t>
+                      </a:r>
+                      <a:endParaRPr lang="en-GB" sz="1100" dirty="0">
+                        <a:effectLst/>
+                        <a:latin typeface="Calibri" panose="020F0502020204030204" pitchFamily="34" charset="0"/>
+                        <a:ea typeface="Calibri" panose="020F0502020204030204" pitchFamily="34" charset="0"/>
+                        <a:cs typeface="Times New Roman" panose="02020603050405020304" pitchFamily="18" charset="0"/>
+                      </a:endParaRPr>
+                    </a:p>
+                  </a:txBody>
+                  <a:tcPr marL="44450" marR="44450" marT="0" marB="0" anchor="ctr"/>
+                </a:tc>
+              </a:tr>
+              <a:tr h="190500">
+                <a:tc>
+                  <a:txBody>
+                    <a:bodyPr/>
+                    <a:lstStyle/>
+                    <a:p>
+                      <a:pPr>
+                        <a:lnSpc>
+                          <a:spcPct val="107000"/>
+                        </a:lnSpc>
+                        <a:spcAft>
+                          <a:spcPts val="0"/>
+                        </a:spcAft>
+                      </a:pPr>
+                      <a:r>
+                        <a:rPr lang="es-PE" sz="1100">
+                          <a:effectLst/>
+                        </a:rPr>
+                        <a:t>Flujo Principal</a:t>
+                      </a:r>
+                      <a:endParaRPr lang="en-GB" sz="1100">
+                        <a:effectLst/>
+                        <a:latin typeface="Calibri" panose="020F0502020204030204" pitchFamily="34" charset="0"/>
+                        <a:ea typeface="Calibri" panose="020F0502020204030204" pitchFamily="34" charset="0"/>
+                        <a:cs typeface="Times New Roman" panose="02020603050405020304" pitchFamily="18" charset="0"/>
+                      </a:endParaRPr>
+                    </a:p>
+                  </a:txBody>
+                  <a:tcPr marL="44450" marR="44450" marT="0" marB="0" anchor="ctr"/>
+                </a:tc>
+                <a:tc>
+                  <a:txBody>
+                    <a:bodyPr/>
+                    <a:lstStyle/>
+                    <a:p>
+                      <a:pPr>
+                        <a:lnSpc>
+                          <a:spcPct val="107000"/>
+                        </a:lnSpc>
+                        <a:spcAft>
+                          <a:spcPts val="0"/>
+                        </a:spcAft>
+                      </a:pPr>
+                      <a:r>
+                        <a:rPr lang="es-PE" sz="1100">
+                          <a:effectLst/>
+                        </a:rPr>
+                        <a:t>Se valida usuario con los datos requeridos</a:t>
+                      </a:r>
+                      <a:endParaRPr lang="en-GB" sz="1100">
+                        <a:effectLst/>
+                        <a:latin typeface="Calibri" panose="020F0502020204030204" pitchFamily="34" charset="0"/>
+                        <a:ea typeface="Calibri" panose="020F0502020204030204" pitchFamily="34" charset="0"/>
+                        <a:cs typeface="Times New Roman" panose="02020603050405020304" pitchFamily="18" charset="0"/>
+                      </a:endParaRPr>
+                    </a:p>
+                  </a:txBody>
+                  <a:tcPr marL="44450" marR="44450" marT="0" marB="0" anchor="ctr"/>
+                </a:tc>
+              </a:tr>
+              <a:tr h="514350">
+                <a:tc>
+                  <a:txBody>
+                    <a:bodyPr/>
+                    <a:lstStyle/>
+                    <a:p>
+                      <a:pPr>
+                        <a:lnSpc>
+                          <a:spcPct val="107000"/>
+                        </a:lnSpc>
+                        <a:spcAft>
+                          <a:spcPts val="0"/>
+                        </a:spcAft>
+                      </a:pPr>
+                      <a:r>
+                        <a:rPr lang="es-PE" sz="1100">
+                          <a:effectLst/>
+                        </a:rPr>
+                        <a:t>Excepciones</a:t>
+                      </a:r>
+                      <a:endParaRPr lang="en-GB" sz="1100">
+                        <a:effectLst/>
+                        <a:latin typeface="Calibri" panose="020F0502020204030204" pitchFamily="34" charset="0"/>
+                        <a:ea typeface="Calibri" panose="020F0502020204030204" pitchFamily="34" charset="0"/>
+                        <a:cs typeface="Times New Roman" panose="02020603050405020304" pitchFamily="18" charset="0"/>
+                      </a:endParaRPr>
+                    </a:p>
+                  </a:txBody>
+                  <a:tcPr marL="44450" marR="44450" marT="0" marB="0" anchor="ctr"/>
+                </a:tc>
+                <a:tc>
+                  <a:txBody>
+                    <a:bodyPr/>
+                    <a:lstStyle/>
+                    <a:p>
+                      <a:pPr>
+                        <a:lnSpc>
+                          <a:spcPct val="107000"/>
+                        </a:lnSpc>
+                        <a:spcAft>
+                          <a:spcPts val="0"/>
+                        </a:spcAft>
+                      </a:pPr>
+                      <a:r>
+                        <a:rPr lang="es-PE" sz="1100" dirty="0">
+                          <a:effectLst/>
+                        </a:rPr>
+                        <a:t>Se valida el código del alumno. Si no se encuentra en el registro, no puede crear su cuenta de usuario.</a:t>
+                      </a:r>
+                      <a:endParaRPr lang="en-GB" sz="1100" dirty="0">
+                        <a:effectLst/>
+                        <a:latin typeface="Calibri" panose="020F0502020204030204" pitchFamily="34" charset="0"/>
+                        <a:ea typeface="Calibri" panose="020F0502020204030204" pitchFamily="34" charset="0"/>
+                        <a:cs typeface="Times New Roman" panose="02020603050405020304" pitchFamily="18" charset="0"/>
+                      </a:endParaRPr>
+                    </a:p>
+                  </a:txBody>
+                  <a:tcPr marL="44450" marR="44450" marT="0" marB="0" anchor="ctr"/>
+                </a:tc>
+              </a:tr>
+            </a:tbl>
+          </a:graphicData>
+        </a:graphic>
+      </p:graphicFrame>
+      <p:graphicFrame>
+        <p:nvGraphicFramePr>
+          <p:cNvPr id="5" name="Tabla 4"/>
+          <p:cNvGraphicFramePr>
+            <a:graphicFrameLocks noGrp="1"/>
+          </p:cNvGraphicFramePr>
+          <p:nvPr>
+            <p:extLst>
+              <p:ext uri="{D42A27DB-BD31-4B8C-83A1-F6EECF244321}">
+                <p14:modId xmlns:p14="http://schemas.microsoft.com/office/powerpoint/2010/main" val="4009416761"/>
+              </p:ext>
+            </p:extLst>
+          </p:nvPr>
+        </p:nvGraphicFramePr>
+        <p:xfrm>
+          <a:off x="457994" y="4006056"/>
+          <a:ext cx="5473700" cy="2286000"/>
+        </p:xfrm>
+        <a:graphic>
+          <a:graphicData uri="http://schemas.openxmlformats.org/drawingml/2006/table">
+            <a:tbl>
+              <a:tblPr firstRow="1" firstCol="1" bandRow="1">
+                <a:tableStyleId>{5C22544A-7EE6-4342-B048-85BDC9FD1C3A}</a:tableStyleId>
+              </a:tblPr>
+              <a:tblGrid>
+                <a:gridCol w="1808480"/>
+                <a:gridCol w="3665220"/>
+              </a:tblGrid>
+              <a:tr h="190500">
+                <a:tc gridSpan="2">
+                  <a:txBody>
+                    <a:bodyPr/>
+                    <a:lstStyle/>
+                    <a:p>
+                      <a:pPr algn="ctr">
+                        <a:lnSpc>
+                          <a:spcPct val="107000"/>
+                        </a:lnSpc>
+                        <a:spcAft>
+                          <a:spcPts val="0"/>
+                        </a:spcAft>
+                      </a:pPr>
+                      <a:r>
+                        <a:rPr lang="es-PE" sz="1100" dirty="0">
+                          <a:effectLst/>
+                        </a:rPr>
+                        <a:t>CASO DE USO INICIAR SESION</a:t>
+                      </a:r>
+                      <a:endParaRPr lang="en-GB" sz="1100" dirty="0">
+                        <a:effectLst/>
+                        <a:latin typeface="Calibri" panose="020F0502020204030204" pitchFamily="34" charset="0"/>
+                        <a:ea typeface="Calibri" panose="020F0502020204030204" pitchFamily="34" charset="0"/>
+                        <a:cs typeface="Times New Roman" panose="02020603050405020304" pitchFamily="18" charset="0"/>
+                      </a:endParaRPr>
+                    </a:p>
+                  </a:txBody>
+                  <a:tcPr marL="44450" marR="44450" marT="0" marB="0" anchor="ctr"/>
+                </a:tc>
+                <a:tc hMerge="1">
+                  <a:txBody>
+                    <a:bodyPr/>
+                    <a:lstStyle/>
+                    <a:p>
+                      <a:endParaRPr lang="en-GB"/>
+                    </a:p>
+                  </a:txBody>
+                  <a:tcPr/>
+                </a:tc>
+              </a:tr>
+              <a:tr h="190500">
+                <a:tc>
+                  <a:txBody>
+                    <a:bodyPr/>
+                    <a:lstStyle/>
+                    <a:p>
+                      <a:pPr>
+                        <a:lnSpc>
+                          <a:spcPct val="107000"/>
+                        </a:lnSpc>
+                        <a:spcAft>
+                          <a:spcPts val="0"/>
+                        </a:spcAft>
+                      </a:pPr>
+                      <a:r>
+                        <a:rPr lang="es-PE" sz="1100">
+                          <a:effectLst/>
+                        </a:rPr>
+                        <a:t>Caso de Uso</a:t>
+                      </a:r>
+                      <a:endParaRPr lang="en-GB" sz="1100">
+                        <a:effectLst/>
+                        <a:latin typeface="Calibri" panose="020F0502020204030204" pitchFamily="34" charset="0"/>
+                        <a:ea typeface="Calibri" panose="020F0502020204030204" pitchFamily="34" charset="0"/>
+                        <a:cs typeface="Times New Roman" panose="02020603050405020304" pitchFamily="18" charset="0"/>
+                      </a:endParaRPr>
+                    </a:p>
+                  </a:txBody>
+                  <a:tcPr marL="44450" marR="44450" marT="0" marB="0" anchor="ctr"/>
+                </a:tc>
+                <a:tc>
+                  <a:txBody>
+                    <a:bodyPr/>
+                    <a:lstStyle/>
+                    <a:p>
+                      <a:pPr>
+                        <a:lnSpc>
+                          <a:spcPct val="107000"/>
+                        </a:lnSpc>
+                        <a:spcAft>
+                          <a:spcPts val="0"/>
+                        </a:spcAft>
+                      </a:pPr>
+                      <a:r>
+                        <a:rPr lang="es-PE" sz="1100">
+                          <a:effectLst/>
+                        </a:rPr>
+                        <a:t>Iniciar sesión</a:t>
+                      </a:r>
+                      <a:endParaRPr lang="en-GB" sz="1100">
+                        <a:effectLst/>
+                        <a:latin typeface="Calibri" panose="020F0502020204030204" pitchFamily="34" charset="0"/>
+                        <a:ea typeface="Calibri" panose="020F0502020204030204" pitchFamily="34" charset="0"/>
+                        <a:cs typeface="Times New Roman" panose="02020603050405020304" pitchFamily="18" charset="0"/>
+                      </a:endParaRPr>
+                    </a:p>
+                  </a:txBody>
+                  <a:tcPr marL="44450" marR="44450" marT="0" marB="0" anchor="ctr"/>
+                </a:tc>
+              </a:tr>
+              <a:tr h="190500">
+                <a:tc>
+                  <a:txBody>
+                    <a:bodyPr/>
+                    <a:lstStyle/>
+                    <a:p>
+                      <a:pPr>
+                        <a:lnSpc>
+                          <a:spcPct val="107000"/>
+                        </a:lnSpc>
+                        <a:spcAft>
+                          <a:spcPts val="0"/>
+                        </a:spcAft>
+                      </a:pPr>
+                      <a:r>
+                        <a:rPr lang="es-PE" sz="1100">
+                          <a:effectLst/>
+                        </a:rPr>
+                        <a:t>Actores</a:t>
+                      </a:r>
+                      <a:endParaRPr lang="en-GB" sz="1100">
+                        <a:effectLst/>
+                        <a:latin typeface="Calibri" panose="020F0502020204030204" pitchFamily="34" charset="0"/>
+                        <a:ea typeface="Calibri" panose="020F0502020204030204" pitchFamily="34" charset="0"/>
+                        <a:cs typeface="Times New Roman" panose="02020603050405020304" pitchFamily="18" charset="0"/>
+                      </a:endParaRPr>
+                    </a:p>
+                  </a:txBody>
+                  <a:tcPr marL="44450" marR="44450" marT="0" marB="0" anchor="ctr"/>
+                </a:tc>
+                <a:tc>
+                  <a:txBody>
+                    <a:bodyPr/>
+                    <a:lstStyle/>
+                    <a:p>
+                      <a:pPr>
+                        <a:lnSpc>
+                          <a:spcPct val="107000"/>
+                        </a:lnSpc>
+                        <a:spcAft>
+                          <a:spcPts val="0"/>
+                        </a:spcAft>
+                      </a:pPr>
+                      <a:r>
+                        <a:rPr lang="es-PE" sz="1100">
+                          <a:effectLst/>
+                        </a:rPr>
+                        <a:t>Estudiante</a:t>
+                      </a:r>
+                      <a:endParaRPr lang="en-GB" sz="1100">
+                        <a:effectLst/>
+                        <a:latin typeface="Calibri" panose="020F0502020204030204" pitchFamily="34" charset="0"/>
+                        <a:ea typeface="Calibri" panose="020F0502020204030204" pitchFamily="34" charset="0"/>
+                        <a:cs typeface="Times New Roman" panose="02020603050405020304" pitchFamily="18" charset="0"/>
+                      </a:endParaRPr>
+                    </a:p>
+                  </a:txBody>
+                  <a:tcPr marL="44450" marR="44450" marT="0" marB="0" anchor="ctr"/>
+                </a:tc>
+              </a:tr>
+              <a:tr h="190500">
+                <a:tc>
+                  <a:txBody>
+                    <a:bodyPr/>
+                    <a:lstStyle/>
+                    <a:p>
+                      <a:pPr>
+                        <a:lnSpc>
+                          <a:spcPct val="107000"/>
+                        </a:lnSpc>
+                        <a:spcAft>
+                          <a:spcPts val="0"/>
+                        </a:spcAft>
+                      </a:pPr>
+                      <a:r>
+                        <a:rPr lang="es-PE" sz="1100">
+                          <a:effectLst/>
+                        </a:rPr>
+                        <a:t>Tipo</a:t>
+                      </a:r>
+                      <a:endParaRPr lang="en-GB" sz="1100">
+                        <a:effectLst/>
+                        <a:latin typeface="Calibri" panose="020F0502020204030204" pitchFamily="34" charset="0"/>
+                        <a:ea typeface="Calibri" panose="020F0502020204030204" pitchFamily="34" charset="0"/>
+                        <a:cs typeface="Times New Roman" panose="02020603050405020304" pitchFamily="18" charset="0"/>
+                      </a:endParaRPr>
+                    </a:p>
+                  </a:txBody>
+                  <a:tcPr marL="44450" marR="44450" marT="0" marB="0" anchor="ctr"/>
+                </a:tc>
+                <a:tc>
+                  <a:txBody>
+                    <a:bodyPr/>
+                    <a:lstStyle/>
+                    <a:p>
+                      <a:pPr>
+                        <a:lnSpc>
+                          <a:spcPct val="107000"/>
+                        </a:lnSpc>
+                        <a:spcAft>
+                          <a:spcPts val="0"/>
+                        </a:spcAft>
+                      </a:pPr>
+                      <a:r>
+                        <a:rPr lang="es-PE" sz="1100">
+                          <a:effectLst/>
+                        </a:rPr>
+                        <a:t>Básico</a:t>
+                      </a:r>
+                      <a:endParaRPr lang="en-GB" sz="1100">
+                        <a:effectLst/>
+                        <a:latin typeface="Calibri" panose="020F0502020204030204" pitchFamily="34" charset="0"/>
+                        <a:ea typeface="Calibri" panose="020F0502020204030204" pitchFamily="34" charset="0"/>
+                        <a:cs typeface="Times New Roman" panose="02020603050405020304" pitchFamily="18" charset="0"/>
+                      </a:endParaRPr>
+                    </a:p>
+                  </a:txBody>
+                  <a:tcPr marL="44450" marR="44450" marT="0" marB="0" anchor="ctr"/>
+                </a:tc>
+              </a:tr>
+              <a:tr h="381000">
+                <a:tc>
+                  <a:txBody>
+                    <a:bodyPr/>
+                    <a:lstStyle/>
+                    <a:p>
+                      <a:pPr>
+                        <a:lnSpc>
+                          <a:spcPct val="107000"/>
+                        </a:lnSpc>
+                        <a:spcAft>
+                          <a:spcPts val="0"/>
+                        </a:spcAft>
+                      </a:pPr>
+                      <a:r>
+                        <a:rPr lang="es-PE" sz="1100">
+                          <a:effectLst/>
+                        </a:rPr>
+                        <a:t>Propósito</a:t>
+                      </a:r>
+                      <a:endParaRPr lang="en-GB" sz="1100">
+                        <a:effectLst/>
+                        <a:latin typeface="Calibri" panose="020F0502020204030204" pitchFamily="34" charset="0"/>
+                        <a:ea typeface="Calibri" panose="020F0502020204030204" pitchFamily="34" charset="0"/>
+                        <a:cs typeface="Times New Roman" panose="02020603050405020304" pitchFamily="18" charset="0"/>
+                      </a:endParaRPr>
+                    </a:p>
+                  </a:txBody>
+                  <a:tcPr marL="44450" marR="44450" marT="0" marB="0" anchor="ctr"/>
+                </a:tc>
+                <a:tc>
+                  <a:txBody>
+                    <a:bodyPr/>
+                    <a:lstStyle/>
+                    <a:p>
+                      <a:pPr>
+                        <a:lnSpc>
+                          <a:spcPct val="107000"/>
+                        </a:lnSpc>
+                        <a:spcAft>
+                          <a:spcPts val="0"/>
+                        </a:spcAft>
+                      </a:pPr>
+                      <a:r>
+                        <a:rPr lang="es-PE" sz="1100">
+                          <a:effectLst/>
+                        </a:rPr>
+                        <a:t>Iniciar sesión con el usuario creado por el alumno ingresando su correo y contraseña.</a:t>
+                      </a:r>
+                      <a:endParaRPr lang="en-GB" sz="1100">
+                        <a:effectLst/>
+                        <a:latin typeface="Calibri" panose="020F0502020204030204" pitchFamily="34" charset="0"/>
+                        <a:ea typeface="Calibri" panose="020F0502020204030204" pitchFamily="34" charset="0"/>
+                        <a:cs typeface="Times New Roman" panose="02020603050405020304" pitchFamily="18" charset="0"/>
+                      </a:endParaRPr>
+                    </a:p>
+                  </a:txBody>
+                  <a:tcPr marL="44450" marR="44450" marT="0" marB="0" anchor="ctr"/>
+                </a:tc>
+              </a:tr>
+              <a:tr h="190500">
+                <a:tc>
+                  <a:txBody>
+                    <a:bodyPr/>
+                    <a:lstStyle/>
+                    <a:p>
+                      <a:pPr>
+                        <a:lnSpc>
+                          <a:spcPct val="107000"/>
+                        </a:lnSpc>
+                        <a:spcAft>
+                          <a:spcPts val="0"/>
+                        </a:spcAft>
+                      </a:pPr>
+                      <a:r>
+                        <a:rPr lang="es-PE" sz="1100">
+                          <a:effectLst/>
+                        </a:rPr>
+                        <a:t>Resumen</a:t>
+                      </a:r>
+                      <a:endParaRPr lang="en-GB" sz="1100">
+                        <a:effectLst/>
+                        <a:latin typeface="Calibri" panose="020F0502020204030204" pitchFamily="34" charset="0"/>
+                        <a:ea typeface="Calibri" panose="020F0502020204030204" pitchFamily="34" charset="0"/>
+                        <a:cs typeface="Times New Roman" panose="02020603050405020304" pitchFamily="18" charset="0"/>
+                      </a:endParaRPr>
+                    </a:p>
+                  </a:txBody>
+                  <a:tcPr marL="44450" marR="44450" marT="0" marB="0" anchor="ctr"/>
+                </a:tc>
+                <a:tc>
+                  <a:txBody>
+                    <a:bodyPr/>
+                    <a:lstStyle/>
+                    <a:p>
+                      <a:pPr>
+                        <a:lnSpc>
+                          <a:spcPct val="107000"/>
+                        </a:lnSpc>
+                        <a:spcAft>
+                          <a:spcPts val="0"/>
+                        </a:spcAft>
+                      </a:pPr>
+                      <a:r>
+                        <a:rPr lang="es-PE" sz="1100">
+                          <a:effectLst/>
+                        </a:rPr>
+                        <a:t>Iniciar sesión en la app</a:t>
+                      </a:r>
+                      <a:endParaRPr lang="en-GB" sz="1100">
+                        <a:effectLst/>
+                        <a:latin typeface="Calibri" panose="020F0502020204030204" pitchFamily="34" charset="0"/>
+                        <a:ea typeface="Calibri" panose="020F0502020204030204" pitchFamily="34" charset="0"/>
+                        <a:cs typeface="Times New Roman" panose="02020603050405020304" pitchFamily="18" charset="0"/>
+                      </a:endParaRPr>
+                    </a:p>
+                  </a:txBody>
+                  <a:tcPr marL="44450" marR="44450" marT="0" marB="0" anchor="ctr"/>
+                </a:tc>
+              </a:tr>
+              <a:tr h="190500">
+                <a:tc>
+                  <a:txBody>
+                    <a:bodyPr/>
+                    <a:lstStyle/>
+                    <a:p>
+                      <a:pPr>
+                        <a:lnSpc>
+                          <a:spcPct val="107000"/>
+                        </a:lnSpc>
+                        <a:spcAft>
+                          <a:spcPts val="0"/>
+                        </a:spcAft>
+                      </a:pPr>
+                      <a:r>
+                        <a:rPr lang="es-PE" sz="1100">
+                          <a:effectLst/>
+                        </a:rPr>
+                        <a:t>Precondiciones</a:t>
+                      </a:r>
+                      <a:endParaRPr lang="en-GB" sz="1100">
+                        <a:effectLst/>
+                        <a:latin typeface="Calibri" panose="020F0502020204030204" pitchFamily="34" charset="0"/>
+                        <a:ea typeface="Calibri" panose="020F0502020204030204" pitchFamily="34" charset="0"/>
+                        <a:cs typeface="Times New Roman" panose="02020603050405020304" pitchFamily="18" charset="0"/>
+                      </a:endParaRPr>
+                    </a:p>
+                  </a:txBody>
+                  <a:tcPr marL="44450" marR="44450" marT="0" marB="0" anchor="ctr"/>
+                </a:tc>
+                <a:tc>
+                  <a:txBody>
+                    <a:bodyPr/>
+                    <a:lstStyle/>
+                    <a:p>
+                      <a:pPr>
+                        <a:lnSpc>
+                          <a:spcPct val="107000"/>
+                        </a:lnSpc>
+                        <a:spcAft>
+                          <a:spcPts val="0"/>
+                        </a:spcAft>
+                      </a:pPr>
+                      <a:r>
+                        <a:rPr lang="es-PE" sz="1100">
+                          <a:effectLst/>
+                        </a:rPr>
+                        <a:t>Estar registrado</a:t>
+                      </a:r>
+                      <a:endParaRPr lang="en-GB" sz="1100">
+                        <a:effectLst/>
+                        <a:latin typeface="Calibri" panose="020F0502020204030204" pitchFamily="34" charset="0"/>
+                        <a:ea typeface="Calibri" panose="020F0502020204030204" pitchFamily="34" charset="0"/>
+                        <a:cs typeface="Times New Roman" panose="02020603050405020304" pitchFamily="18" charset="0"/>
+                      </a:endParaRPr>
+                    </a:p>
+                  </a:txBody>
+                  <a:tcPr marL="44450" marR="44450" marT="0" marB="0" anchor="ctr"/>
+                </a:tc>
+              </a:tr>
+              <a:tr h="381000">
+                <a:tc>
+                  <a:txBody>
+                    <a:bodyPr/>
+                    <a:lstStyle/>
+                    <a:p>
+                      <a:pPr>
+                        <a:lnSpc>
+                          <a:spcPct val="107000"/>
+                        </a:lnSpc>
+                        <a:spcAft>
+                          <a:spcPts val="0"/>
+                        </a:spcAft>
+                      </a:pPr>
+                      <a:r>
+                        <a:rPr lang="es-PE" sz="1100">
+                          <a:effectLst/>
+                        </a:rPr>
+                        <a:t>Flujo Principal</a:t>
+                      </a:r>
+                      <a:endParaRPr lang="en-GB" sz="1100">
+                        <a:effectLst/>
+                        <a:latin typeface="Calibri" panose="020F0502020204030204" pitchFamily="34" charset="0"/>
+                        <a:ea typeface="Calibri" panose="020F0502020204030204" pitchFamily="34" charset="0"/>
+                        <a:cs typeface="Times New Roman" panose="02020603050405020304" pitchFamily="18" charset="0"/>
+                      </a:endParaRPr>
+                    </a:p>
+                  </a:txBody>
+                  <a:tcPr marL="44450" marR="44450" marT="0" marB="0" anchor="ctr"/>
+                </a:tc>
+                <a:tc>
+                  <a:txBody>
+                    <a:bodyPr/>
+                    <a:lstStyle/>
+                    <a:p>
+                      <a:pPr>
+                        <a:lnSpc>
+                          <a:spcPct val="107000"/>
+                        </a:lnSpc>
+                        <a:spcAft>
+                          <a:spcPts val="0"/>
+                        </a:spcAft>
+                      </a:pPr>
+                      <a:r>
+                        <a:rPr lang="es-PE" sz="1100">
+                          <a:effectLst/>
+                        </a:rPr>
+                        <a:t>Se valida si el usuario y la contraseña son correctos.</a:t>
+                      </a:r>
+                      <a:endParaRPr lang="en-GB" sz="1100">
+                        <a:effectLst/>
+                        <a:latin typeface="Calibri" panose="020F0502020204030204" pitchFamily="34" charset="0"/>
+                        <a:ea typeface="Calibri" panose="020F0502020204030204" pitchFamily="34" charset="0"/>
+                        <a:cs typeface="Times New Roman" panose="02020603050405020304" pitchFamily="18" charset="0"/>
+                      </a:endParaRPr>
+                    </a:p>
+                  </a:txBody>
+                  <a:tcPr marL="44450" marR="44450" marT="0" marB="0" anchor="ctr"/>
+                </a:tc>
+              </a:tr>
+              <a:tr h="381000">
+                <a:tc>
+                  <a:txBody>
+                    <a:bodyPr/>
+                    <a:lstStyle/>
+                    <a:p>
+                      <a:pPr>
+                        <a:lnSpc>
+                          <a:spcPct val="107000"/>
+                        </a:lnSpc>
+                        <a:spcAft>
+                          <a:spcPts val="0"/>
+                        </a:spcAft>
+                      </a:pPr>
+                      <a:r>
+                        <a:rPr lang="es-PE" sz="1100">
+                          <a:effectLst/>
+                        </a:rPr>
+                        <a:t>Excepciones</a:t>
+                      </a:r>
+                      <a:endParaRPr lang="en-GB" sz="1100">
+                        <a:effectLst/>
+                        <a:latin typeface="Calibri" panose="020F0502020204030204" pitchFamily="34" charset="0"/>
+                        <a:ea typeface="Calibri" panose="020F0502020204030204" pitchFamily="34" charset="0"/>
+                        <a:cs typeface="Times New Roman" panose="02020603050405020304" pitchFamily="18" charset="0"/>
+                      </a:endParaRPr>
+                    </a:p>
+                  </a:txBody>
+                  <a:tcPr marL="44450" marR="44450" marT="0" marB="0" anchor="ctr"/>
+                </a:tc>
+                <a:tc>
+                  <a:txBody>
+                    <a:bodyPr/>
+                    <a:lstStyle/>
+                    <a:p>
+                      <a:pPr>
+                        <a:lnSpc>
+                          <a:spcPct val="107000"/>
+                        </a:lnSpc>
+                        <a:spcAft>
+                          <a:spcPts val="0"/>
+                        </a:spcAft>
+                      </a:pPr>
+                      <a:r>
+                        <a:rPr lang="es-PE" sz="1100" dirty="0">
+                          <a:effectLst/>
+                        </a:rPr>
+                        <a:t>Se valida usuario, si el usuario no se encuentra registrado, se le sugiere crear una cuenta.</a:t>
+                      </a:r>
+                      <a:endParaRPr lang="en-GB" sz="1100" dirty="0">
+                        <a:effectLst/>
+                        <a:latin typeface="Calibri" panose="020F0502020204030204" pitchFamily="34" charset="0"/>
+                        <a:ea typeface="Calibri" panose="020F0502020204030204" pitchFamily="34" charset="0"/>
+                        <a:cs typeface="Times New Roman" panose="02020603050405020304" pitchFamily="18" charset="0"/>
+                      </a:endParaRPr>
+                    </a:p>
+                  </a:txBody>
+                  <a:tcPr marL="44450" marR="44450" marT="0" marB="0" anchor="ctr"/>
+                </a:tc>
+              </a:tr>
+            </a:tbl>
+          </a:graphicData>
+        </a:graphic>
+      </p:graphicFrame>
+      <p:graphicFrame>
+        <p:nvGraphicFramePr>
+          <p:cNvPr id="6" name="Tabla 5"/>
+          <p:cNvGraphicFramePr>
+            <a:graphicFrameLocks noGrp="1"/>
+          </p:cNvGraphicFramePr>
+          <p:nvPr>
+            <p:extLst>
+              <p:ext uri="{D42A27DB-BD31-4B8C-83A1-F6EECF244321}">
+                <p14:modId xmlns:p14="http://schemas.microsoft.com/office/powerpoint/2010/main" val="390723264"/>
+              </p:ext>
+            </p:extLst>
+          </p:nvPr>
+        </p:nvGraphicFramePr>
+        <p:xfrm>
+          <a:off x="6277769" y="1146969"/>
+          <a:ext cx="5473700" cy="2476500"/>
+        </p:xfrm>
+        <a:graphic>
+          <a:graphicData uri="http://schemas.openxmlformats.org/drawingml/2006/table">
+            <a:tbl>
+              <a:tblPr firstRow="1" firstCol="1" bandRow="1">
+                <a:tableStyleId>{5C22544A-7EE6-4342-B048-85BDC9FD1C3A}</a:tableStyleId>
+              </a:tblPr>
+              <a:tblGrid>
+                <a:gridCol w="1796415"/>
+                <a:gridCol w="3677285"/>
+              </a:tblGrid>
+              <a:tr h="190500">
+                <a:tc gridSpan="2">
+                  <a:txBody>
+                    <a:bodyPr/>
+                    <a:lstStyle/>
+                    <a:p>
+                      <a:pPr algn="ctr">
+                        <a:lnSpc>
+                          <a:spcPct val="107000"/>
+                        </a:lnSpc>
+                        <a:spcAft>
+                          <a:spcPts val="0"/>
+                        </a:spcAft>
+                      </a:pPr>
+                      <a:r>
+                        <a:rPr lang="es-PE" sz="1100" dirty="0">
+                          <a:effectLst/>
+                        </a:rPr>
+                        <a:t>CASO DE USO BUSCAR ESTUDIANTE</a:t>
+                      </a:r>
+                      <a:endParaRPr lang="en-GB" sz="1100" dirty="0">
+                        <a:effectLst/>
+                        <a:latin typeface="Calibri" panose="020F0502020204030204" pitchFamily="34" charset="0"/>
+                        <a:ea typeface="Calibri" panose="020F0502020204030204" pitchFamily="34" charset="0"/>
+                        <a:cs typeface="Times New Roman" panose="02020603050405020304" pitchFamily="18" charset="0"/>
+                      </a:endParaRPr>
+                    </a:p>
+                  </a:txBody>
+                  <a:tcPr marL="44450" marR="44450" marT="0" marB="0" anchor="ctr"/>
+                </a:tc>
+                <a:tc hMerge="1">
+                  <a:txBody>
+                    <a:bodyPr/>
+                    <a:lstStyle/>
+                    <a:p>
+                      <a:endParaRPr lang="en-GB"/>
+                    </a:p>
+                  </a:txBody>
+                  <a:tcPr/>
+                </a:tc>
+              </a:tr>
+              <a:tr h="190500">
+                <a:tc>
+                  <a:txBody>
+                    <a:bodyPr/>
+                    <a:lstStyle/>
+                    <a:p>
+                      <a:pPr>
+                        <a:lnSpc>
+                          <a:spcPct val="107000"/>
+                        </a:lnSpc>
+                        <a:spcAft>
+                          <a:spcPts val="0"/>
+                        </a:spcAft>
+                      </a:pPr>
+                      <a:r>
+                        <a:rPr lang="es-PE" sz="1100" dirty="0">
+                          <a:effectLst/>
+                        </a:rPr>
+                        <a:t>Caso de Uso</a:t>
+                      </a:r>
+                      <a:endParaRPr lang="en-GB" sz="1100" dirty="0">
+                        <a:effectLst/>
+                        <a:latin typeface="Calibri" panose="020F0502020204030204" pitchFamily="34" charset="0"/>
+                        <a:ea typeface="Calibri" panose="020F0502020204030204" pitchFamily="34" charset="0"/>
+                        <a:cs typeface="Times New Roman" panose="02020603050405020304" pitchFamily="18" charset="0"/>
+                      </a:endParaRPr>
+                    </a:p>
+                  </a:txBody>
+                  <a:tcPr marL="44450" marR="44450" marT="0" marB="0" anchor="ctr"/>
+                </a:tc>
+                <a:tc>
+                  <a:txBody>
+                    <a:bodyPr/>
+                    <a:lstStyle/>
+                    <a:p>
+                      <a:pPr>
+                        <a:lnSpc>
+                          <a:spcPct val="107000"/>
+                        </a:lnSpc>
+                        <a:spcAft>
+                          <a:spcPts val="0"/>
+                        </a:spcAft>
+                      </a:pPr>
+                      <a:r>
+                        <a:rPr lang="es-PE" sz="1100">
+                          <a:effectLst/>
+                        </a:rPr>
+                        <a:t>Buscar Estudiante</a:t>
+                      </a:r>
+                      <a:endParaRPr lang="en-GB" sz="1100">
+                        <a:effectLst/>
+                        <a:latin typeface="Calibri" panose="020F0502020204030204" pitchFamily="34" charset="0"/>
+                        <a:ea typeface="Calibri" panose="020F0502020204030204" pitchFamily="34" charset="0"/>
+                        <a:cs typeface="Times New Roman" panose="02020603050405020304" pitchFamily="18" charset="0"/>
+                      </a:endParaRPr>
+                    </a:p>
+                  </a:txBody>
+                  <a:tcPr marL="44450" marR="44450" marT="0" marB="0" anchor="ctr"/>
+                </a:tc>
+              </a:tr>
+              <a:tr h="190500">
+                <a:tc>
+                  <a:txBody>
+                    <a:bodyPr/>
+                    <a:lstStyle/>
+                    <a:p>
+                      <a:pPr>
+                        <a:lnSpc>
+                          <a:spcPct val="107000"/>
+                        </a:lnSpc>
+                        <a:spcAft>
+                          <a:spcPts val="0"/>
+                        </a:spcAft>
+                      </a:pPr>
+                      <a:r>
+                        <a:rPr lang="es-PE" sz="1100">
+                          <a:effectLst/>
+                        </a:rPr>
+                        <a:t>Actores</a:t>
+                      </a:r>
+                      <a:endParaRPr lang="en-GB" sz="1100">
+                        <a:effectLst/>
+                        <a:latin typeface="Calibri" panose="020F0502020204030204" pitchFamily="34" charset="0"/>
+                        <a:ea typeface="Calibri" panose="020F0502020204030204" pitchFamily="34" charset="0"/>
+                        <a:cs typeface="Times New Roman" panose="02020603050405020304" pitchFamily="18" charset="0"/>
+                      </a:endParaRPr>
+                    </a:p>
+                  </a:txBody>
+                  <a:tcPr marL="44450" marR="44450" marT="0" marB="0" anchor="ctr"/>
+                </a:tc>
+                <a:tc>
+                  <a:txBody>
+                    <a:bodyPr/>
+                    <a:lstStyle/>
+                    <a:p>
+                      <a:pPr>
+                        <a:lnSpc>
+                          <a:spcPct val="107000"/>
+                        </a:lnSpc>
+                        <a:spcAft>
+                          <a:spcPts val="0"/>
+                        </a:spcAft>
+                      </a:pPr>
+                      <a:r>
+                        <a:rPr lang="es-PE" sz="1100">
+                          <a:effectLst/>
+                        </a:rPr>
+                        <a:t>Estudiante</a:t>
+                      </a:r>
+                      <a:endParaRPr lang="en-GB" sz="1100">
+                        <a:effectLst/>
+                        <a:latin typeface="Calibri" panose="020F0502020204030204" pitchFamily="34" charset="0"/>
+                        <a:ea typeface="Calibri" panose="020F0502020204030204" pitchFamily="34" charset="0"/>
+                        <a:cs typeface="Times New Roman" panose="02020603050405020304" pitchFamily="18" charset="0"/>
+                      </a:endParaRPr>
+                    </a:p>
+                  </a:txBody>
+                  <a:tcPr marL="44450" marR="44450" marT="0" marB="0" anchor="ctr"/>
+                </a:tc>
+              </a:tr>
+              <a:tr h="190500">
+                <a:tc>
+                  <a:txBody>
+                    <a:bodyPr/>
+                    <a:lstStyle/>
+                    <a:p>
+                      <a:pPr>
+                        <a:lnSpc>
+                          <a:spcPct val="107000"/>
+                        </a:lnSpc>
+                        <a:spcAft>
+                          <a:spcPts val="0"/>
+                        </a:spcAft>
+                      </a:pPr>
+                      <a:r>
+                        <a:rPr lang="es-PE" sz="1100">
+                          <a:effectLst/>
+                        </a:rPr>
+                        <a:t>Tipo</a:t>
+                      </a:r>
+                      <a:endParaRPr lang="en-GB" sz="1100">
+                        <a:effectLst/>
+                        <a:latin typeface="Calibri" panose="020F0502020204030204" pitchFamily="34" charset="0"/>
+                        <a:ea typeface="Calibri" panose="020F0502020204030204" pitchFamily="34" charset="0"/>
+                        <a:cs typeface="Times New Roman" panose="02020603050405020304" pitchFamily="18" charset="0"/>
+                      </a:endParaRPr>
+                    </a:p>
+                  </a:txBody>
+                  <a:tcPr marL="44450" marR="44450" marT="0" marB="0" anchor="ctr"/>
+                </a:tc>
+                <a:tc>
+                  <a:txBody>
+                    <a:bodyPr/>
+                    <a:lstStyle/>
+                    <a:p>
+                      <a:pPr>
+                        <a:lnSpc>
+                          <a:spcPct val="107000"/>
+                        </a:lnSpc>
+                        <a:spcAft>
+                          <a:spcPts val="0"/>
+                        </a:spcAft>
+                      </a:pPr>
+                      <a:r>
+                        <a:rPr lang="es-PE" sz="1100">
+                          <a:effectLst/>
+                        </a:rPr>
+                        <a:t>Básico</a:t>
+                      </a:r>
+                      <a:endParaRPr lang="en-GB" sz="1100">
+                        <a:effectLst/>
+                        <a:latin typeface="Calibri" panose="020F0502020204030204" pitchFamily="34" charset="0"/>
+                        <a:ea typeface="Calibri" panose="020F0502020204030204" pitchFamily="34" charset="0"/>
+                        <a:cs typeface="Times New Roman" panose="02020603050405020304" pitchFamily="18" charset="0"/>
+                      </a:endParaRPr>
+                    </a:p>
+                  </a:txBody>
+                  <a:tcPr marL="44450" marR="44450" marT="0" marB="0" anchor="ctr"/>
+                </a:tc>
+              </a:tr>
+              <a:tr h="381000">
+                <a:tc>
+                  <a:txBody>
+                    <a:bodyPr/>
+                    <a:lstStyle/>
+                    <a:p>
+                      <a:pPr>
+                        <a:lnSpc>
+                          <a:spcPct val="107000"/>
+                        </a:lnSpc>
+                        <a:spcAft>
+                          <a:spcPts val="0"/>
+                        </a:spcAft>
+                      </a:pPr>
+                      <a:r>
+                        <a:rPr lang="es-PE" sz="1100">
+                          <a:effectLst/>
+                        </a:rPr>
+                        <a:t>Propósito</a:t>
+                      </a:r>
+                      <a:endParaRPr lang="en-GB" sz="1100">
+                        <a:effectLst/>
+                        <a:latin typeface="Calibri" panose="020F0502020204030204" pitchFamily="34" charset="0"/>
+                        <a:ea typeface="Calibri" panose="020F0502020204030204" pitchFamily="34" charset="0"/>
+                        <a:cs typeface="Times New Roman" panose="02020603050405020304" pitchFamily="18" charset="0"/>
+                      </a:endParaRPr>
+                    </a:p>
+                  </a:txBody>
+                  <a:tcPr marL="44450" marR="44450" marT="0" marB="0" anchor="ctr"/>
+                </a:tc>
+                <a:tc>
+                  <a:txBody>
+                    <a:bodyPr/>
+                    <a:lstStyle/>
+                    <a:p>
+                      <a:pPr>
+                        <a:lnSpc>
+                          <a:spcPct val="107000"/>
+                        </a:lnSpc>
+                        <a:spcAft>
+                          <a:spcPts val="0"/>
+                        </a:spcAft>
+                      </a:pPr>
+                      <a:r>
+                        <a:rPr lang="es-PE" sz="1100">
+                          <a:effectLst/>
+                        </a:rPr>
+                        <a:t>Encontrar compañeros de estudio a través de su nombre o código de alumno.</a:t>
+                      </a:r>
+                      <a:endParaRPr lang="en-GB" sz="1100">
+                        <a:effectLst/>
+                        <a:latin typeface="Calibri" panose="020F0502020204030204" pitchFamily="34" charset="0"/>
+                        <a:ea typeface="Calibri" panose="020F0502020204030204" pitchFamily="34" charset="0"/>
+                        <a:cs typeface="Times New Roman" panose="02020603050405020304" pitchFamily="18" charset="0"/>
+                      </a:endParaRPr>
+                    </a:p>
+                  </a:txBody>
+                  <a:tcPr marL="44450" marR="44450" marT="0" marB="0" anchor="ctr"/>
+                </a:tc>
+              </a:tr>
+              <a:tr h="190500">
+                <a:tc>
+                  <a:txBody>
+                    <a:bodyPr/>
+                    <a:lstStyle/>
+                    <a:p>
+                      <a:pPr>
+                        <a:lnSpc>
+                          <a:spcPct val="107000"/>
+                        </a:lnSpc>
+                        <a:spcAft>
+                          <a:spcPts val="0"/>
+                        </a:spcAft>
+                      </a:pPr>
+                      <a:r>
+                        <a:rPr lang="es-PE" sz="1100">
+                          <a:effectLst/>
+                        </a:rPr>
+                        <a:t>Resumen</a:t>
+                      </a:r>
+                      <a:endParaRPr lang="en-GB" sz="1100">
+                        <a:effectLst/>
+                        <a:latin typeface="Calibri" panose="020F0502020204030204" pitchFamily="34" charset="0"/>
+                        <a:ea typeface="Calibri" panose="020F0502020204030204" pitchFamily="34" charset="0"/>
+                        <a:cs typeface="Times New Roman" panose="02020603050405020304" pitchFamily="18" charset="0"/>
+                      </a:endParaRPr>
+                    </a:p>
+                  </a:txBody>
+                  <a:tcPr marL="44450" marR="44450" marT="0" marB="0" anchor="ctr"/>
+                </a:tc>
+                <a:tc>
+                  <a:txBody>
+                    <a:bodyPr/>
+                    <a:lstStyle/>
+                    <a:p>
+                      <a:pPr>
+                        <a:lnSpc>
+                          <a:spcPct val="107000"/>
+                        </a:lnSpc>
+                        <a:spcAft>
+                          <a:spcPts val="0"/>
+                        </a:spcAft>
+                      </a:pPr>
+                      <a:r>
+                        <a:rPr lang="es-PE" sz="1100">
+                          <a:effectLst/>
+                        </a:rPr>
+                        <a:t>Buscar amigos</a:t>
+                      </a:r>
+                      <a:endParaRPr lang="en-GB" sz="1100">
+                        <a:effectLst/>
+                        <a:latin typeface="Calibri" panose="020F0502020204030204" pitchFamily="34" charset="0"/>
+                        <a:ea typeface="Calibri" panose="020F0502020204030204" pitchFamily="34" charset="0"/>
+                        <a:cs typeface="Times New Roman" panose="02020603050405020304" pitchFamily="18" charset="0"/>
+                      </a:endParaRPr>
+                    </a:p>
+                  </a:txBody>
+                  <a:tcPr marL="44450" marR="44450" marT="0" marB="0" anchor="ctr"/>
+                </a:tc>
+              </a:tr>
+              <a:tr h="190500">
+                <a:tc>
+                  <a:txBody>
+                    <a:bodyPr/>
+                    <a:lstStyle/>
+                    <a:p>
+                      <a:pPr>
+                        <a:lnSpc>
+                          <a:spcPct val="107000"/>
+                        </a:lnSpc>
+                        <a:spcAft>
+                          <a:spcPts val="0"/>
+                        </a:spcAft>
+                      </a:pPr>
+                      <a:r>
+                        <a:rPr lang="es-PE" sz="1100">
+                          <a:effectLst/>
+                        </a:rPr>
+                        <a:t>Precondiciones</a:t>
+                      </a:r>
+                      <a:endParaRPr lang="en-GB" sz="1100">
+                        <a:effectLst/>
+                        <a:latin typeface="Calibri" panose="020F0502020204030204" pitchFamily="34" charset="0"/>
+                        <a:ea typeface="Calibri" panose="020F0502020204030204" pitchFamily="34" charset="0"/>
+                        <a:cs typeface="Times New Roman" panose="02020603050405020304" pitchFamily="18" charset="0"/>
+                      </a:endParaRPr>
+                    </a:p>
+                  </a:txBody>
+                  <a:tcPr marL="44450" marR="44450" marT="0" marB="0" anchor="ctr"/>
+                </a:tc>
+                <a:tc>
+                  <a:txBody>
+                    <a:bodyPr/>
+                    <a:lstStyle/>
+                    <a:p>
+                      <a:pPr>
+                        <a:lnSpc>
+                          <a:spcPct val="107000"/>
+                        </a:lnSpc>
+                        <a:spcAft>
+                          <a:spcPts val="0"/>
+                        </a:spcAft>
+                      </a:pPr>
+                      <a:r>
+                        <a:rPr lang="es-PE" sz="1100">
+                          <a:effectLst/>
+                        </a:rPr>
+                        <a:t>El usuario que se busca debe estar registrado</a:t>
+                      </a:r>
+                      <a:endParaRPr lang="en-GB" sz="1100">
+                        <a:effectLst/>
+                        <a:latin typeface="Calibri" panose="020F0502020204030204" pitchFamily="34" charset="0"/>
+                        <a:ea typeface="Calibri" panose="020F0502020204030204" pitchFamily="34" charset="0"/>
+                        <a:cs typeface="Times New Roman" panose="02020603050405020304" pitchFamily="18" charset="0"/>
+                      </a:endParaRPr>
+                    </a:p>
+                  </a:txBody>
+                  <a:tcPr marL="44450" marR="44450" marT="0" marB="0" anchor="ctr"/>
+                </a:tc>
+              </a:tr>
+              <a:tr h="381000">
+                <a:tc>
+                  <a:txBody>
+                    <a:bodyPr/>
+                    <a:lstStyle/>
+                    <a:p>
+                      <a:pPr>
+                        <a:lnSpc>
+                          <a:spcPct val="107000"/>
+                        </a:lnSpc>
+                        <a:spcAft>
+                          <a:spcPts val="0"/>
+                        </a:spcAft>
+                      </a:pPr>
+                      <a:r>
+                        <a:rPr lang="es-PE" sz="1100">
+                          <a:effectLst/>
+                        </a:rPr>
+                        <a:t>Flujo Principal</a:t>
+                      </a:r>
+                      <a:endParaRPr lang="en-GB" sz="1100">
+                        <a:effectLst/>
+                        <a:latin typeface="Calibri" panose="020F0502020204030204" pitchFamily="34" charset="0"/>
+                        <a:ea typeface="Calibri" panose="020F0502020204030204" pitchFamily="34" charset="0"/>
+                        <a:cs typeface="Times New Roman" panose="02020603050405020304" pitchFamily="18" charset="0"/>
+                      </a:endParaRPr>
+                    </a:p>
+                  </a:txBody>
+                  <a:tcPr marL="44450" marR="44450" marT="0" marB="0" anchor="ctr"/>
+                </a:tc>
+                <a:tc>
+                  <a:txBody>
+                    <a:bodyPr/>
+                    <a:lstStyle/>
+                    <a:p>
+                      <a:pPr>
+                        <a:lnSpc>
+                          <a:spcPct val="107000"/>
+                        </a:lnSpc>
+                        <a:spcAft>
+                          <a:spcPts val="0"/>
+                        </a:spcAft>
+                      </a:pPr>
+                      <a:r>
+                        <a:rPr lang="es-PE" sz="1100">
+                          <a:effectLst/>
+                        </a:rPr>
+                        <a:t>Se ingresa el nombre o código del alumno en el buscador.</a:t>
+                      </a:r>
+                      <a:endParaRPr lang="en-GB" sz="1100">
+                        <a:effectLst/>
+                        <a:latin typeface="Calibri" panose="020F0502020204030204" pitchFamily="34" charset="0"/>
+                        <a:ea typeface="Calibri" panose="020F0502020204030204" pitchFamily="34" charset="0"/>
+                        <a:cs typeface="Times New Roman" panose="02020603050405020304" pitchFamily="18" charset="0"/>
+                      </a:endParaRPr>
+                    </a:p>
+                  </a:txBody>
+                  <a:tcPr marL="44450" marR="44450" marT="0" marB="0" anchor="ctr"/>
+                </a:tc>
+              </a:tr>
+              <a:tr h="571500">
+                <a:tc>
+                  <a:txBody>
+                    <a:bodyPr/>
+                    <a:lstStyle/>
+                    <a:p>
+                      <a:pPr>
+                        <a:lnSpc>
+                          <a:spcPct val="107000"/>
+                        </a:lnSpc>
+                        <a:spcAft>
+                          <a:spcPts val="0"/>
+                        </a:spcAft>
+                      </a:pPr>
+                      <a:r>
+                        <a:rPr lang="es-PE" sz="1100">
+                          <a:effectLst/>
+                        </a:rPr>
+                        <a:t>Excepciones</a:t>
+                      </a:r>
+                      <a:endParaRPr lang="en-GB" sz="1100">
+                        <a:effectLst/>
+                        <a:latin typeface="Calibri" panose="020F0502020204030204" pitchFamily="34" charset="0"/>
+                        <a:ea typeface="Calibri" panose="020F0502020204030204" pitchFamily="34" charset="0"/>
+                        <a:cs typeface="Times New Roman" panose="02020603050405020304" pitchFamily="18" charset="0"/>
+                      </a:endParaRPr>
+                    </a:p>
+                  </a:txBody>
+                  <a:tcPr marL="44450" marR="44450" marT="0" marB="0" anchor="ctr"/>
+                </a:tc>
+                <a:tc>
+                  <a:txBody>
+                    <a:bodyPr/>
+                    <a:lstStyle/>
+                    <a:p>
+                      <a:pPr>
+                        <a:lnSpc>
+                          <a:spcPct val="107000"/>
+                        </a:lnSpc>
+                        <a:spcAft>
+                          <a:spcPts val="0"/>
+                        </a:spcAft>
+                      </a:pPr>
+                      <a:r>
+                        <a:rPr lang="es-PE" sz="1100" dirty="0">
+                          <a:effectLst/>
+                        </a:rPr>
+                        <a:t>Se valida el nombre o código del alumno si no se encuentra muestra un mensaje de "Estudiante no registrado".</a:t>
+                      </a:r>
+                      <a:endParaRPr lang="en-GB" sz="1100" dirty="0">
+                        <a:effectLst/>
+                        <a:latin typeface="Calibri" panose="020F0502020204030204" pitchFamily="34" charset="0"/>
+                        <a:ea typeface="Calibri" panose="020F0502020204030204" pitchFamily="34" charset="0"/>
+                        <a:cs typeface="Times New Roman" panose="02020603050405020304" pitchFamily="18" charset="0"/>
+                      </a:endParaRPr>
+                    </a:p>
+                  </a:txBody>
+                  <a:tcPr marL="44450" marR="44450" marT="0" marB="0" anchor="ctr"/>
+                </a:tc>
+              </a:tr>
+            </a:tbl>
+          </a:graphicData>
+        </a:graphic>
+      </p:graphicFrame>
+      <p:graphicFrame>
+        <p:nvGraphicFramePr>
+          <p:cNvPr id="7" name="Tabla 6"/>
+          <p:cNvGraphicFramePr>
+            <a:graphicFrameLocks noGrp="1"/>
+          </p:cNvGraphicFramePr>
+          <p:nvPr>
+            <p:extLst>
+              <p:ext uri="{D42A27DB-BD31-4B8C-83A1-F6EECF244321}">
+                <p14:modId xmlns:p14="http://schemas.microsoft.com/office/powerpoint/2010/main" val="30435266"/>
+              </p:ext>
+            </p:extLst>
+          </p:nvPr>
+        </p:nvGraphicFramePr>
+        <p:xfrm>
+          <a:off x="6277769" y="4006056"/>
+          <a:ext cx="5473700" cy="2667000"/>
+        </p:xfrm>
+        <a:graphic>
+          <a:graphicData uri="http://schemas.openxmlformats.org/drawingml/2006/table">
+            <a:tbl>
+              <a:tblPr firstRow="1" firstCol="1" bandRow="1">
+                <a:tableStyleId>{5C22544A-7EE6-4342-B048-85BDC9FD1C3A}</a:tableStyleId>
+              </a:tblPr>
+              <a:tblGrid>
+                <a:gridCol w="1754505"/>
+                <a:gridCol w="3719195"/>
+              </a:tblGrid>
+              <a:tr h="190500">
+                <a:tc gridSpan="2">
+                  <a:txBody>
+                    <a:bodyPr/>
+                    <a:lstStyle/>
+                    <a:p>
+                      <a:pPr algn="ctr">
+                        <a:lnSpc>
+                          <a:spcPct val="107000"/>
+                        </a:lnSpc>
+                        <a:spcAft>
+                          <a:spcPts val="0"/>
+                        </a:spcAft>
+                      </a:pPr>
+                      <a:r>
+                        <a:rPr lang="es-PE" sz="1100" dirty="0">
+                          <a:effectLst/>
+                        </a:rPr>
+                        <a:t>CASO DE USO CREAR GRUPO</a:t>
+                      </a:r>
+                      <a:endParaRPr lang="en-GB" sz="1100" dirty="0">
+                        <a:effectLst/>
+                        <a:latin typeface="Calibri" panose="020F0502020204030204" pitchFamily="34" charset="0"/>
+                        <a:ea typeface="Calibri" panose="020F0502020204030204" pitchFamily="34" charset="0"/>
+                        <a:cs typeface="Times New Roman" panose="02020603050405020304" pitchFamily="18" charset="0"/>
+                      </a:endParaRPr>
+                    </a:p>
+                  </a:txBody>
+                  <a:tcPr marL="44450" marR="44450" marT="0" marB="0" anchor="ctr"/>
+                </a:tc>
+                <a:tc hMerge="1">
+                  <a:txBody>
+                    <a:bodyPr/>
+                    <a:lstStyle/>
+                    <a:p>
+                      <a:endParaRPr lang="en-GB"/>
+                    </a:p>
+                  </a:txBody>
+                  <a:tcPr/>
+                </a:tc>
+              </a:tr>
+              <a:tr h="190500">
+                <a:tc>
+                  <a:txBody>
+                    <a:bodyPr/>
+                    <a:lstStyle/>
+                    <a:p>
+                      <a:pPr>
+                        <a:lnSpc>
+                          <a:spcPct val="107000"/>
+                        </a:lnSpc>
+                        <a:spcAft>
+                          <a:spcPts val="0"/>
+                        </a:spcAft>
+                      </a:pPr>
+                      <a:r>
+                        <a:rPr lang="es-PE" sz="1100" dirty="0">
+                          <a:effectLst/>
+                        </a:rPr>
+                        <a:t>Caso de Uso</a:t>
+                      </a:r>
+                      <a:endParaRPr lang="en-GB" sz="1100" dirty="0">
+                        <a:effectLst/>
+                        <a:latin typeface="Calibri" panose="020F0502020204030204" pitchFamily="34" charset="0"/>
+                        <a:ea typeface="Calibri" panose="020F0502020204030204" pitchFamily="34" charset="0"/>
+                        <a:cs typeface="Times New Roman" panose="02020603050405020304" pitchFamily="18" charset="0"/>
+                      </a:endParaRPr>
+                    </a:p>
+                  </a:txBody>
+                  <a:tcPr marL="44450" marR="44450" marT="0" marB="0" anchor="ctr"/>
+                </a:tc>
+                <a:tc>
+                  <a:txBody>
+                    <a:bodyPr/>
+                    <a:lstStyle/>
+                    <a:p>
+                      <a:pPr>
+                        <a:lnSpc>
+                          <a:spcPct val="107000"/>
+                        </a:lnSpc>
+                        <a:spcAft>
+                          <a:spcPts val="0"/>
+                        </a:spcAft>
+                      </a:pPr>
+                      <a:r>
+                        <a:rPr lang="es-PE" sz="1100">
+                          <a:effectLst/>
+                        </a:rPr>
+                        <a:t>Crear Grupo</a:t>
+                      </a:r>
+                      <a:endParaRPr lang="en-GB" sz="1100">
+                        <a:effectLst/>
+                        <a:latin typeface="Calibri" panose="020F0502020204030204" pitchFamily="34" charset="0"/>
+                        <a:ea typeface="Calibri" panose="020F0502020204030204" pitchFamily="34" charset="0"/>
+                        <a:cs typeface="Times New Roman" panose="02020603050405020304" pitchFamily="18" charset="0"/>
+                      </a:endParaRPr>
+                    </a:p>
+                  </a:txBody>
+                  <a:tcPr marL="44450" marR="44450" marT="0" marB="0" anchor="ctr"/>
+                </a:tc>
+              </a:tr>
+              <a:tr h="190500">
+                <a:tc>
+                  <a:txBody>
+                    <a:bodyPr/>
+                    <a:lstStyle/>
+                    <a:p>
+                      <a:pPr>
+                        <a:lnSpc>
+                          <a:spcPct val="107000"/>
+                        </a:lnSpc>
+                        <a:spcAft>
+                          <a:spcPts val="0"/>
+                        </a:spcAft>
+                      </a:pPr>
+                      <a:r>
+                        <a:rPr lang="es-PE" sz="1100">
+                          <a:effectLst/>
+                        </a:rPr>
+                        <a:t>Actores</a:t>
+                      </a:r>
+                      <a:endParaRPr lang="en-GB" sz="1100">
+                        <a:effectLst/>
+                        <a:latin typeface="Calibri" panose="020F0502020204030204" pitchFamily="34" charset="0"/>
+                        <a:ea typeface="Calibri" panose="020F0502020204030204" pitchFamily="34" charset="0"/>
+                        <a:cs typeface="Times New Roman" panose="02020603050405020304" pitchFamily="18" charset="0"/>
+                      </a:endParaRPr>
+                    </a:p>
+                  </a:txBody>
+                  <a:tcPr marL="44450" marR="44450" marT="0" marB="0" anchor="ctr"/>
+                </a:tc>
+                <a:tc>
+                  <a:txBody>
+                    <a:bodyPr/>
+                    <a:lstStyle/>
+                    <a:p>
+                      <a:pPr>
+                        <a:lnSpc>
+                          <a:spcPct val="107000"/>
+                        </a:lnSpc>
+                        <a:spcAft>
+                          <a:spcPts val="0"/>
+                        </a:spcAft>
+                      </a:pPr>
+                      <a:r>
+                        <a:rPr lang="es-PE" sz="1100">
+                          <a:effectLst/>
+                        </a:rPr>
+                        <a:t>Estudiante</a:t>
+                      </a:r>
+                      <a:endParaRPr lang="en-GB" sz="1100">
+                        <a:effectLst/>
+                        <a:latin typeface="Calibri" panose="020F0502020204030204" pitchFamily="34" charset="0"/>
+                        <a:ea typeface="Calibri" panose="020F0502020204030204" pitchFamily="34" charset="0"/>
+                        <a:cs typeface="Times New Roman" panose="02020603050405020304" pitchFamily="18" charset="0"/>
+                      </a:endParaRPr>
+                    </a:p>
+                  </a:txBody>
+                  <a:tcPr marL="44450" marR="44450" marT="0" marB="0" anchor="ctr"/>
+                </a:tc>
+              </a:tr>
+              <a:tr h="190500">
+                <a:tc>
+                  <a:txBody>
+                    <a:bodyPr/>
+                    <a:lstStyle/>
+                    <a:p>
+                      <a:pPr>
+                        <a:lnSpc>
+                          <a:spcPct val="107000"/>
+                        </a:lnSpc>
+                        <a:spcAft>
+                          <a:spcPts val="0"/>
+                        </a:spcAft>
+                      </a:pPr>
+                      <a:r>
+                        <a:rPr lang="es-PE" sz="1100">
+                          <a:effectLst/>
+                        </a:rPr>
+                        <a:t>Tipo</a:t>
+                      </a:r>
+                      <a:endParaRPr lang="en-GB" sz="1100">
+                        <a:effectLst/>
+                        <a:latin typeface="Calibri" panose="020F0502020204030204" pitchFamily="34" charset="0"/>
+                        <a:ea typeface="Calibri" panose="020F0502020204030204" pitchFamily="34" charset="0"/>
+                        <a:cs typeface="Times New Roman" panose="02020603050405020304" pitchFamily="18" charset="0"/>
+                      </a:endParaRPr>
+                    </a:p>
+                  </a:txBody>
+                  <a:tcPr marL="44450" marR="44450" marT="0" marB="0" anchor="ctr"/>
+                </a:tc>
+                <a:tc>
+                  <a:txBody>
+                    <a:bodyPr/>
+                    <a:lstStyle/>
+                    <a:p>
+                      <a:pPr>
+                        <a:lnSpc>
+                          <a:spcPct val="107000"/>
+                        </a:lnSpc>
+                        <a:spcAft>
+                          <a:spcPts val="0"/>
+                        </a:spcAft>
+                      </a:pPr>
+                      <a:r>
+                        <a:rPr lang="es-PE" sz="1100">
+                          <a:effectLst/>
+                        </a:rPr>
+                        <a:t>Básico</a:t>
+                      </a:r>
+                      <a:endParaRPr lang="en-GB" sz="1100">
+                        <a:effectLst/>
+                        <a:latin typeface="Calibri" panose="020F0502020204030204" pitchFamily="34" charset="0"/>
+                        <a:ea typeface="Calibri" panose="020F0502020204030204" pitchFamily="34" charset="0"/>
+                        <a:cs typeface="Times New Roman" panose="02020603050405020304" pitchFamily="18" charset="0"/>
+                      </a:endParaRPr>
+                    </a:p>
+                  </a:txBody>
+                  <a:tcPr marL="44450" marR="44450" marT="0" marB="0" anchor="ctr"/>
+                </a:tc>
+              </a:tr>
+              <a:tr h="571500">
+                <a:tc>
+                  <a:txBody>
+                    <a:bodyPr/>
+                    <a:lstStyle/>
+                    <a:p>
+                      <a:pPr>
+                        <a:lnSpc>
+                          <a:spcPct val="107000"/>
+                        </a:lnSpc>
+                        <a:spcAft>
+                          <a:spcPts val="0"/>
+                        </a:spcAft>
+                      </a:pPr>
+                      <a:r>
+                        <a:rPr lang="es-PE" sz="1100">
+                          <a:effectLst/>
+                        </a:rPr>
+                        <a:t>Propósito</a:t>
+                      </a:r>
+                      <a:endParaRPr lang="en-GB" sz="1100">
+                        <a:effectLst/>
+                        <a:latin typeface="Calibri" panose="020F0502020204030204" pitchFamily="34" charset="0"/>
+                        <a:ea typeface="Calibri" panose="020F0502020204030204" pitchFamily="34" charset="0"/>
+                        <a:cs typeface="Times New Roman" panose="02020603050405020304" pitchFamily="18" charset="0"/>
+                      </a:endParaRPr>
+                    </a:p>
+                  </a:txBody>
+                  <a:tcPr marL="44450" marR="44450" marT="0" marB="0" anchor="ctr"/>
+                </a:tc>
+                <a:tc>
+                  <a:txBody>
+                    <a:bodyPr/>
+                    <a:lstStyle/>
+                    <a:p>
+                      <a:pPr>
+                        <a:lnSpc>
+                          <a:spcPct val="107000"/>
+                        </a:lnSpc>
+                        <a:spcAft>
+                          <a:spcPts val="0"/>
+                        </a:spcAft>
+                      </a:pPr>
+                      <a:r>
+                        <a:rPr lang="es-PE" sz="1100">
+                          <a:effectLst/>
+                        </a:rPr>
+                        <a:t>Contactar con otros compañeros para estudiar y compartir conocimientos de un curso en común.</a:t>
+                      </a:r>
+                      <a:endParaRPr lang="en-GB" sz="1100">
+                        <a:effectLst/>
+                        <a:latin typeface="Calibri" panose="020F0502020204030204" pitchFamily="34" charset="0"/>
+                        <a:ea typeface="Calibri" panose="020F0502020204030204" pitchFamily="34" charset="0"/>
+                        <a:cs typeface="Times New Roman" panose="02020603050405020304" pitchFamily="18" charset="0"/>
+                      </a:endParaRPr>
+                    </a:p>
+                  </a:txBody>
+                  <a:tcPr marL="44450" marR="44450" marT="0" marB="0" anchor="ctr"/>
+                </a:tc>
+              </a:tr>
+              <a:tr h="190500">
+                <a:tc>
+                  <a:txBody>
+                    <a:bodyPr/>
+                    <a:lstStyle/>
+                    <a:p>
+                      <a:pPr>
+                        <a:lnSpc>
+                          <a:spcPct val="107000"/>
+                        </a:lnSpc>
+                        <a:spcAft>
+                          <a:spcPts val="0"/>
+                        </a:spcAft>
+                      </a:pPr>
+                      <a:r>
+                        <a:rPr lang="es-PE" sz="1100">
+                          <a:effectLst/>
+                        </a:rPr>
+                        <a:t>Resumen</a:t>
+                      </a:r>
+                      <a:endParaRPr lang="en-GB" sz="1100">
+                        <a:effectLst/>
+                        <a:latin typeface="Calibri" panose="020F0502020204030204" pitchFamily="34" charset="0"/>
+                        <a:ea typeface="Calibri" panose="020F0502020204030204" pitchFamily="34" charset="0"/>
+                        <a:cs typeface="Times New Roman" panose="02020603050405020304" pitchFamily="18" charset="0"/>
+                      </a:endParaRPr>
+                    </a:p>
+                  </a:txBody>
+                  <a:tcPr marL="44450" marR="44450" marT="0" marB="0" anchor="ctr"/>
+                </a:tc>
+                <a:tc>
+                  <a:txBody>
+                    <a:bodyPr/>
+                    <a:lstStyle/>
+                    <a:p>
+                      <a:pPr>
+                        <a:lnSpc>
+                          <a:spcPct val="107000"/>
+                        </a:lnSpc>
+                        <a:spcAft>
+                          <a:spcPts val="0"/>
+                        </a:spcAft>
+                      </a:pPr>
+                      <a:r>
+                        <a:rPr lang="es-PE" sz="1100">
+                          <a:effectLst/>
+                        </a:rPr>
+                        <a:t>Crear grupo de estudio</a:t>
+                      </a:r>
+                      <a:endParaRPr lang="en-GB" sz="1100">
+                        <a:effectLst/>
+                        <a:latin typeface="Calibri" panose="020F0502020204030204" pitchFamily="34" charset="0"/>
+                        <a:ea typeface="Calibri" panose="020F0502020204030204" pitchFamily="34" charset="0"/>
+                        <a:cs typeface="Times New Roman" panose="02020603050405020304" pitchFamily="18" charset="0"/>
+                      </a:endParaRPr>
+                    </a:p>
+                  </a:txBody>
+                  <a:tcPr marL="44450" marR="44450" marT="0" marB="0" anchor="ctr"/>
+                </a:tc>
+              </a:tr>
+              <a:tr h="381000">
+                <a:tc>
+                  <a:txBody>
+                    <a:bodyPr/>
+                    <a:lstStyle/>
+                    <a:p>
+                      <a:pPr>
+                        <a:lnSpc>
+                          <a:spcPct val="107000"/>
+                        </a:lnSpc>
+                        <a:spcAft>
+                          <a:spcPts val="0"/>
+                        </a:spcAft>
+                      </a:pPr>
+                      <a:r>
+                        <a:rPr lang="es-PE" sz="1100">
+                          <a:effectLst/>
+                        </a:rPr>
+                        <a:t>Precondiciones</a:t>
+                      </a:r>
+                      <a:endParaRPr lang="en-GB" sz="1100">
+                        <a:effectLst/>
+                        <a:latin typeface="Calibri" panose="020F0502020204030204" pitchFamily="34" charset="0"/>
+                        <a:ea typeface="Calibri" panose="020F0502020204030204" pitchFamily="34" charset="0"/>
+                        <a:cs typeface="Times New Roman" panose="02020603050405020304" pitchFamily="18" charset="0"/>
+                      </a:endParaRPr>
+                    </a:p>
+                  </a:txBody>
+                  <a:tcPr marL="44450" marR="44450" marT="0" marB="0" anchor="ctr"/>
+                </a:tc>
+                <a:tc>
+                  <a:txBody>
+                    <a:bodyPr/>
+                    <a:lstStyle/>
+                    <a:p>
+                      <a:pPr>
+                        <a:lnSpc>
+                          <a:spcPct val="107000"/>
+                        </a:lnSpc>
+                        <a:spcAft>
+                          <a:spcPts val="0"/>
+                        </a:spcAft>
+                      </a:pPr>
+                      <a:r>
+                        <a:rPr lang="es-PE" sz="1100">
+                          <a:effectLst/>
+                        </a:rPr>
+                        <a:t>Tener agregado como amigo para añadir a un miembro al grupo.</a:t>
+                      </a:r>
+                      <a:endParaRPr lang="en-GB" sz="1100">
+                        <a:effectLst/>
+                        <a:latin typeface="Calibri" panose="020F0502020204030204" pitchFamily="34" charset="0"/>
+                        <a:ea typeface="Calibri" panose="020F0502020204030204" pitchFamily="34" charset="0"/>
+                        <a:cs typeface="Times New Roman" panose="02020603050405020304" pitchFamily="18" charset="0"/>
+                      </a:endParaRPr>
+                    </a:p>
+                  </a:txBody>
+                  <a:tcPr marL="44450" marR="44450" marT="0" marB="0" anchor="ctr"/>
+                </a:tc>
+              </a:tr>
+              <a:tr h="381000">
+                <a:tc>
+                  <a:txBody>
+                    <a:bodyPr/>
+                    <a:lstStyle/>
+                    <a:p>
+                      <a:pPr>
+                        <a:lnSpc>
+                          <a:spcPct val="107000"/>
+                        </a:lnSpc>
+                        <a:spcAft>
+                          <a:spcPts val="0"/>
+                        </a:spcAft>
+                      </a:pPr>
+                      <a:r>
+                        <a:rPr lang="es-PE" sz="1100">
+                          <a:effectLst/>
+                        </a:rPr>
+                        <a:t>Flujo Principal</a:t>
+                      </a:r>
+                      <a:endParaRPr lang="en-GB" sz="1100">
+                        <a:effectLst/>
+                        <a:latin typeface="Calibri" panose="020F0502020204030204" pitchFamily="34" charset="0"/>
+                        <a:ea typeface="Calibri" panose="020F0502020204030204" pitchFamily="34" charset="0"/>
+                        <a:cs typeface="Times New Roman" panose="02020603050405020304" pitchFamily="18" charset="0"/>
+                      </a:endParaRPr>
+                    </a:p>
+                  </a:txBody>
+                  <a:tcPr marL="44450" marR="44450" marT="0" marB="0" anchor="ctr"/>
+                </a:tc>
+                <a:tc>
+                  <a:txBody>
+                    <a:bodyPr/>
+                    <a:lstStyle/>
+                    <a:p>
+                      <a:pPr>
+                        <a:lnSpc>
+                          <a:spcPct val="107000"/>
+                        </a:lnSpc>
+                        <a:spcAft>
+                          <a:spcPts val="0"/>
+                        </a:spcAft>
+                      </a:pPr>
+                      <a:r>
+                        <a:rPr lang="es-PE" sz="1100">
+                          <a:effectLst/>
+                        </a:rPr>
+                        <a:t>Se realiza esta actividad cuando se requiere crear un nuevo grupo.</a:t>
+                      </a:r>
+                      <a:endParaRPr lang="en-GB" sz="1100">
+                        <a:effectLst/>
+                        <a:latin typeface="Calibri" panose="020F0502020204030204" pitchFamily="34" charset="0"/>
+                        <a:ea typeface="Calibri" panose="020F0502020204030204" pitchFamily="34" charset="0"/>
+                        <a:cs typeface="Times New Roman" panose="02020603050405020304" pitchFamily="18" charset="0"/>
+                      </a:endParaRPr>
+                    </a:p>
+                  </a:txBody>
+                  <a:tcPr marL="44450" marR="44450" marT="0" marB="0" anchor="ctr"/>
+                </a:tc>
+              </a:tr>
+              <a:tr h="381000">
+                <a:tc>
+                  <a:txBody>
+                    <a:bodyPr/>
+                    <a:lstStyle/>
+                    <a:p>
+                      <a:pPr>
+                        <a:lnSpc>
+                          <a:spcPct val="107000"/>
+                        </a:lnSpc>
+                        <a:spcAft>
+                          <a:spcPts val="0"/>
+                        </a:spcAft>
+                      </a:pPr>
+                      <a:r>
+                        <a:rPr lang="es-PE" sz="1100">
+                          <a:effectLst/>
+                        </a:rPr>
+                        <a:t>Excepciones</a:t>
+                      </a:r>
+                      <a:endParaRPr lang="en-GB" sz="1100">
+                        <a:effectLst/>
+                        <a:latin typeface="Calibri" panose="020F0502020204030204" pitchFamily="34" charset="0"/>
+                        <a:ea typeface="Calibri" panose="020F0502020204030204" pitchFamily="34" charset="0"/>
+                        <a:cs typeface="Times New Roman" panose="02020603050405020304" pitchFamily="18" charset="0"/>
+                      </a:endParaRPr>
+                    </a:p>
+                  </a:txBody>
+                  <a:tcPr marL="44450" marR="44450" marT="0" marB="0" anchor="ctr"/>
+                </a:tc>
+                <a:tc>
+                  <a:txBody>
+                    <a:bodyPr/>
+                    <a:lstStyle/>
+                    <a:p>
+                      <a:pPr>
+                        <a:lnSpc>
+                          <a:spcPct val="107000"/>
+                        </a:lnSpc>
+                        <a:spcAft>
+                          <a:spcPts val="0"/>
+                        </a:spcAft>
+                      </a:pPr>
+                      <a:r>
+                        <a:rPr lang="es-PE" sz="1100" dirty="0">
+                          <a:effectLst/>
+                        </a:rPr>
+                        <a:t>Si ya existe un grupo de estudio de ese curso, no se puede crear uno nuevo.</a:t>
+                      </a:r>
+                      <a:endParaRPr lang="en-GB" sz="1100" dirty="0">
+                        <a:effectLst/>
+                        <a:latin typeface="Calibri" panose="020F0502020204030204" pitchFamily="34" charset="0"/>
+                        <a:ea typeface="Calibri" panose="020F0502020204030204" pitchFamily="34" charset="0"/>
+                        <a:cs typeface="Times New Roman" panose="02020603050405020304" pitchFamily="18" charset="0"/>
+                      </a:endParaRPr>
+                    </a:p>
+                  </a:txBody>
+                  <a:tcPr marL="44450" marR="44450" marT="0" marB="0" anchor="ctr"/>
+                </a:tc>
+              </a:tr>
+            </a:tbl>
+          </a:graphicData>
+        </a:graphic>
+      </p:graphicFrame>
+      <p:sp>
+        <p:nvSpPr>
+          <p:cNvPr id="8" name="Título 1">
+            <a:extLst>
+              <a:ext uri="{FF2B5EF4-FFF2-40B4-BE49-F238E27FC236}">
+                <a16:creationId xmlns:a16="http://schemas.microsoft.com/office/drawing/2014/main" xmlns="" id="{ACF83947-EE58-46B0-ACC9-C463D16A9F5D}"/>
+              </a:ext>
+            </a:extLst>
+          </p:cNvPr>
+          <p:cNvSpPr>
+            <a:spLocks noGrp="1"/>
+          </p:cNvSpPr>
+          <p:nvPr>
+            <p:ph type="title"/>
+          </p:nvPr>
+        </p:nvSpPr>
+        <p:spPr>
+          <a:xfrm>
+            <a:off x="267530" y="272257"/>
+            <a:ext cx="8152569" cy="463550"/>
+          </a:xfrm>
+        </p:spPr>
+        <p:txBody>
+          <a:bodyPr>
+            <a:normAutofit fontScale="90000"/>
+          </a:bodyPr>
+          <a:lstStyle/>
+          <a:p>
+            <a:r>
+              <a:rPr lang="es-ES" sz="3200" b="1" u="sng" dirty="0" smtClean="0">
+                <a:solidFill>
+                  <a:schemeClr val="accent2"/>
+                </a:solidFill>
+              </a:rPr>
+              <a:t>Descripci</a:t>
+            </a:r>
+            <a:r>
+              <a:rPr lang="es-ES" sz="3200" b="1" u="sng" dirty="0" smtClean="0">
+                <a:solidFill>
+                  <a:schemeClr val="accent2"/>
+                </a:solidFill>
+              </a:rPr>
+              <a:t>ón del casos de uso de sistema</a:t>
+            </a:r>
+            <a:endParaRPr lang="es-ES" sz="3200" b="1" u="sng" dirty="0">
+              <a:solidFill>
+                <a:schemeClr val="accent2"/>
+              </a:solidFill>
+            </a:endParaRPr>
+          </a:p>
+        </p:txBody>
+      </p:sp>
+    </p:spTree>
+    <p:extLst>
+      <p:ext uri="{BB962C8B-B14F-4D97-AF65-F5344CB8AC3E}">
+        <p14:creationId xmlns:p14="http://schemas.microsoft.com/office/powerpoint/2010/main" val="1696364241"/>
+      </p:ext>
+    </p:extLst>
+  </p:cSld>
+  <p:clrMapOvr>
+    <a:masterClrMapping/>
+  </p:clrMapOvr>
+</p:sld>
+</file>
+
+<file path=ppt/slides/slide4.xml><?xml version="1.0" encoding="utf-8"?>
+<p:sld xmlns:a="http://schemas.openxmlformats.org/drawingml/2006/main" xmlns:r="http://schemas.openxmlformats.org/officeDocument/2006/relationships" xmlns:p="http://schemas.openxmlformats.org/presentationml/2006/main">
+  <p:cSld>
+    <p:spTree>
+      <p:nvGrpSpPr>
+        <p:cNvPr id="1" name=""/>
+        <p:cNvGrpSpPr/>
+        <p:nvPr/>
+      </p:nvGrpSpPr>
+      <p:grpSpPr>
+        <a:xfrm>
+          <a:off x="0" y="0"/>
+          <a:ext cx="0" cy="0"/>
+          <a:chOff x="0" y="0"/>
+          <a:chExt cx="0" cy="0"/>
+        </a:xfrm>
+      </p:grpSpPr>
+      <p:graphicFrame>
+        <p:nvGraphicFramePr>
+          <p:cNvPr id="4" name="Tabla 3"/>
+          <p:cNvGraphicFramePr>
+            <a:graphicFrameLocks noGrp="1"/>
+          </p:cNvGraphicFramePr>
+          <p:nvPr>
+            <p:extLst>
+              <p:ext uri="{D42A27DB-BD31-4B8C-83A1-F6EECF244321}">
+                <p14:modId xmlns:p14="http://schemas.microsoft.com/office/powerpoint/2010/main" val="4070849534"/>
+              </p:ext>
+            </p:extLst>
+          </p:nvPr>
+        </p:nvGraphicFramePr>
+        <p:xfrm>
+          <a:off x="429419" y="500856"/>
+          <a:ext cx="5473700" cy="2476500"/>
+        </p:xfrm>
+        <a:graphic>
+          <a:graphicData uri="http://schemas.openxmlformats.org/drawingml/2006/table">
+            <a:tbl>
+              <a:tblPr firstRow="1" firstCol="1" bandRow="1">
+                <a:tableStyleId>{5C22544A-7EE6-4342-B048-85BDC9FD1C3A}</a:tableStyleId>
+              </a:tblPr>
+              <a:tblGrid>
+                <a:gridCol w="1817370"/>
+                <a:gridCol w="3656330"/>
+              </a:tblGrid>
+              <a:tr h="190500">
+                <a:tc gridSpan="2">
+                  <a:txBody>
+                    <a:bodyPr/>
+                    <a:lstStyle/>
+                    <a:p>
+                      <a:pPr algn="ctr">
+                        <a:lnSpc>
+                          <a:spcPct val="107000"/>
+                        </a:lnSpc>
+                        <a:spcAft>
+                          <a:spcPts val="0"/>
+                        </a:spcAft>
+                      </a:pPr>
+                      <a:r>
+                        <a:rPr lang="es-PE" sz="1100">
+                          <a:effectLst/>
+                        </a:rPr>
+                        <a:t>CASO DE USO AGREGAR PREGUNTA</a:t>
+                      </a:r>
+                      <a:endParaRPr lang="en-GB" sz="1100">
+                        <a:effectLst/>
+                        <a:latin typeface="Calibri" panose="020F0502020204030204" pitchFamily="34" charset="0"/>
+                        <a:ea typeface="Calibri" panose="020F0502020204030204" pitchFamily="34" charset="0"/>
+                        <a:cs typeface="Times New Roman" panose="02020603050405020304" pitchFamily="18" charset="0"/>
+                      </a:endParaRPr>
+                    </a:p>
+                  </a:txBody>
+                  <a:tcPr marL="44450" marR="44450" marT="0" marB="0" anchor="ctr"/>
+                </a:tc>
+                <a:tc hMerge="1">
+                  <a:txBody>
+                    <a:bodyPr/>
+                    <a:lstStyle/>
+                    <a:p>
+                      <a:endParaRPr lang="en-GB"/>
+                    </a:p>
+                  </a:txBody>
+                  <a:tcPr/>
+                </a:tc>
+              </a:tr>
+              <a:tr h="190500">
+                <a:tc>
+                  <a:txBody>
+                    <a:bodyPr/>
+                    <a:lstStyle/>
+                    <a:p>
+                      <a:pPr>
+                        <a:lnSpc>
+                          <a:spcPct val="107000"/>
+                        </a:lnSpc>
+                        <a:spcAft>
+                          <a:spcPts val="0"/>
+                        </a:spcAft>
+                      </a:pPr>
+                      <a:r>
+                        <a:rPr lang="es-PE" sz="1100">
+                          <a:effectLst/>
+                        </a:rPr>
+                        <a:t>Caso de Uso</a:t>
+                      </a:r>
+                      <a:endParaRPr lang="en-GB" sz="1100">
+                        <a:effectLst/>
+                        <a:latin typeface="Calibri" panose="020F0502020204030204" pitchFamily="34" charset="0"/>
+                        <a:ea typeface="Calibri" panose="020F0502020204030204" pitchFamily="34" charset="0"/>
+                        <a:cs typeface="Times New Roman" panose="02020603050405020304" pitchFamily="18" charset="0"/>
+                      </a:endParaRPr>
+                    </a:p>
+                  </a:txBody>
+                  <a:tcPr marL="44450" marR="44450" marT="0" marB="0" anchor="ctr"/>
+                </a:tc>
+                <a:tc>
+                  <a:txBody>
+                    <a:bodyPr/>
+                    <a:lstStyle/>
+                    <a:p>
+                      <a:pPr>
+                        <a:lnSpc>
+                          <a:spcPct val="107000"/>
+                        </a:lnSpc>
+                        <a:spcAft>
+                          <a:spcPts val="0"/>
+                        </a:spcAft>
+                      </a:pPr>
+                      <a:r>
+                        <a:rPr lang="es-PE" sz="1100">
+                          <a:effectLst/>
+                        </a:rPr>
+                        <a:t>Agregar pregunta</a:t>
+                      </a:r>
+                      <a:endParaRPr lang="en-GB" sz="1100">
+                        <a:effectLst/>
+                        <a:latin typeface="Calibri" panose="020F0502020204030204" pitchFamily="34" charset="0"/>
+                        <a:ea typeface="Calibri" panose="020F0502020204030204" pitchFamily="34" charset="0"/>
+                        <a:cs typeface="Times New Roman" panose="02020603050405020304" pitchFamily="18" charset="0"/>
+                      </a:endParaRPr>
+                    </a:p>
+                  </a:txBody>
+                  <a:tcPr marL="44450" marR="44450" marT="0" marB="0" anchor="ctr"/>
+                </a:tc>
+              </a:tr>
+              <a:tr h="190500">
+                <a:tc>
+                  <a:txBody>
+                    <a:bodyPr/>
+                    <a:lstStyle/>
+                    <a:p>
+                      <a:pPr>
+                        <a:lnSpc>
+                          <a:spcPct val="107000"/>
+                        </a:lnSpc>
+                        <a:spcAft>
+                          <a:spcPts val="0"/>
+                        </a:spcAft>
+                      </a:pPr>
+                      <a:r>
+                        <a:rPr lang="es-PE" sz="1100">
+                          <a:effectLst/>
+                        </a:rPr>
+                        <a:t>Actores</a:t>
+                      </a:r>
+                      <a:endParaRPr lang="en-GB" sz="1100">
+                        <a:effectLst/>
+                        <a:latin typeface="Calibri" panose="020F0502020204030204" pitchFamily="34" charset="0"/>
+                        <a:ea typeface="Calibri" panose="020F0502020204030204" pitchFamily="34" charset="0"/>
+                        <a:cs typeface="Times New Roman" panose="02020603050405020304" pitchFamily="18" charset="0"/>
+                      </a:endParaRPr>
+                    </a:p>
+                  </a:txBody>
+                  <a:tcPr marL="44450" marR="44450" marT="0" marB="0" anchor="ctr"/>
+                </a:tc>
+                <a:tc>
+                  <a:txBody>
+                    <a:bodyPr/>
+                    <a:lstStyle/>
+                    <a:p>
+                      <a:pPr>
+                        <a:lnSpc>
+                          <a:spcPct val="107000"/>
+                        </a:lnSpc>
+                        <a:spcAft>
+                          <a:spcPts val="0"/>
+                        </a:spcAft>
+                      </a:pPr>
+                      <a:r>
+                        <a:rPr lang="es-PE" sz="1100">
+                          <a:effectLst/>
+                        </a:rPr>
+                        <a:t>Estudiante</a:t>
+                      </a:r>
+                      <a:endParaRPr lang="en-GB" sz="1100">
+                        <a:effectLst/>
+                        <a:latin typeface="Calibri" panose="020F0502020204030204" pitchFamily="34" charset="0"/>
+                        <a:ea typeface="Calibri" panose="020F0502020204030204" pitchFamily="34" charset="0"/>
+                        <a:cs typeface="Times New Roman" panose="02020603050405020304" pitchFamily="18" charset="0"/>
+                      </a:endParaRPr>
+                    </a:p>
+                  </a:txBody>
+                  <a:tcPr marL="44450" marR="44450" marT="0" marB="0" anchor="ctr"/>
+                </a:tc>
+              </a:tr>
+              <a:tr h="190500">
+                <a:tc>
+                  <a:txBody>
+                    <a:bodyPr/>
+                    <a:lstStyle/>
+                    <a:p>
+                      <a:pPr>
+                        <a:lnSpc>
+                          <a:spcPct val="107000"/>
+                        </a:lnSpc>
+                        <a:spcAft>
+                          <a:spcPts val="0"/>
+                        </a:spcAft>
+                      </a:pPr>
+                      <a:r>
+                        <a:rPr lang="es-PE" sz="1100">
+                          <a:effectLst/>
+                        </a:rPr>
+                        <a:t>Tipo</a:t>
+                      </a:r>
+                      <a:endParaRPr lang="en-GB" sz="1100">
+                        <a:effectLst/>
+                        <a:latin typeface="Calibri" panose="020F0502020204030204" pitchFamily="34" charset="0"/>
+                        <a:ea typeface="Calibri" panose="020F0502020204030204" pitchFamily="34" charset="0"/>
+                        <a:cs typeface="Times New Roman" panose="02020603050405020304" pitchFamily="18" charset="0"/>
+                      </a:endParaRPr>
+                    </a:p>
+                  </a:txBody>
+                  <a:tcPr marL="44450" marR="44450" marT="0" marB="0" anchor="ctr"/>
+                </a:tc>
+                <a:tc>
+                  <a:txBody>
+                    <a:bodyPr/>
+                    <a:lstStyle/>
+                    <a:p>
+                      <a:pPr>
+                        <a:lnSpc>
+                          <a:spcPct val="107000"/>
+                        </a:lnSpc>
+                        <a:spcAft>
+                          <a:spcPts val="0"/>
+                        </a:spcAft>
+                      </a:pPr>
+                      <a:r>
+                        <a:rPr lang="es-PE" sz="1100">
+                          <a:effectLst/>
+                        </a:rPr>
+                        <a:t>Básico</a:t>
+                      </a:r>
+                      <a:endParaRPr lang="en-GB" sz="1100">
+                        <a:effectLst/>
+                        <a:latin typeface="Calibri" panose="020F0502020204030204" pitchFamily="34" charset="0"/>
+                        <a:ea typeface="Calibri" panose="020F0502020204030204" pitchFamily="34" charset="0"/>
+                        <a:cs typeface="Times New Roman" panose="02020603050405020304" pitchFamily="18" charset="0"/>
+                      </a:endParaRPr>
+                    </a:p>
+                  </a:txBody>
+                  <a:tcPr marL="44450" marR="44450" marT="0" marB="0" anchor="ctr"/>
+                </a:tc>
+              </a:tr>
+              <a:tr h="571500">
+                <a:tc>
+                  <a:txBody>
+                    <a:bodyPr/>
+                    <a:lstStyle/>
+                    <a:p>
+                      <a:pPr>
+                        <a:lnSpc>
+                          <a:spcPct val="107000"/>
+                        </a:lnSpc>
+                        <a:spcAft>
+                          <a:spcPts val="0"/>
+                        </a:spcAft>
+                      </a:pPr>
+                      <a:r>
+                        <a:rPr lang="es-PE" sz="1100">
+                          <a:effectLst/>
+                        </a:rPr>
+                        <a:t>Propósito</a:t>
+                      </a:r>
+                      <a:endParaRPr lang="en-GB" sz="1100">
+                        <a:effectLst/>
+                        <a:latin typeface="Calibri" panose="020F0502020204030204" pitchFamily="34" charset="0"/>
+                        <a:ea typeface="Calibri" panose="020F0502020204030204" pitchFamily="34" charset="0"/>
+                        <a:cs typeface="Times New Roman" panose="02020603050405020304" pitchFamily="18" charset="0"/>
+                      </a:endParaRPr>
+                    </a:p>
+                  </a:txBody>
+                  <a:tcPr marL="44450" marR="44450" marT="0" marB="0" anchor="ctr"/>
+                </a:tc>
+                <a:tc>
+                  <a:txBody>
+                    <a:bodyPr/>
+                    <a:lstStyle/>
+                    <a:p>
+                      <a:pPr>
+                        <a:lnSpc>
+                          <a:spcPct val="107000"/>
+                        </a:lnSpc>
+                        <a:spcAft>
+                          <a:spcPts val="0"/>
+                        </a:spcAft>
+                      </a:pPr>
+                      <a:r>
+                        <a:rPr lang="es-PE" sz="1100">
+                          <a:effectLst/>
+                        </a:rPr>
+                        <a:t>Hacer una pregunta de alguna duda o consulta donde otros usuarios pueden comentar y responder y así poder buscar una solución.</a:t>
+                      </a:r>
+                      <a:endParaRPr lang="en-GB" sz="1100">
+                        <a:effectLst/>
+                        <a:latin typeface="Calibri" panose="020F0502020204030204" pitchFamily="34" charset="0"/>
+                        <a:ea typeface="Calibri" panose="020F0502020204030204" pitchFamily="34" charset="0"/>
+                        <a:cs typeface="Times New Roman" panose="02020603050405020304" pitchFamily="18" charset="0"/>
+                      </a:endParaRPr>
+                    </a:p>
+                  </a:txBody>
+                  <a:tcPr marL="44450" marR="44450" marT="0" marB="0" anchor="ctr"/>
+                </a:tc>
+              </a:tr>
+              <a:tr h="190500">
+                <a:tc>
+                  <a:txBody>
+                    <a:bodyPr/>
+                    <a:lstStyle/>
+                    <a:p>
+                      <a:pPr>
+                        <a:lnSpc>
+                          <a:spcPct val="107000"/>
+                        </a:lnSpc>
+                        <a:spcAft>
+                          <a:spcPts val="0"/>
+                        </a:spcAft>
+                      </a:pPr>
+                      <a:r>
+                        <a:rPr lang="es-PE" sz="1100">
+                          <a:effectLst/>
+                        </a:rPr>
+                        <a:t>Resumen</a:t>
+                      </a:r>
+                      <a:endParaRPr lang="en-GB" sz="1100">
+                        <a:effectLst/>
+                        <a:latin typeface="Calibri" panose="020F0502020204030204" pitchFamily="34" charset="0"/>
+                        <a:ea typeface="Calibri" panose="020F0502020204030204" pitchFamily="34" charset="0"/>
+                        <a:cs typeface="Times New Roman" panose="02020603050405020304" pitchFamily="18" charset="0"/>
+                      </a:endParaRPr>
+                    </a:p>
+                  </a:txBody>
+                  <a:tcPr marL="44450" marR="44450" marT="0" marB="0" anchor="ctr"/>
+                </a:tc>
+                <a:tc>
+                  <a:txBody>
+                    <a:bodyPr/>
+                    <a:lstStyle/>
+                    <a:p>
+                      <a:pPr>
+                        <a:lnSpc>
+                          <a:spcPct val="107000"/>
+                        </a:lnSpc>
+                        <a:spcAft>
+                          <a:spcPts val="0"/>
+                        </a:spcAft>
+                      </a:pPr>
+                      <a:r>
+                        <a:rPr lang="es-PE" sz="1100">
+                          <a:effectLst/>
+                        </a:rPr>
+                        <a:t>Generar pregunta</a:t>
+                      </a:r>
+                      <a:endParaRPr lang="en-GB" sz="1100">
+                        <a:effectLst/>
+                        <a:latin typeface="Calibri" panose="020F0502020204030204" pitchFamily="34" charset="0"/>
+                        <a:ea typeface="Calibri" panose="020F0502020204030204" pitchFamily="34" charset="0"/>
+                        <a:cs typeface="Times New Roman" panose="02020603050405020304" pitchFamily="18" charset="0"/>
+                      </a:endParaRPr>
+                    </a:p>
+                  </a:txBody>
+                  <a:tcPr marL="44450" marR="44450" marT="0" marB="0" anchor="ctr"/>
+                </a:tc>
+              </a:tr>
+              <a:tr h="381000">
+                <a:tc>
+                  <a:txBody>
+                    <a:bodyPr/>
+                    <a:lstStyle/>
+                    <a:p>
+                      <a:pPr>
+                        <a:lnSpc>
+                          <a:spcPct val="107000"/>
+                        </a:lnSpc>
+                        <a:spcAft>
+                          <a:spcPts val="0"/>
+                        </a:spcAft>
+                      </a:pPr>
+                      <a:r>
+                        <a:rPr lang="es-PE" sz="1100">
+                          <a:effectLst/>
+                        </a:rPr>
+                        <a:t>Precondiciones</a:t>
+                      </a:r>
+                      <a:endParaRPr lang="en-GB" sz="1100">
+                        <a:effectLst/>
+                        <a:latin typeface="Calibri" panose="020F0502020204030204" pitchFamily="34" charset="0"/>
+                        <a:ea typeface="Calibri" panose="020F0502020204030204" pitchFamily="34" charset="0"/>
+                        <a:cs typeface="Times New Roman" panose="02020603050405020304" pitchFamily="18" charset="0"/>
+                      </a:endParaRPr>
+                    </a:p>
+                  </a:txBody>
+                  <a:tcPr marL="44450" marR="44450" marT="0" marB="0" anchor="ctr"/>
+                </a:tc>
+                <a:tc>
+                  <a:txBody>
+                    <a:bodyPr/>
+                    <a:lstStyle/>
+                    <a:p>
+                      <a:pPr>
+                        <a:lnSpc>
+                          <a:spcPct val="107000"/>
+                        </a:lnSpc>
+                        <a:spcAft>
+                          <a:spcPts val="0"/>
+                        </a:spcAft>
+                      </a:pPr>
+                      <a:r>
+                        <a:rPr lang="es-PE" sz="1100">
+                          <a:effectLst/>
+                        </a:rPr>
+                        <a:t>Validar si la pregunta o duda ya existe en preguntas frecuentes.</a:t>
+                      </a:r>
+                      <a:endParaRPr lang="en-GB" sz="1100">
+                        <a:effectLst/>
+                        <a:latin typeface="Calibri" panose="020F0502020204030204" pitchFamily="34" charset="0"/>
+                        <a:ea typeface="Calibri" panose="020F0502020204030204" pitchFamily="34" charset="0"/>
+                        <a:cs typeface="Times New Roman" panose="02020603050405020304" pitchFamily="18" charset="0"/>
+                      </a:endParaRPr>
+                    </a:p>
+                  </a:txBody>
+                  <a:tcPr marL="44450" marR="44450" marT="0" marB="0" anchor="ctr"/>
+                </a:tc>
+              </a:tr>
+              <a:tr h="190500">
+                <a:tc>
+                  <a:txBody>
+                    <a:bodyPr/>
+                    <a:lstStyle/>
+                    <a:p>
+                      <a:pPr>
+                        <a:lnSpc>
+                          <a:spcPct val="107000"/>
+                        </a:lnSpc>
+                        <a:spcAft>
+                          <a:spcPts val="0"/>
+                        </a:spcAft>
+                      </a:pPr>
+                      <a:r>
+                        <a:rPr lang="es-PE" sz="1100">
+                          <a:effectLst/>
+                        </a:rPr>
+                        <a:t>Flujo Principal</a:t>
+                      </a:r>
+                      <a:endParaRPr lang="en-GB" sz="1100">
+                        <a:effectLst/>
+                        <a:latin typeface="Calibri" panose="020F0502020204030204" pitchFamily="34" charset="0"/>
+                        <a:ea typeface="Calibri" panose="020F0502020204030204" pitchFamily="34" charset="0"/>
+                        <a:cs typeface="Times New Roman" panose="02020603050405020304" pitchFamily="18" charset="0"/>
+                      </a:endParaRPr>
+                    </a:p>
+                  </a:txBody>
+                  <a:tcPr marL="44450" marR="44450" marT="0" marB="0" anchor="ctr"/>
+                </a:tc>
+                <a:tc>
+                  <a:txBody>
+                    <a:bodyPr/>
+                    <a:lstStyle/>
+                    <a:p>
+                      <a:pPr>
+                        <a:lnSpc>
+                          <a:spcPct val="107000"/>
+                        </a:lnSpc>
+                        <a:spcAft>
+                          <a:spcPts val="0"/>
+                        </a:spcAft>
+                      </a:pPr>
+                      <a:r>
+                        <a:rPr lang="es-PE" sz="1100">
+                          <a:effectLst/>
+                        </a:rPr>
+                        <a:t>Se valida la pregunta en el sistema.</a:t>
+                      </a:r>
+                      <a:endParaRPr lang="en-GB" sz="1100">
+                        <a:effectLst/>
+                        <a:latin typeface="Calibri" panose="020F0502020204030204" pitchFamily="34" charset="0"/>
+                        <a:ea typeface="Calibri" panose="020F0502020204030204" pitchFamily="34" charset="0"/>
+                        <a:cs typeface="Times New Roman" panose="02020603050405020304" pitchFamily="18" charset="0"/>
+                      </a:endParaRPr>
+                    </a:p>
+                  </a:txBody>
+                  <a:tcPr marL="44450" marR="44450" marT="0" marB="0" anchor="ctr"/>
+                </a:tc>
+              </a:tr>
+              <a:tr h="381000">
+                <a:tc>
+                  <a:txBody>
+                    <a:bodyPr/>
+                    <a:lstStyle/>
+                    <a:p>
+                      <a:pPr>
+                        <a:lnSpc>
+                          <a:spcPct val="107000"/>
+                        </a:lnSpc>
+                        <a:spcAft>
+                          <a:spcPts val="0"/>
+                        </a:spcAft>
+                      </a:pPr>
+                      <a:r>
+                        <a:rPr lang="es-PE" sz="1100">
+                          <a:effectLst/>
+                        </a:rPr>
+                        <a:t>Excepciones</a:t>
+                      </a:r>
+                      <a:endParaRPr lang="en-GB" sz="1100">
+                        <a:effectLst/>
+                        <a:latin typeface="Calibri" panose="020F0502020204030204" pitchFamily="34" charset="0"/>
+                        <a:ea typeface="Calibri" panose="020F0502020204030204" pitchFamily="34" charset="0"/>
+                        <a:cs typeface="Times New Roman" panose="02020603050405020304" pitchFamily="18" charset="0"/>
+                      </a:endParaRPr>
+                    </a:p>
+                  </a:txBody>
+                  <a:tcPr marL="44450" marR="44450" marT="0" marB="0" anchor="ctr"/>
+                </a:tc>
+                <a:tc>
+                  <a:txBody>
+                    <a:bodyPr/>
+                    <a:lstStyle/>
+                    <a:p>
+                      <a:pPr>
+                        <a:lnSpc>
+                          <a:spcPct val="107000"/>
+                        </a:lnSpc>
+                        <a:spcAft>
+                          <a:spcPts val="0"/>
+                        </a:spcAft>
+                      </a:pPr>
+                      <a:r>
+                        <a:rPr lang="es-PE" sz="1100" dirty="0">
+                          <a:effectLst/>
+                        </a:rPr>
+                        <a:t>Si la pregunta no se encuentra en el sistema se agrega la nueva pregunta.</a:t>
+                      </a:r>
+                      <a:endParaRPr lang="en-GB" sz="1100" dirty="0">
+                        <a:effectLst/>
+                        <a:latin typeface="Calibri" panose="020F0502020204030204" pitchFamily="34" charset="0"/>
+                        <a:ea typeface="Calibri" panose="020F0502020204030204" pitchFamily="34" charset="0"/>
+                        <a:cs typeface="Times New Roman" panose="02020603050405020304" pitchFamily="18" charset="0"/>
+                      </a:endParaRPr>
+                    </a:p>
+                  </a:txBody>
+                  <a:tcPr marL="44450" marR="44450" marT="0" marB="0" anchor="ctr"/>
+                </a:tc>
+              </a:tr>
+            </a:tbl>
+          </a:graphicData>
+        </a:graphic>
+      </p:graphicFrame>
+      <p:graphicFrame>
+        <p:nvGraphicFramePr>
+          <p:cNvPr id="5" name="Tabla 4"/>
+          <p:cNvGraphicFramePr>
+            <a:graphicFrameLocks noGrp="1"/>
+          </p:cNvGraphicFramePr>
+          <p:nvPr>
+            <p:extLst>
+              <p:ext uri="{D42A27DB-BD31-4B8C-83A1-F6EECF244321}">
+                <p14:modId xmlns:p14="http://schemas.microsoft.com/office/powerpoint/2010/main" val="2063168390"/>
+              </p:ext>
+            </p:extLst>
+          </p:nvPr>
+        </p:nvGraphicFramePr>
+        <p:xfrm>
+          <a:off x="429419" y="3567906"/>
+          <a:ext cx="5473700" cy="1714500"/>
+        </p:xfrm>
+        <a:graphic>
+          <a:graphicData uri="http://schemas.openxmlformats.org/drawingml/2006/table">
+            <a:tbl>
+              <a:tblPr firstRow="1" firstCol="1" bandRow="1">
+                <a:tableStyleId>{5C22544A-7EE6-4342-B048-85BDC9FD1C3A}</a:tableStyleId>
+              </a:tblPr>
+              <a:tblGrid>
+                <a:gridCol w="1799590"/>
+                <a:gridCol w="3674110"/>
+              </a:tblGrid>
+              <a:tr h="190500">
+                <a:tc gridSpan="2">
+                  <a:txBody>
+                    <a:bodyPr/>
+                    <a:lstStyle/>
+                    <a:p>
+                      <a:pPr algn="ctr">
+                        <a:lnSpc>
+                          <a:spcPct val="107000"/>
+                        </a:lnSpc>
+                        <a:spcAft>
+                          <a:spcPts val="0"/>
+                        </a:spcAft>
+                      </a:pPr>
+                      <a:r>
+                        <a:rPr lang="es-PE" sz="1100" dirty="0">
+                          <a:effectLst/>
+                        </a:rPr>
+                        <a:t>CASO DE USO CERRAR SESION</a:t>
+                      </a:r>
+                      <a:endParaRPr lang="en-GB" sz="1100" dirty="0">
+                        <a:effectLst/>
+                        <a:latin typeface="Calibri" panose="020F0502020204030204" pitchFamily="34" charset="0"/>
+                        <a:ea typeface="Calibri" panose="020F0502020204030204" pitchFamily="34" charset="0"/>
+                        <a:cs typeface="Times New Roman" panose="02020603050405020304" pitchFamily="18" charset="0"/>
+                      </a:endParaRPr>
+                    </a:p>
+                  </a:txBody>
+                  <a:tcPr marL="44450" marR="44450" marT="0" marB="0" anchor="ctr"/>
+                </a:tc>
+                <a:tc hMerge="1">
+                  <a:txBody>
+                    <a:bodyPr/>
+                    <a:lstStyle/>
+                    <a:p>
+                      <a:endParaRPr lang="en-GB"/>
+                    </a:p>
+                  </a:txBody>
+                  <a:tcPr/>
+                </a:tc>
+              </a:tr>
+              <a:tr h="190500">
+                <a:tc>
+                  <a:txBody>
+                    <a:bodyPr/>
+                    <a:lstStyle/>
+                    <a:p>
+                      <a:pPr>
+                        <a:lnSpc>
+                          <a:spcPct val="107000"/>
+                        </a:lnSpc>
+                        <a:spcAft>
+                          <a:spcPts val="0"/>
+                        </a:spcAft>
+                      </a:pPr>
+                      <a:r>
+                        <a:rPr lang="es-PE" sz="1100">
+                          <a:effectLst/>
+                        </a:rPr>
+                        <a:t>Caso de Uso</a:t>
+                      </a:r>
+                      <a:endParaRPr lang="en-GB" sz="1100">
+                        <a:effectLst/>
+                        <a:latin typeface="Calibri" panose="020F0502020204030204" pitchFamily="34" charset="0"/>
+                        <a:ea typeface="Calibri" panose="020F0502020204030204" pitchFamily="34" charset="0"/>
+                        <a:cs typeface="Times New Roman" panose="02020603050405020304" pitchFamily="18" charset="0"/>
+                      </a:endParaRPr>
+                    </a:p>
+                  </a:txBody>
+                  <a:tcPr marL="44450" marR="44450" marT="0" marB="0" anchor="ctr"/>
+                </a:tc>
+                <a:tc>
+                  <a:txBody>
+                    <a:bodyPr/>
+                    <a:lstStyle/>
+                    <a:p>
+                      <a:pPr>
+                        <a:lnSpc>
+                          <a:spcPct val="107000"/>
+                        </a:lnSpc>
+                        <a:spcAft>
+                          <a:spcPts val="0"/>
+                        </a:spcAft>
+                      </a:pPr>
+                      <a:r>
+                        <a:rPr lang="es-PE" sz="1100">
+                          <a:effectLst/>
+                        </a:rPr>
+                        <a:t>Cerrar sesión</a:t>
+                      </a:r>
+                      <a:endParaRPr lang="en-GB" sz="1100">
+                        <a:effectLst/>
+                        <a:latin typeface="Calibri" panose="020F0502020204030204" pitchFamily="34" charset="0"/>
+                        <a:ea typeface="Calibri" panose="020F0502020204030204" pitchFamily="34" charset="0"/>
+                        <a:cs typeface="Times New Roman" panose="02020603050405020304" pitchFamily="18" charset="0"/>
+                      </a:endParaRPr>
+                    </a:p>
+                  </a:txBody>
+                  <a:tcPr marL="44450" marR="44450" marT="0" marB="0" anchor="ctr"/>
+                </a:tc>
+              </a:tr>
+              <a:tr h="190500">
+                <a:tc>
+                  <a:txBody>
+                    <a:bodyPr/>
+                    <a:lstStyle/>
+                    <a:p>
+                      <a:pPr>
+                        <a:lnSpc>
+                          <a:spcPct val="107000"/>
+                        </a:lnSpc>
+                        <a:spcAft>
+                          <a:spcPts val="0"/>
+                        </a:spcAft>
+                      </a:pPr>
+                      <a:r>
+                        <a:rPr lang="es-PE" sz="1100">
+                          <a:effectLst/>
+                        </a:rPr>
+                        <a:t>Actores</a:t>
+                      </a:r>
+                      <a:endParaRPr lang="en-GB" sz="1100">
+                        <a:effectLst/>
+                        <a:latin typeface="Calibri" panose="020F0502020204030204" pitchFamily="34" charset="0"/>
+                        <a:ea typeface="Calibri" panose="020F0502020204030204" pitchFamily="34" charset="0"/>
+                        <a:cs typeface="Times New Roman" panose="02020603050405020304" pitchFamily="18" charset="0"/>
+                      </a:endParaRPr>
+                    </a:p>
+                  </a:txBody>
+                  <a:tcPr marL="44450" marR="44450" marT="0" marB="0" anchor="ctr"/>
+                </a:tc>
+                <a:tc>
+                  <a:txBody>
+                    <a:bodyPr/>
+                    <a:lstStyle/>
+                    <a:p>
+                      <a:pPr>
+                        <a:lnSpc>
+                          <a:spcPct val="107000"/>
+                        </a:lnSpc>
+                        <a:spcAft>
+                          <a:spcPts val="0"/>
+                        </a:spcAft>
+                      </a:pPr>
+                      <a:r>
+                        <a:rPr lang="es-PE" sz="1100">
+                          <a:effectLst/>
+                        </a:rPr>
+                        <a:t>Estudiante</a:t>
+                      </a:r>
+                      <a:endParaRPr lang="en-GB" sz="1100">
+                        <a:effectLst/>
+                        <a:latin typeface="Calibri" panose="020F0502020204030204" pitchFamily="34" charset="0"/>
+                        <a:ea typeface="Calibri" panose="020F0502020204030204" pitchFamily="34" charset="0"/>
+                        <a:cs typeface="Times New Roman" panose="02020603050405020304" pitchFamily="18" charset="0"/>
+                      </a:endParaRPr>
+                    </a:p>
+                  </a:txBody>
+                  <a:tcPr marL="44450" marR="44450" marT="0" marB="0" anchor="ctr"/>
+                </a:tc>
+              </a:tr>
+              <a:tr h="190500">
+                <a:tc>
+                  <a:txBody>
+                    <a:bodyPr/>
+                    <a:lstStyle/>
+                    <a:p>
+                      <a:pPr>
+                        <a:lnSpc>
+                          <a:spcPct val="107000"/>
+                        </a:lnSpc>
+                        <a:spcAft>
+                          <a:spcPts val="0"/>
+                        </a:spcAft>
+                      </a:pPr>
+                      <a:r>
+                        <a:rPr lang="es-PE" sz="1100">
+                          <a:effectLst/>
+                        </a:rPr>
+                        <a:t>Tipo</a:t>
+                      </a:r>
+                      <a:endParaRPr lang="en-GB" sz="1100">
+                        <a:effectLst/>
+                        <a:latin typeface="Calibri" panose="020F0502020204030204" pitchFamily="34" charset="0"/>
+                        <a:ea typeface="Calibri" panose="020F0502020204030204" pitchFamily="34" charset="0"/>
+                        <a:cs typeface="Times New Roman" panose="02020603050405020304" pitchFamily="18" charset="0"/>
+                      </a:endParaRPr>
+                    </a:p>
+                  </a:txBody>
+                  <a:tcPr marL="44450" marR="44450" marT="0" marB="0" anchor="ctr"/>
+                </a:tc>
+                <a:tc>
+                  <a:txBody>
+                    <a:bodyPr/>
+                    <a:lstStyle/>
+                    <a:p>
+                      <a:pPr>
+                        <a:lnSpc>
+                          <a:spcPct val="107000"/>
+                        </a:lnSpc>
+                        <a:spcAft>
+                          <a:spcPts val="0"/>
+                        </a:spcAft>
+                      </a:pPr>
+                      <a:r>
+                        <a:rPr lang="es-PE" sz="1100">
+                          <a:effectLst/>
+                        </a:rPr>
+                        <a:t>Básico</a:t>
+                      </a:r>
+                      <a:endParaRPr lang="en-GB" sz="1100">
+                        <a:effectLst/>
+                        <a:latin typeface="Calibri" panose="020F0502020204030204" pitchFamily="34" charset="0"/>
+                        <a:ea typeface="Calibri" panose="020F0502020204030204" pitchFamily="34" charset="0"/>
+                        <a:cs typeface="Times New Roman" panose="02020603050405020304" pitchFamily="18" charset="0"/>
+                      </a:endParaRPr>
+                    </a:p>
+                  </a:txBody>
+                  <a:tcPr marL="44450" marR="44450" marT="0" marB="0" anchor="ctr"/>
+                </a:tc>
+              </a:tr>
+              <a:tr h="190500">
+                <a:tc>
+                  <a:txBody>
+                    <a:bodyPr/>
+                    <a:lstStyle/>
+                    <a:p>
+                      <a:pPr>
+                        <a:lnSpc>
+                          <a:spcPct val="107000"/>
+                        </a:lnSpc>
+                        <a:spcAft>
+                          <a:spcPts val="0"/>
+                        </a:spcAft>
+                      </a:pPr>
+                      <a:r>
+                        <a:rPr lang="es-PE" sz="1100">
+                          <a:effectLst/>
+                        </a:rPr>
+                        <a:t>Propósito</a:t>
+                      </a:r>
+                      <a:endParaRPr lang="en-GB" sz="1100">
+                        <a:effectLst/>
+                        <a:latin typeface="Calibri" panose="020F0502020204030204" pitchFamily="34" charset="0"/>
+                        <a:ea typeface="Calibri" panose="020F0502020204030204" pitchFamily="34" charset="0"/>
+                        <a:cs typeface="Times New Roman" panose="02020603050405020304" pitchFamily="18" charset="0"/>
+                      </a:endParaRPr>
+                    </a:p>
+                  </a:txBody>
+                  <a:tcPr marL="44450" marR="44450" marT="0" marB="0" anchor="ctr"/>
+                </a:tc>
+                <a:tc>
+                  <a:txBody>
+                    <a:bodyPr/>
+                    <a:lstStyle/>
+                    <a:p>
+                      <a:pPr>
+                        <a:lnSpc>
+                          <a:spcPct val="107000"/>
+                        </a:lnSpc>
+                        <a:spcAft>
+                          <a:spcPts val="0"/>
+                        </a:spcAft>
+                      </a:pPr>
+                      <a:r>
+                        <a:rPr lang="es-PE" sz="1100">
+                          <a:effectLst/>
+                        </a:rPr>
+                        <a:t>Finalizar la sesión cuando el usuario lo solicite</a:t>
+                      </a:r>
+                      <a:endParaRPr lang="en-GB" sz="1100">
+                        <a:effectLst/>
+                        <a:latin typeface="Calibri" panose="020F0502020204030204" pitchFamily="34" charset="0"/>
+                        <a:ea typeface="Calibri" panose="020F0502020204030204" pitchFamily="34" charset="0"/>
+                        <a:cs typeface="Times New Roman" panose="02020603050405020304" pitchFamily="18" charset="0"/>
+                      </a:endParaRPr>
+                    </a:p>
+                  </a:txBody>
+                  <a:tcPr marL="44450" marR="44450" marT="0" marB="0" anchor="ctr"/>
+                </a:tc>
+              </a:tr>
+              <a:tr h="190500">
+                <a:tc>
+                  <a:txBody>
+                    <a:bodyPr/>
+                    <a:lstStyle/>
+                    <a:p>
+                      <a:pPr>
+                        <a:lnSpc>
+                          <a:spcPct val="107000"/>
+                        </a:lnSpc>
+                        <a:spcAft>
+                          <a:spcPts val="0"/>
+                        </a:spcAft>
+                      </a:pPr>
+                      <a:r>
+                        <a:rPr lang="es-PE" sz="1100">
+                          <a:effectLst/>
+                        </a:rPr>
+                        <a:t>Resumen</a:t>
+                      </a:r>
+                      <a:endParaRPr lang="en-GB" sz="1100">
+                        <a:effectLst/>
+                        <a:latin typeface="Calibri" panose="020F0502020204030204" pitchFamily="34" charset="0"/>
+                        <a:ea typeface="Calibri" panose="020F0502020204030204" pitchFamily="34" charset="0"/>
+                        <a:cs typeface="Times New Roman" panose="02020603050405020304" pitchFamily="18" charset="0"/>
+                      </a:endParaRPr>
+                    </a:p>
+                  </a:txBody>
+                  <a:tcPr marL="44450" marR="44450" marT="0" marB="0" anchor="ctr"/>
+                </a:tc>
+                <a:tc>
+                  <a:txBody>
+                    <a:bodyPr/>
+                    <a:lstStyle/>
+                    <a:p>
+                      <a:pPr>
+                        <a:lnSpc>
+                          <a:spcPct val="107000"/>
+                        </a:lnSpc>
+                        <a:spcAft>
+                          <a:spcPts val="0"/>
+                        </a:spcAft>
+                      </a:pPr>
+                      <a:r>
+                        <a:rPr lang="es-PE" sz="1100">
+                          <a:effectLst/>
+                        </a:rPr>
+                        <a:t>Finalizar sesión</a:t>
+                      </a:r>
+                      <a:endParaRPr lang="en-GB" sz="1100">
+                        <a:effectLst/>
+                        <a:latin typeface="Calibri" panose="020F0502020204030204" pitchFamily="34" charset="0"/>
+                        <a:ea typeface="Calibri" panose="020F0502020204030204" pitchFamily="34" charset="0"/>
+                        <a:cs typeface="Times New Roman" panose="02020603050405020304" pitchFamily="18" charset="0"/>
+                      </a:endParaRPr>
+                    </a:p>
+                  </a:txBody>
+                  <a:tcPr marL="44450" marR="44450" marT="0" marB="0" anchor="ctr"/>
+                </a:tc>
+              </a:tr>
+              <a:tr h="190500">
+                <a:tc>
+                  <a:txBody>
+                    <a:bodyPr/>
+                    <a:lstStyle/>
+                    <a:p>
+                      <a:pPr>
+                        <a:lnSpc>
+                          <a:spcPct val="107000"/>
+                        </a:lnSpc>
+                        <a:spcAft>
+                          <a:spcPts val="0"/>
+                        </a:spcAft>
+                      </a:pPr>
+                      <a:r>
+                        <a:rPr lang="es-PE" sz="1100">
+                          <a:effectLst/>
+                        </a:rPr>
+                        <a:t>Precondiciones</a:t>
+                      </a:r>
+                      <a:endParaRPr lang="en-GB" sz="1100">
+                        <a:effectLst/>
+                        <a:latin typeface="Calibri" panose="020F0502020204030204" pitchFamily="34" charset="0"/>
+                        <a:ea typeface="Calibri" panose="020F0502020204030204" pitchFamily="34" charset="0"/>
+                        <a:cs typeface="Times New Roman" panose="02020603050405020304" pitchFamily="18" charset="0"/>
+                      </a:endParaRPr>
+                    </a:p>
+                  </a:txBody>
+                  <a:tcPr marL="44450" marR="44450" marT="0" marB="0" anchor="ctr"/>
+                </a:tc>
+                <a:tc>
+                  <a:txBody>
+                    <a:bodyPr/>
+                    <a:lstStyle/>
+                    <a:p>
+                      <a:pPr>
+                        <a:lnSpc>
+                          <a:spcPct val="107000"/>
+                        </a:lnSpc>
+                        <a:spcAft>
+                          <a:spcPts val="0"/>
+                        </a:spcAft>
+                      </a:pPr>
+                      <a:r>
+                        <a:rPr lang="es-PE" sz="1100">
+                          <a:effectLst/>
+                        </a:rPr>
+                        <a:t>El usuario debe de tener su sesión iniciada</a:t>
+                      </a:r>
+                      <a:endParaRPr lang="en-GB" sz="1100">
+                        <a:effectLst/>
+                        <a:latin typeface="Calibri" panose="020F0502020204030204" pitchFamily="34" charset="0"/>
+                        <a:ea typeface="Calibri" panose="020F0502020204030204" pitchFamily="34" charset="0"/>
+                        <a:cs typeface="Times New Roman" panose="02020603050405020304" pitchFamily="18" charset="0"/>
+                      </a:endParaRPr>
+                    </a:p>
+                  </a:txBody>
+                  <a:tcPr marL="44450" marR="44450" marT="0" marB="0" anchor="ctr"/>
+                </a:tc>
+              </a:tr>
+              <a:tr h="190500">
+                <a:tc>
+                  <a:txBody>
+                    <a:bodyPr/>
+                    <a:lstStyle/>
+                    <a:p>
+                      <a:pPr>
+                        <a:lnSpc>
+                          <a:spcPct val="107000"/>
+                        </a:lnSpc>
+                        <a:spcAft>
+                          <a:spcPts val="0"/>
+                        </a:spcAft>
+                      </a:pPr>
+                      <a:r>
+                        <a:rPr lang="es-PE" sz="1100">
+                          <a:effectLst/>
+                        </a:rPr>
+                        <a:t>Flujo Principal</a:t>
+                      </a:r>
+                      <a:endParaRPr lang="en-GB" sz="1100">
+                        <a:effectLst/>
+                        <a:latin typeface="Calibri" panose="020F0502020204030204" pitchFamily="34" charset="0"/>
+                        <a:ea typeface="Calibri" panose="020F0502020204030204" pitchFamily="34" charset="0"/>
+                        <a:cs typeface="Times New Roman" panose="02020603050405020304" pitchFamily="18" charset="0"/>
+                      </a:endParaRPr>
+                    </a:p>
+                  </a:txBody>
+                  <a:tcPr marL="44450" marR="44450" marT="0" marB="0" anchor="ctr"/>
+                </a:tc>
+                <a:tc>
+                  <a:txBody>
+                    <a:bodyPr/>
+                    <a:lstStyle/>
+                    <a:p>
+                      <a:pPr>
+                        <a:lnSpc>
+                          <a:spcPct val="107000"/>
+                        </a:lnSpc>
+                        <a:spcAft>
+                          <a:spcPts val="0"/>
+                        </a:spcAft>
+                      </a:pPr>
+                      <a:r>
+                        <a:rPr lang="es-PE" sz="1100">
+                          <a:effectLst/>
+                        </a:rPr>
+                        <a:t>Se valida la sesión iniciada del usuario</a:t>
+                      </a:r>
+                      <a:endParaRPr lang="en-GB" sz="1100">
+                        <a:effectLst/>
+                        <a:latin typeface="Calibri" panose="020F0502020204030204" pitchFamily="34" charset="0"/>
+                        <a:ea typeface="Calibri" panose="020F0502020204030204" pitchFamily="34" charset="0"/>
+                        <a:cs typeface="Times New Roman" panose="02020603050405020304" pitchFamily="18" charset="0"/>
+                      </a:endParaRPr>
+                    </a:p>
+                  </a:txBody>
+                  <a:tcPr marL="44450" marR="44450" marT="0" marB="0" anchor="ctr"/>
+                </a:tc>
+              </a:tr>
+              <a:tr h="190500">
+                <a:tc>
+                  <a:txBody>
+                    <a:bodyPr/>
+                    <a:lstStyle/>
+                    <a:p>
+                      <a:pPr>
+                        <a:lnSpc>
+                          <a:spcPct val="107000"/>
+                        </a:lnSpc>
+                        <a:spcAft>
+                          <a:spcPts val="0"/>
+                        </a:spcAft>
+                      </a:pPr>
+                      <a:r>
+                        <a:rPr lang="es-PE" sz="1100">
+                          <a:effectLst/>
+                        </a:rPr>
+                        <a:t>Excepciones</a:t>
+                      </a:r>
+                      <a:endParaRPr lang="en-GB" sz="1100">
+                        <a:effectLst/>
+                        <a:latin typeface="Calibri" panose="020F0502020204030204" pitchFamily="34" charset="0"/>
+                        <a:ea typeface="Calibri" panose="020F0502020204030204" pitchFamily="34" charset="0"/>
+                        <a:cs typeface="Times New Roman" panose="02020603050405020304" pitchFamily="18" charset="0"/>
+                      </a:endParaRPr>
+                    </a:p>
+                  </a:txBody>
+                  <a:tcPr marL="44450" marR="44450" marT="0" marB="0" anchor="ctr"/>
+                </a:tc>
+                <a:tc>
+                  <a:txBody>
+                    <a:bodyPr/>
+                    <a:lstStyle/>
+                    <a:p>
+                      <a:pPr>
+                        <a:lnSpc>
+                          <a:spcPct val="107000"/>
+                        </a:lnSpc>
+                        <a:spcAft>
+                          <a:spcPts val="0"/>
+                        </a:spcAft>
+                      </a:pPr>
+                      <a:r>
+                        <a:rPr lang="es-PE" sz="1100" dirty="0">
+                          <a:effectLst/>
+                        </a:rPr>
+                        <a:t>No hay excepciones</a:t>
+                      </a:r>
+                      <a:endParaRPr lang="en-GB" sz="1100" dirty="0">
+                        <a:effectLst/>
+                        <a:latin typeface="Calibri" panose="020F0502020204030204" pitchFamily="34" charset="0"/>
+                        <a:ea typeface="Calibri" panose="020F0502020204030204" pitchFamily="34" charset="0"/>
+                        <a:cs typeface="Times New Roman" panose="02020603050405020304" pitchFamily="18" charset="0"/>
+                      </a:endParaRPr>
+                    </a:p>
+                  </a:txBody>
+                  <a:tcPr marL="44450" marR="44450" marT="0" marB="0" anchor="ctr"/>
+                </a:tc>
+              </a:tr>
+            </a:tbl>
+          </a:graphicData>
+        </a:graphic>
+      </p:graphicFrame>
+    </p:spTree>
+    <p:extLst>
+      <p:ext uri="{BB962C8B-B14F-4D97-AF65-F5344CB8AC3E}">
+        <p14:creationId xmlns:p14="http://schemas.microsoft.com/office/powerpoint/2010/main" val="3935646669"/>
+      </p:ext>
+    </p:extLst>
+  </p:cSld>
+  <p:clrMapOvr>
+    <a:masterClrMapping/>
+  </p:clrMapOvr>
+</p:sld>
+</file>
+
+<file path=ppt/slides/slide5.xml><?xml version="1.0" encoding="utf-8"?>
+<p:sld xmlns:a="http://schemas.openxmlformats.org/drawingml/2006/main" xmlns:r="http://schemas.openxmlformats.org/officeDocument/2006/relationships" xmlns:p="http://schemas.openxmlformats.org/presentationml/2006/main">
+  <p:cSld>
+    <p:spTree>
+      <p:nvGrpSpPr>
+        <p:cNvPr id="1" name=""/>
+        <p:cNvGrpSpPr/>
+        <p:nvPr/>
+      </p:nvGrpSpPr>
+      <p:grpSpPr>
+        <a:xfrm>
+          <a:off x="0" y="0"/>
+          <a:ext cx="0" cy="0"/>
+          <a:chOff x="0" y="0"/>
+          <a:chExt cx="0" cy="0"/>
+        </a:xfrm>
+      </p:grpSpPr>
       <p:pic>
         <p:nvPicPr>
           <p:cNvPr id="4" name="Imagen 3">
             <a:extLst>
               <a:ext uri="{FF2B5EF4-FFF2-40B4-BE49-F238E27FC236}">
-                <a16:creationId xmlns:a16="http://schemas.microsoft.com/office/drawing/2014/main" id="{294600A6-2D71-4626-9B12-6E50FEE8D00F}"/>
+                <a16:creationId xmlns:a16="http://schemas.microsoft.com/office/drawing/2014/main" xmlns="" id="{294600A6-2D71-4626-9B12-6E50FEE8D00F}"/>
               </a:ext>
             </a:extLst>
           </p:cNvPr>
@@ -6162,8 +9617,8 @@
         </p:blipFill>
         <p:spPr>
           <a:xfrm>
-            <a:off x="3295852" y="1262136"/>
-            <a:ext cx="5947907" cy="4333727"/>
+            <a:off x="691010" y="2362200"/>
+            <a:ext cx="3176140" cy="2314179"/>
           </a:xfrm>
           <a:prstGeom prst="rect">
             <a:avLst/>
@@ -6175,7 +9630,7 @@
           <p:cNvPr id="5" name="Título 1">
             <a:extLst>
               <a:ext uri="{FF2B5EF4-FFF2-40B4-BE49-F238E27FC236}">
-                <a16:creationId xmlns:a16="http://schemas.microsoft.com/office/drawing/2014/main" id="{97371D06-8D0A-4CC1-B0C6-5CA8CCEF5DDB}"/>
+                <a16:creationId xmlns:a16="http://schemas.microsoft.com/office/drawing/2014/main" xmlns="" id="{97371D06-8D0A-4CC1-B0C6-5CA8CCEF5DDB}"/>
               </a:ext>
             </a:extLst>
           </p:cNvPr>
@@ -6219,9 +9674,891 @@
           <a:p>
             <a:pPr algn="l"/>
             <a:r>
-              <a:rPr lang="es-ES" sz="3200" b="1" u="sng" dirty="0"/>
+              <a:rPr lang="es-ES" sz="3200" b="1" u="sng" dirty="0">
+                <a:solidFill>
+                  <a:schemeClr val="accent2"/>
+                </a:solidFill>
+              </a:rPr>
               <a:t>Diagrama de caso de uso de negocio</a:t>
             </a:r>
+          </a:p>
+        </p:txBody>
+      </p:sp>
+      <p:graphicFrame>
+        <p:nvGraphicFramePr>
+          <p:cNvPr id="3" name="Tabla 2"/>
+          <p:cNvGraphicFramePr>
+            <a:graphicFrameLocks noGrp="1"/>
+          </p:cNvGraphicFramePr>
+          <p:nvPr>
+            <p:extLst>
+              <p:ext uri="{D42A27DB-BD31-4B8C-83A1-F6EECF244321}">
+                <p14:modId xmlns:p14="http://schemas.microsoft.com/office/powerpoint/2010/main" val="1621015409"/>
+              </p:ext>
+            </p:extLst>
+          </p:nvPr>
+        </p:nvGraphicFramePr>
+        <p:xfrm>
+          <a:off x="4636517" y="1042804"/>
+          <a:ext cx="4845621" cy="5510397"/>
+        </p:xfrm>
+        <a:graphic>
+          <a:graphicData uri="http://schemas.openxmlformats.org/drawingml/2006/table">
+            <a:tbl>
+              <a:tblPr firstRow="1" firstCol="1" bandRow="1">
+                <a:tableStyleId>{5C22544A-7EE6-4342-B048-85BDC9FD1C3A}</a:tableStyleId>
+              </a:tblPr>
+              <a:tblGrid>
+                <a:gridCol w="1396679"/>
+                <a:gridCol w="3448942"/>
+              </a:tblGrid>
+              <a:tr h="153002">
+                <a:tc>
+                  <a:txBody>
+                    <a:bodyPr/>
+                    <a:lstStyle/>
+                    <a:p>
+                      <a:pPr algn="l">
+                        <a:lnSpc>
+                          <a:spcPct val="107000"/>
+                        </a:lnSpc>
+                        <a:spcAft>
+                          <a:spcPts val="0"/>
+                        </a:spcAft>
+                      </a:pPr>
+                      <a:r>
+                        <a:rPr lang="es-PE" sz="900" dirty="0">
+                          <a:effectLst/>
+                        </a:rPr>
+                        <a:t>Nombre</a:t>
+                      </a:r>
+                      <a:endParaRPr lang="en-GB" sz="900" dirty="0">
+                        <a:effectLst/>
+                        <a:latin typeface="Calibri" panose="020F0502020204030204" pitchFamily="34" charset="0"/>
+                        <a:ea typeface="Calibri" panose="020F0502020204030204" pitchFamily="34" charset="0"/>
+                        <a:cs typeface="Times New Roman" panose="02020603050405020304" pitchFamily="18" charset="0"/>
+                      </a:endParaRPr>
+                    </a:p>
+                  </a:txBody>
+                  <a:tcPr marL="43559" marR="43559" marT="0" marB="0"/>
+                </a:tc>
+                <a:tc>
+                  <a:txBody>
+                    <a:bodyPr/>
+                    <a:lstStyle/>
+                    <a:p>
+                      <a:pPr algn="l">
+                        <a:lnSpc>
+                          <a:spcPct val="107000"/>
+                        </a:lnSpc>
+                        <a:spcAft>
+                          <a:spcPts val="0"/>
+                        </a:spcAft>
+                      </a:pPr>
+                      <a:r>
+                        <a:rPr lang="es-PE" sz="900">
+                          <a:effectLst/>
+                        </a:rPr>
+                        <a:t>Gestionar Preguntas Académicas</a:t>
+                      </a:r>
+                      <a:endParaRPr lang="en-GB" sz="900">
+                        <a:effectLst/>
+                        <a:latin typeface="Calibri" panose="020F0502020204030204" pitchFamily="34" charset="0"/>
+                        <a:ea typeface="Calibri" panose="020F0502020204030204" pitchFamily="34" charset="0"/>
+                        <a:cs typeface="Times New Roman" panose="02020603050405020304" pitchFamily="18" charset="0"/>
+                      </a:endParaRPr>
+                    </a:p>
+                  </a:txBody>
+                  <a:tcPr marL="43559" marR="43559" marT="0" marB="0"/>
+                </a:tc>
+              </a:tr>
+              <a:tr h="153002">
+                <a:tc>
+                  <a:txBody>
+                    <a:bodyPr/>
+                    <a:lstStyle/>
+                    <a:p>
+                      <a:pPr algn="l">
+                        <a:lnSpc>
+                          <a:spcPct val="107000"/>
+                        </a:lnSpc>
+                        <a:spcAft>
+                          <a:spcPts val="0"/>
+                        </a:spcAft>
+                      </a:pPr>
+                      <a:r>
+                        <a:rPr lang="es-PE" sz="900">
+                          <a:effectLst/>
+                        </a:rPr>
+                        <a:t>Actores</a:t>
+                      </a:r>
+                      <a:endParaRPr lang="en-GB" sz="900">
+                        <a:effectLst/>
+                        <a:latin typeface="Calibri" panose="020F0502020204030204" pitchFamily="34" charset="0"/>
+                        <a:ea typeface="Calibri" panose="020F0502020204030204" pitchFamily="34" charset="0"/>
+                        <a:cs typeface="Times New Roman" panose="02020603050405020304" pitchFamily="18" charset="0"/>
+                      </a:endParaRPr>
+                    </a:p>
+                  </a:txBody>
+                  <a:tcPr marL="43559" marR="43559" marT="0" marB="0"/>
+                </a:tc>
+                <a:tc>
+                  <a:txBody>
+                    <a:bodyPr/>
+                    <a:lstStyle/>
+                    <a:p>
+                      <a:pPr algn="l">
+                        <a:lnSpc>
+                          <a:spcPct val="107000"/>
+                        </a:lnSpc>
+                        <a:spcAft>
+                          <a:spcPts val="0"/>
+                        </a:spcAft>
+                      </a:pPr>
+                      <a:r>
+                        <a:rPr lang="es-PE" sz="900">
+                          <a:effectLst/>
+                        </a:rPr>
+                        <a:t>Estudiante</a:t>
+                      </a:r>
+                      <a:endParaRPr lang="en-GB" sz="900">
+                        <a:effectLst/>
+                        <a:latin typeface="Calibri" panose="020F0502020204030204" pitchFamily="34" charset="0"/>
+                        <a:ea typeface="Calibri" panose="020F0502020204030204" pitchFamily="34" charset="0"/>
+                        <a:cs typeface="Times New Roman" panose="02020603050405020304" pitchFamily="18" charset="0"/>
+                      </a:endParaRPr>
+                    </a:p>
+                  </a:txBody>
+                  <a:tcPr marL="43559" marR="43559" marT="0" marB="0"/>
+                </a:tc>
+              </a:tr>
+              <a:tr h="459005">
+                <a:tc>
+                  <a:txBody>
+                    <a:bodyPr/>
+                    <a:lstStyle/>
+                    <a:p>
+                      <a:pPr algn="l">
+                        <a:lnSpc>
+                          <a:spcPct val="107000"/>
+                        </a:lnSpc>
+                        <a:spcAft>
+                          <a:spcPts val="0"/>
+                        </a:spcAft>
+                      </a:pPr>
+                      <a:r>
+                        <a:rPr lang="es-PE" sz="900">
+                          <a:effectLst/>
+                        </a:rPr>
+                        <a:t>Propósito</a:t>
+                      </a:r>
+                      <a:endParaRPr lang="en-GB" sz="900">
+                        <a:effectLst/>
+                        <a:latin typeface="Calibri" panose="020F0502020204030204" pitchFamily="34" charset="0"/>
+                        <a:ea typeface="Calibri" panose="020F0502020204030204" pitchFamily="34" charset="0"/>
+                        <a:cs typeface="Times New Roman" panose="02020603050405020304" pitchFamily="18" charset="0"/>
+                      </a:endParaRPr>
+                    </a:p>
+                  </a:txBody>
+                  <a:tcPr marL="43559" marR="43559" marT="0" marB="0"/>
+                </a:tc>
+                <a:tc>
+                  <a:txBody>
+                    <a:bodyPr/>
+                    <a:lstStyle/>
+                    <a:p>
+                      <a:pPr algn="l">
+                        <a:lnSpc>
+                          <a:spcPct val="107000"/>
+                        </a:lnSpc>
+                        <a:spcAft>
+                          <a:spcPts val="0"/>
+                        </a:spcAft>
+                      </a:pPr>
+                      <a:r>
+                        <a:rPr lang="es-PE" sz="900" dirty="0">
+                          <a:effectLst/>
+                        </a:rPr>
+                        <a:t>Crear, buscar y gestionar Preguntas Académicas que los Usuarios/Estudiantes de la plataforma/aplicativo comparten con los demás usuarios.</a:t>
+                      </a:r>
+                      <a:endParaRPr lang="en-GB" sz="900" dirty="0">
+                        <a:effectLst/>
+                        <a:latin typeface="Calibri" panose="020F0502020204030204" pitchFamily="34" charset="0"/>
+                        <a:ea typeface="Calibri" panose="020F0502020204030204" pitchFamily="34" charset="0"/>
+                        <a:cs typeface="Times New Roman" panose="02020603050405020304" pitchFamily="18" charset="0"/>
+                      </a:endParaRPr>
+                    </a:p>
+                  </a:txBody>
+                  <a:tcPr marL="43559" marR="43559" marT="0" marB="0"/>
+                </a:tc>
+              </a:tr>
+              <a:tr h="459005">
+                <a:tc gridSpan="2">
+                  <a:txBody>
+                    <a:bodyPr/>
+                    <a:lstStyle/>
+                    <a:p>
+                      <a:pPr algn="l">
+                        <a:lnSpc>
+                          <a:spcPct val="107000"/>
+                        </a:lnSpc>
+                        <a:spcAft>
+                          <a:spcPts val="0"/>
+                        </a:spcAft>
+                      </a:pPr>
+                      <a:r>
+                        <a:rPr lang="es-PE" sz="900" dirty="0">
+                          <a:effectLst/>
+                        </a:rPr>
+                        <a:t>Resumen: El caso de uso de se inicia cuando el estudiante ingresa al apartado de “PREGUNTAS ACADEMICAS” en el cual puede elegir entre formular una nueva pregunta y/o busca las preguntas que están publicadas en la plataforma por la comunidad misma.</a:t>
+                      </a:r>
+                      <a:endParaRPr lang="en-GB" sz="900" dirty="0">
+                        <a:effectLst/>
+                        <a:latin typeface="Calibri" panose="020F0502020204030204" pitchFamily="34" charset="0"/>
+                        <a:ea typeface="Calibri" panose="020F0502020204030204" pitchFamily="34" charset="0"/>
+                        <a:cs typeface="Times New Roman" panose="02020603050405020304" pitchFamily="18" charset="0"/>
+                      </a:endParaRPr>
+                    </a:p>
+                  </a:txBody>
+                  <a:tcPr marL="43559" marR="43559" marT="0" marB="0"/>
+                </a:tc>
+                <a:tc hMerge="1">
+                  <a:txBody>
+                    <a:bodyPr/>
+                    <a:lstStyle/>
+                    <a:p>
+                      <a:endParaRPr lang="en-GB"/>
+                    </a:p>
+                  </a:txBody>
+                  <a:tcPr/>
+                </a:tc>
+              </a:tr>
+              <a:tr h="153002">
+                <a:tc gridSpan="2">
+                  <a:txBody>
+                    <a:bodyPr/>
+                    <a:lstStyle/>
+                    <a:p>
+                      <a:pPr algn="ctr">
+                        <a:lnSpc>
+                          <a:spcPct val="107000"/>
+                        </a:lnSpc>
+                        <a:spcAft>
+                          <a:spcPts val="0"/>
+                        </a:spcAft>
+                      </a:pPr>
+                      <a:r>
+                        <a:rPr lang="es-PE" sz="900">
+                          <a:effectLst/>
+                        </a:rPr>
+                        <a:t>Curso Normal de Eventos</a:t>
+                      </a:r>
+                      <a:endParaRPr lang="en-GB" sz="900">
+                        <a:effectLst/>
+                        <a:latin typeface="Calibri" panose="020F0502020204030204" pitchFamily="34" charset="0"/>
+                        <a:ea typeface="Calibri" panose="020F0502020204030204" pitchFamily="34" charset="0"/>
+                        <a:cs typeface="Times New Roman" panose="02020603050405020304" pitchFamily="18" charset="0"/>
+                      </a:endParaRPr>
+                    </a:p>
+                  </a:txBody>
+                  <a:tcPr marL="43559" marR="43559" marT="0" marB="0"/>
+                </a:tc>
+                <a:tc hMerge="1">
+                  <a:txBody>
+                    <a:bodyPr/>
+                    <a:lstStyle/>
+                    <a:p>
+                      <a:endParaRPr lang="en-GB"/>
+                    </a:p>
+                  </a:txBody>
+                  <a:tcPr/>
+                </a:tc>
+              </a:tr>
+              <a:tr h="153002">
+                <a:tc>
+                  <a:txBody>
+                    <a:bodyPr/>
+                    <a:lstStyle/>
+                    <a:p>
+                      <a:pPr algn="ctr">
+                        <a:lnSpc>
+                          <a:spcPct val="107000"/>
+                        </a:lnSpc>
+                        <a:spcAft>
+                          <a:spcPts val="0"/>
+                        </a:spcAft>
+                      </a:pPr>
+                      <a:r>
+                        <a:rPr lang="es-PE" sz="900">
+                          <a:effectLst/>
+                        </a:rPr>
+                        <a:t>Acción del Actor</a:t>
+                      </a:r>
+                      <a:endParaRPr lang="en-GB" sz="900">
+                        <a:effectLst/>
+                        <a:latin typeface="Calibri" panose="020F0502020204030204" pitchFamily="34" charset="0"/>
+                        <a:ea typeface="Calibri" panose="020F0502020204030204" pitchFamily="34" charset="0"/>
+                        <a:cs typeface="Times New Roman" panose="02020603050405020304" pitchFamily="18" charset="0"/>
+                      </a:endParaRPr>
+                    </a:p>
+                  </a:txBody>
+                  <a:tcPr marL="43559" marR="43559" marT="0" marB="0"/>
+                </a:tc>
+                <a:tc>
+                  <a:txBody>
+                    <a:bodyPr/>
+                    <a:lstStyle/>
+                    <a:p>
+                      <a:pPr algn="ctr">
+                        <a:lnSpc>
+                          <a:spcPct val="107000"/>
+                        </a:lnSpc>
+                        <a:spcAft>
+                          <a:spcPts val="0"/>
+                        </a:spcAft>
+                      </a:pPr>
+                      <a:r>
+                        <a:rPr lang="es-PE" sz="900">
+                          <a:effectLst/>
+                        </a:rPr>
+                        <a:t>Respuesta del proceso de Negocio</a:t>
+                      </a:r>
+                      <a:endParaRPr lang="en-GB" sz="900">
+                        <a:effectLst/>
+                        <a:latin typeface="Calibri" panose="020F0502020204030204" pitchFamily="34" charset="0"/>
+                        <a:ea typeface="Calibri" panose="020F0502020204030204" pitchFamily="34" charset="0"/>
+                        <a:cs typeface="Times New Roman" panose="02020603050405020304" pitchFamily="18" charset="0"/>
+                      </a:endParaRPr>
+                    </a:p>
+                  </a:txBody>
+                  <a:tcPr marL="43559" marR="43559" marT="0" marB="0"/>
+                </a:tc>
+              </a:tr>
+              <a:tr h="2138806">
+                <a:tc>
+                  <a:txBody>
+                    <a:bodyPr/>
+                    <a:lstStyle/>
+                    <a:p>
+                      <a:pPr algn="l">
+                        <a:lnSpc>
+                          <a:spcPct val="107000"/>
+                        </a:lnSpc>
+                        <a:spcAft>
+                          <a:spcPts val="0"/>
+                        </a:spcAft>
+                      </a:pPr>
+                      <a:r>
+                        <a:rPr lang="es-PE" sz="900" dirty="0">
+                          <a:effectLst/>
+                        </a:rPr>
+                        <a:t>1 . El Alumno entra al menú de “Preguntas académicas”</a:t>
+                      </a:r>
+                      <a:endParaRPr lang="en-GB" sz="900" dirty="0">
+                        <a:effectLst/>
+                      </a:endParaRPr>
+                    </a:p>
+                    <a:p>
+                      <a:pPr algn="l">
+                        <a:lnSpc>
+                          <a:spcPct val="107000"/>
+                        </a:lnSpc>
+                        <a:spcAft>
+                          <a:spcPts val="0"/>
+                        </a:spcAft>
+                      </a:pPr>
+                      <a:r>
+                        <a:rPr lang="es-PE" sz="900" dirty="0">
+                          <a:effectLst/>
+                        </a:rPr>
+                        <a:t> </a:t>
+                      </a:r>
+                      <a:endParaRPr lang="en-GB" sz="900" dirty="0">
+                        <a:effectLst/>
+                      </a:endParaRPr>
+                    </a:p>
+                    <a:p>
+                      <a:pPr algn="l">
+                        <a:lnSpc>
+                          <a:spcPct val="107000"/>
+                        </a:lnSpc>
+                        <a:spcAft>
+                          <a:spcPts val="0"/>
+                        </a:spcAft>
+                      </a:pPr>
+                      <a:r>
+                        <a:rPr lang="es-PE" sz="900" dirty="0">
+                          <a:effectLst/>
+                        </a:rPr>
+                        <a:t>2 . El alumno elige entre las opciones de “Formular Pregunta” y “Buscar Preguntas”</a:t>
+                      </a:r>
+                      <a:endParaRPr lang="en-GB" sz="900" dirty="0">
+                        <a:effectLst/>
+                      </a:endParaRPr>
+                    </a:p>
+                    <a:p>
+                      <a:pPr algn="l">
+                        <a:lnSpc>
+                          <a:spcPct val="107000"/>
+                        </a:lnSpc>
+                        <a:spcAft>
+                          <a:spcPts val="0"/>
+                        </a:spcAft>
+                      </a:pPr>
+                      <a:r>
+                        <a:rPr lang="es-PE" sz="900" dirty="0">
+                          <a:effectLst/>
+                        </a:rPr>
+                        <a:t> </a:t>
+                      </a:r>
+                      <a:endParaRPr lang="en-GB" sz="900" dirty="0">
+                        <a:effectLst/>
+                      </a:endParaRPr>
+                    </a:p>
+                    <a:p>
+                      <a:pPr algn="l">
+                        <a:lnSpc>
+                          <a:spcPct val="107000"/>
+                        </a:lnSpc>
+                        <a:spcAft>
+                          <a:spcPts val="0"/>
+                        </a:spcAft>
+                      </a:pPr>
+                      <a:r>
+                        <a:rPr lang="es-PE" sz="900" dirty="0">
+                          <a:effectLst/>
+                        </a:rPr>
+                        <a:t>3 . El alumno elige “Formular Pregunta”</a:t>
+                      </a:r>
+                      <a:endParaRPr lang="en-GB" sz="900" dirty="0">
+                        <a:effectLst/>
+                      </a:endParaRPr>
+                    </a:p>
+                    <a:p>
+                      <a:pPr algn="l">
+                        <a:lnSpc>
+                          <a:spcPct val="107000"/>
+                        </a:lnSpc>
+                        <a:spcAft>
+                          <a:spcPts val="0"/>
+                        </a:spcAft>
+                      </a:pPr>
+                      <a:r>
+                        <a:rPr lang="es-PE" sz="900" dirty="0">
+                          <a:effectLst/>
+                        </a:rPr>
+                        <a:t> </a:t>
+                      </a:r>
+                      <a:endParaRPr lang="en-GB" sz="900" dirty="0">
+                        <a:effectLst/>
+                      </a:endParaRPr>
+                    </a:p>
+                    <a:p>
+                      <a:pPr algn="l">
+                        <a:lnSpc>
+                          <a:spcPct val="107000"/>
+                        </a:lnSpc>
+                        <a:spcAft>
+                          <a:spcPts val="0"/>
+                        </a:spcAft>
+                      </a:pPr>
+                      <a:r>
+                        <a:rPr lang="es-PE" sz="900" dirty="0">
+                          <a:effectLst/>
+                        </a:rPr>
+                        <a:t>5 . El alumno llena los datos solicitados</a:t>
+                      </a:r>
+                      <a:endParaRPr lang="en-GB" sz="900" dirty="0">
+                        <a:effectLst/>
+                        <a:latin typeface="Calibri" panose="020F0502020204030204" pitchFamily="34" charset="0"/>
+                        <a:ea typeface="Calibri" panose="020F0502020204030204" pitchFamily="34" charset="0"/>
+                        <a:cs typeface="Times New Roman" panose="02020603050405020304" pitchFamily="18" charset="0"/>
+                      </a:endParaRPr>
+                    </a:p>
+                  </a:txBody>
+                  <a:tcPr marL="43559" marR="43559" marT="0" marB="0"/>
+                </a:tc>
+                <a:tc>
+                  <a:txBody>
+                    <a:bodyPr/>
+                    <a:lstStyle/>
+                    <a:p>
+                      <a:pPr algn="l">
+                        <a:lnSpc>
+                          <a:spcPct val="107000"/>
+                        </a:lnSpc>
+                        <a:spcAft>
+                          <a:spcPts val="0"/>
+                        </a:spcAft>
+                      </a:pPr>
+                      <a:r>
+                        <a:rPr lang="es-PE" sz="900" dirty="0">
+                          <a:effectLst/>
+                        </a:rPr>
+                        <a:t>4 . Se muestra el formulario de formulación de pregunta nueva</a:t>
+                      </a:r>
+                      <a:endParaRPr lang="en-GB" sz="900" dirty="0">
+                        <a:effectLst/>
+                      </a:endParaRPr>
+                    </a:p>
+                    <a:p>
+                      <a:pPr algn="l">
+                        <a:lnSpc>
+                          <a:spcPct val="107000"/>
+                        </a:lnSpc>
+                        <a:spcAft>
+                          <a:spcPts val="0"/>
+                        </a:spcAft>
+                      </a:pPr>
+                      <a:r>
+                        <a:rPr lang="es-PE" sz="900" dirty="0">
+                          <a:effectLst/>
+                        </a:rPr>
+                        <a:t> </a:t>
+                      </a:r>
+                      <a:endParaRPr lang="en-GB" sz="900" dirty="0">
+                        <a:effectLst/>
+                      </a:endParaRPr>
+                    </a:p>
+                    <a:p>
+                      <a:pPr algn="l">
+                        <a:lnSpc>
+                          <a:spcPct val="107000"/>
+                        </a:lnSpc>
+                        <a:spcAft>
+                          <a:spcPts val="0"/>
+                        </a:spcAft>
+                      </a:pPr>
+                      <a:r>
+                        <a:rPr lang="es-PE" sz="900" dirty="0">
+                          <a:effectLst/>
+                        </a:rPr>
+                        <a:t>6 . Se realiza la carga de la nueva pregunta al sistema</a:t>
+                      </a:r>
+                      <a:endParaRPr lang="en-GB" sz="900" dirty="0">
+                        <a:effectLst/>
+                      </a:endParaRPr>
+                    </a:p>
+                    <a:p>
+                      <a:pPr algn="l">
+                        <a:lnSpc>
+                          <a:spcPct val="107000"/>
+                        </a:lnSpc>
+                        <a:spcAft>
+                          <a:spcPts val="0"/>
+                        </a:spcAft>
+                      </a:pPr>
+                      <a:r>
+                        <a:rPr lang="es-PE" sz="900" dirty="0">
+                          <a:effectLst/>
+                        </a:rPr>
+                        <a:t> </a:t>
+                      </a:r>
+                      <a:endParaRPr lang="en-GB" sz="900" dirty="0">
+                        <a:effectLst/>
+                      </a:endParaRPr>
+                    </a:p>
+                    <a:p>
+                      <a:pPr algn="l">
+                        <a:lnSpc>
+                          <a:spcPct val="107000"/>
+                        </a:lnSpc>
+                        <a:spcAft>
+                          <a:spcPts val="0"/>
+                        </a:spcAft>
+                      </a:pPr>
+                      <a:r>
+                        <a:rPr lang="es-PE" sz="900" dirty="0">
+                          <a:effectLst/>
+                        </a:rPr>
+                        <a:t>7 . Se notifica la pregunta se creó y subió al sistema con éxito</a:t>
+                      </a:r>
+                      <a:endParaRPr lang="en-GB" sz="900" dirty="0">
+                        <a:effectLst/>
+                        <a:latin typeface="Calibri" panose="020F0502020204030204" pitchFamily="34" charset="0"/>
+                        <a:ea typeface="Calibri" panose="020F0502020204030204" pitchFamily="34" charset="0"/>
+                        <a:cs typeface="Times New Roman" panose="02020603050405020304" pitchFamily="18" charset="0"/>
+                      </a:endParaRPr>
+                    </a:p>
+                  </a:txBody>
+                  <a:tcPr marL="43559" marR="43559" marT="0" marB="0"/>
+                </a:tc>
+              </a:tr>
+              <a:tr h="153002">
+                <a:tc gridSpan="2">
+                  <a:txBody>
+                    <a:bodyPr/>
+                    <a:lstStyle/>
+                    <a:p>
+                      <a:pPr algn="ctr">
+                        <a:lnSpc>
+                          <a:spcPct val="107000"/>
+                        </a:lnSpc>
+                        <a:spcAft>
+                          <a:spcPts val="0"/>
+                        </a:spcAft>
+                      </a:pPr>
+                      <a:r>
+                        <a:rPr lang="es-PE" sz="900" dirty="0">
+                          <a:effectLst/>
+                        </a:rPr>
+                        <a:t>CURSOS ALTERNOS</a:t>
+                      </a:r>
+                      <a:endParaRPr lang="en-GB" sz="900" dirty="0">
+                        <a:effectLst/>
+                        <a:latin typeface="Calibri" panose="020F0502020204030204" pitchFamily="34" charset="0"/>
+                        <a:ea typeface="Calibri" panose="020F0502020204030204" pitchFamily="34" charset="0"/>
+                        <a:cs typeface="Times New Roman" panose="02020603050405020304" pitchFamily="18" charset="0"/>
+                      </a:endParaRPr>
+                    </a:p>
+                  </a:txBody>
+                  <a:tcPr marL="43559" marR="43559" marT="0" marB="0"/>
+                </a:tc>
+                <a:tc hMerge="1">
+                  <a:txBody>
+                    <a:bodyPr/>
+                    <a:lstStyle/>
+                    <a:p>
+                      <a:endParaRPr lang="en-GB"/>
+                    </a:p>
+                  </a:txBody>
+                  <a:tcPr/>
+                </a:tc>
+              </a:tr>
+              <a:tr h="163021">
+                <a:tc gridSpan="2">
+                  <a:txBody>
+                    <a:bodyPr/>
+                    <a:lstStyle/>
+                    <a:p>
+                      <a:pPr algn="ctr">
+                        <a:lnSpc>
+                          <a:spcPct val="107000"/>
+                        </a:lnSpc>
+                        <a:spcAft>
+                          <a:spcPts val="0"/>
+                        </a:spcAft>
+                      </a:pPr>
+                      <a:r>
+                        <a:rPr lang="es-PE" sz="900">
+                          <a:effectLst/>
+                        </a:rPr>
+                        <a:t>Buscar preguntas</a:t>
+                      </a:r>
+                      <a:endParaRPr lang="en-GB" sz="900">
+                        <a:effectLst/>
+                        <a:latin typeface="Calibri" panose="020F0502020204030204" pitchFamily="34" charset="0"/>
+                        <a:ea typeface="Calibri" panose="020F0502020204030204" pitchFamily="34" charset="0"/>
+                        <a:cs typeface="Times New Roman" panose="02020603050405020304" pitchFamily="18" charset="0"/>
+                      </a:endParaRPr>
+                    </a:p>
+                  </a:txBody>
+                  <a:tcPr marL="43559" marR="43559" marT="0" marB="0"/>
+                </a:tc>
+                <a:tc hMerge="1">
+                  <a:txBody>
+                    <a:bodyPr/>
+                    <a:lstStyle/>
+                    <a:p>
+                      <a:endParaRPr lang="en-GB"/>
+                    </a:p>
+                  </a:txBody>
+                  <a:tcPr/>
+                </a:tc>
+              </a:tr>
+              <a:tr h="1525550">
+                <a:tc>
+                  <a:txBody>
+                    <a:bodyPr/>
+                    <a:lstStyle/>
+                    <a:p>
+                      <a:pPr algn="l">
+                        <a:lnSpc>
+                          <a:spcPct val="107000"/>
+                        </a:lnSpc>
+                        <a:spcAft>
+                          <a:spcPts val="0"/>
+                        </a:spcAft>
+                      </a:pPr>
+                      <a:r>
+                        <a:rPr lang="es-PE" sz="900">
+                          <a:effectLst/>
+                        </a:rPr>
+                        <a:t>1 . El alumno navega entre todos las preguntas existentes de la plataforma o utiliza la herramienta de filtros disponible en el buscador de preguntas.</a:t>
+                      </a:r>
+                      <a:endParaRPr lang="en-GB" sz="900">
+                        <a:effectLst/>
+                      </a:endParaRPr>
+                    </a:p>
+                    <a:p>
+                      <a:pPr algn="l">
+                        <a:lnSpc>
+                          <a:spcPct val="107000"/>
+                        </a:lnSpc>
+                        <a:spcAft>
+                          <a:spcPts val="0"/>
+                        </a:spcAft>
+                      </a:pPr>
+                      <a:r>
+                        <a:rPr lang="es-PE" sz="900">
+                          <a:effectLst/>
+                        </a:rPr>
+                        <a:t> </a:t>
+                      </a:r>
+                      <a:endParaRPr lang="en-GB" sz="900">
+                        <a:effectLst/>
+                      </a:endParaRPr>
+                    </a:p>
+                    <a:p>
+                      <a:pPr algn="l">
+                        <a:lnSpc>
+                          <a:spcPct val="107000"/>
+                        </a:lnSpc>
+                        <a:spcAft>
+                          <a:spcPts val="0"/>
+                        </a:spcAft>
+                      </a:pPr>
+                      <a:r>
+                        <a:rPr lang="es-PE" sz="900">
+                          <a:effectLst/>
+                        </a:rPr>
+                        <a:t>2 . Elije La Pregunta de su interés.</a:t>
+                      </a:r>
+                      <a:endParaRPr lang="en-GB" sz="900">
+                        <a:effectLst/>
+                        <a:latin typeface="Calibri" panose="020F0502020204030204" pitchFamily="34" charset="0"/>
+                        <a:ea typeface="Calibri" panose="020F0502020204030204" pitchFamily="34" charset="0"/>
+                        <a:cs typeface="Times New Roman" panose="02020603050405020304" pitchFamily="18" charset="0"/>
+                      </a:endParaRPr>
+                    </a:p>
+                  </a:txBody>
+                  <a:tcPr marL="43559" marR="43559" marT="0" marB="0"/>
+                </a:tc>
+                <a:tc>
+                  <a:txBody>
+                    <a:bodyPr/>
+                    <a:lstStyle/>
+                    <a:p>
+                      <a:pPr algn="l">
+                        <a:lnSpc>
+                          <a:spcPct val="107000"/>
+                        </a:lnSpc>
+                        <a:spcAft>
+                          <a:spcPts val="0"/>
+                        </a:spcAft>
+                      </a:pPr>
+                      <a:r>
+                        <a:rPr lang="es-PE" sz="900" dirty="0">
+                          <a:effectLst/>
+                        </a:rPr>
+                        <a:t>3 . El sistema muestra los datos referentes a dicha pregunta (Imagen, tópico, tema,  curso, </a:t>
+                      </a:r>
+                      <a:r>
+                        <a:rPr lang="es-PE" sz="900" dirty="0" err="1">
+                          <a:effectLst/>
+                        </a:rPr>
+                        <a:t>etc</a:t>
+                      </a:r>
+                      <a:r>
+                        <a:rPr lang="es-PE" sz="900" dirty="0">
+                          <a:effectLst/>
+                        </a:rPr>
+                        <a:t>).</a:t>
+                      </a:r>
+                      <a:endParaRPr lang="en-GB" sz="900" dirty="0">
+                        <a:effectLst/>
+                      </a:endParaRPr>
+                    </a:p>
+                    <a:p>
+                      <a:pPr algn="l">
+                        <a:lnSpc>
+                          <a:spcPct val="107000"/>
+                        </a:lnSpc>
+                        <a:spcAft>
+                          <a:spcPts val="0"/>
+                        </a:spcAft>
+                      </a:pPr>
+                      <a:r>
+                        <a:rPr lang="es-PE" sz="900" dirty="0">
+                          <a:effectLst/>
+                        </a:rPr>
+                        <a:t> </a:t>
+                      </a:r>
+                      <a:endParaRPr lang="en-GB" sz="900" dirty="0">
+                        <a:effectLst/>
+                        <a:latin typeface="Calibri" panose="020F0502020204030204" pitchFamily="34" charset="0"/>
+                        <a:ea typeface="Calibri" panose="020F0502020204030204" pitchFamily="34" charset="0"/>
+                        <a:cs typeface="Times New Roman" panose="02020603050405020304" pitchFamily="18" charset="0"/>
+                      </a:endParaRPr>
+                    </a:p>
+                  </a:txBody>
+                  <a:tcPr marL="43559" marR="43559" marT="0" marB="0"/>
+                </a:tc>
+              </a:tr>
+            </a:tbl>
+          </a:graphicData>
+        </a:graphic>
+      </p:graphicFrame>
+      <p:sp>
+        <p:nvSpPr>
+          <p:cNvPr id="6" name="Rectangle 1"/>
+          <p:cNvSpPr>
+            <a:spLocks noChangeArrowheads="1"/>
+          </p:cNvSpPr>
+          <p:nvPr/>
+        </p:nvSpPr>
+        <p:spPr bwMode="auto">
+          <a:xfrm>
+            <a:off x="3090863" y="2100263"/>
+            <a:ext cx="12192000" cy="457200"/>
+          </a:xfrm>
+          <a:prstGeom prst="rect">
+            <a:avLst/>
+          </a:prstGeom>
+          <a:noFill/>
+          <a:ln>
+            <a:noFill/>
+          </a:ln>
+          <a:effectLst/>
+          <a:extLst>
+            <a:ext uri="{909E8E84-426E-40DD-AFC4-6F175D3DCCD1}">
+              <a14:hiddenFill xmlns:a14="http://schemas.microsoft.com/office/drawing/2010/main">
+                <a:solidFill>
+                  <a:schemeClr val="accent1"/>
+                </a:solidFill>
+              </a14:hiddenFill>
+            </a:ext>
+            <a:ext uri="{91240B29-F687-4F45-9708-019B960494DF}">
+              <a14:hiddenLine xmlns:a14="http://schemas.microsoft.com/office/drawing/2010/main" w="9525">
+                <a:solidFill>
+                  <a:schemeClr val="tx1"/>
+                </a:solidFill>
+                <a:miter lim="800000"/>
+                <a:headEnd/>
+                <a:tailEnd/>
+              </a14:hiddenLine>
+            </a:ext>
+            <a:ext uri="{AF507438-7753-43E0-B8FC-AC1667EBCBE1}">
+              <a14:hiddenEffects xmlns:a14="http://schemas.microsoft.com/office/drawing/2010/main">
+                <a:effectLst>
+                  <a:outerShdw dist="35921" dir="2700000" algn="ctr" rotWithShape="0">
+                    <a:schemeClr val="bg2"/>
+                  </a:outerShdw>
+                </a:effectLst>
+              </a14:hiddenEffects>
+            </a:ext>
+          </a:extLst>
+        </p:spPr>
+        <p:txBody>
+          <a:bodyPr vert="horz" wrap="none" lIns="91440" tIns="45720" rIns="91440" bIns="45720" numCol="1" anchor="ctr" anchorCtr="0" compatLnSpc="1">
+            <a:prstTxWarp prst="textNoShape">
+              <a:avLst/>
+            </a:prstTxWarp>
+            <a:spAutoFit/>
+          </a:bodyPr>
+          <a:lstStyle/>
+          <a:p>
+            <a:endParaRPr lang="en-GB"/>
           </a:p>
         </p:txBody>
       </p:sp>
@@ -6238,7 +10575,986 @@
 </p:sld>
 </file>
 
-<file path=ppt/slides/slide4.xml><?xml version="1.0" encoding="utf-8"?>
+<file path=ppt/slides/slide6.xml><?xml version="1.0" encoding="utf-8"?>
+<p:sld xmlns:a="http://schemas.openxmlformats.org/drawingml/2006/main" xmlns:r="http://schemas.openxmlformats.org/officeDocument/2006/relationships" xmlns:p="http://schemas.openxmlformats.org/presentationml/2006/main">
+  <p:cSld>
+    <p:spTree>
+      <p:nvGrpSpPr>
+        <p:cNvPr id="1" name=""/>
+        <p:cNvGrpSpPr/>
+        <p:nvPr/>
+      </p:nvGrpSpPr>
+      <p:grpSpPr>
+        <a:xfrm>
+          <a:off x="0" y="0"/>
+          <a:ext cx="0" cy="0"/>
+          <a:chOff x="0" y="0"/>
+          <a:chExt cx="0" cy="0"/>
+        </a:xfrm>
+      </p:grpSpPr>
+      <p:graphicFrame>
+        <p:nvGraphicFramePr>
+          <p:cNvPr id="4" name="Tabla 3"/>
+          <p:cNvGraphicFramePr>
+            <a:graphicFrameLocks noGrp="1"/>
+          </p:cNvGraphicFramePr>
+          <p:nvPr>
+            <p:extLst>
+              <p:ext uri="{D42A27DB-BD31-4B8C-83A1-F6EECF244321}">
+                <p14:modId xmlns:p14="http://schemas.microsoft.com/office/powerpoint/2010/main" val="1088638261"/>
+              </p:ext>
+            </p:extLst>
+          </p:nvPr>
+        </p:nvGraphicFramePr>
+        <p:xfrm>
+          <a:off x="1038225" y="457200"/>
+          <a:ext cx="5172075" cy="6029324"/>
+        </p:xfrm>
+        <a:graphic>
+          <a:graphicData uri="http://schemas.openxmlformats.org/drawingml/2006/table">
+            <a:tbl>
+              <a:tblPr firstRow="1" firstCol="1" bandRow="1">
+                <a:tableStyleId>{5C22544A-7EE6-4342-B048-85BDC9FD1C3A}</a:tableStyleId>
+              </a:tblPr>
+              <a:tblGrid>
+                <a:gridCol w="1450424"/>
+                <a:gridCol w="114563"/>
+                <a:gridCol w="3607088"/>
+              </a:tblGrid>
+              <a:tr h="213809">
+                <a:tc gridSpan="2">
+                  <a:txBody>
+                    <a:bodyPr/>
+                    <a:lstStyle/>
+                    <a:p>
+                      <a:pPr algn="l">
+                        <a:lnSpc>
+                          <a:spcPct val="107000"/>
+                        </a:lnSpc>
+                        <a:spcAft>
+                          <a:spcPts val="0"/>
+                        </a:spcAft>
+                      </a:pPr>
+                      <a:r>
+                        <a:rPr lang="es-PE" sz="900" dirty="0">
+                          <a:effectLst/>
+                        </a:rPr>
+                        <a:t>Nombre</a:t>
+                      </a:r>
+                      <a:endParaRPr lang="en-GB" sz="900" dirty="0">
+                        <a:effectLst/>
+                        <a:latin typeface="Calibri" panose="020F0502020204030204" pitchFamily="34" charset="0"/>
+                        <a:ea typeface="Calibri" panose="020F0502020204030204" pitchFamily="34" charset="0"/>
+                        <a:cs typeface="Times New Roman" panose="02020603050405020304" pitchFamily="18" charset="0"/>
+                      </a:endParaRPr>
+                    </a:p>
+                  </a:txBody>
+                  <a:tcPr marL="47611" marR="47611" marT="0" marB="0"/>
+                </a:tc>
+                <a:tc hMerge="1">
+                  <a:txBody>
+                    <a:bodyPr/>
+                    <a:lstStyle/>
+                    <a:p>
+                      <a:endParaRPr lang="en-GB"/>
+                    </a:p>
+                  </a:txBody>
+                  <a:tcPr/>
+                </a:tc>
+                <a:tc>
+                  <a:txBody>
+                    <a:bodyPr/>
+                    <a:lstStyle/>
+                    <a:p>
+                      <a:pPr algn="l">
+                        <a:lnSpc>
+                          <a:spcPct val="107000"/>
+                        </a:lnSpc>
+                        <a:spcAft>
+                          <a:spcPts val="0"/>
+                        </a:spcAft>
+                      </a:pPr>
+                      <a:r>
+                        <a:rPr lang="es-PE" sz="900" dirty="0">
+                          <a:effectLst/>
+                        </a:rPr>
+                        <a:t>Gestionar Grupos de Estudio</a:t>
+                      </a:r>
+                      <a:endParaRPr lang="en-GB" sz="900" dirty="0">
+                        <a:effectLst/>
+                        <a:latin typeface="Calibri" panose="020F0502020204030204" pitchFamily="34" charset="0"/>
+                        <a:ea typeface="Calibri" panose="020F0502020204030204" pitchFamily="34" charset="0"/>
+                        <a:cs typeface="Times New Roman" panose="02020603050405020304" pitchFamily="18" charset="0"/>
+                      </a:endParaRPr>
+                    </a:p>
+                  </a:txBody>
+                  <a:tcPr marL="47611" marR="47611" marT="0" marB="0"/>
+                </a:tc>
+              </a:tr>
+              <a:tr h="175182">
+                <a:tc gridSpan="2">
+                  <a:txBody>
+                    <a:bodyPr/>
+                    <a:lstStyle/>
+                    <a:p>
+                      <a:pPr algn="l">
+                        <a:lnSpc>
+                          <a:spcPct val="107000"/>
+                        </a:lnSpc>
+                        <a:spcAft>
+                          <a:spcPts val="0"/>
+                        </a:spcAft>
+                      </a:pPr>
+                      <a:r>
+                        <a:rPr lang="es-PE" sz="900">
+                          <a:effectLst/>
+                        </a:rPr>
+                        <a:t>Actores</a:t>
+                      </a:r>
+                      <a:endParaRPr lang="en-GB" sz="900">
+                        <a:effectLst/>
+                        <a:latin typeface="Calibri" panose="020F0502020204030204" pitchFamily="34" charset="0"/>
+                        <a:ea typeface="Calibri" panose="020F0502020204030204" pitchFamily="34" charset="0"/>
+                        <a:cs typeface="Times New Roman" panose="02020603050405020304" pitchFamily="18" charset="0"/>
+                      </a:endParaRPr>
+                    </a:p>
+                  </a:txBody>
+                  <a:tcPr marL="47611" marR="47611" marT="0" marB="0"/>
+                </a:tc>
+                <a:tc hMerge="1">
+                  <a:txBody>
+                    <a:bodyPr/>
+                    <a:lstStyle/>
+                    <a:p>
+                      <a:endParaRPr lang="en-GB"/>
+                    </a:p>
+                  </a:txBody>
+                  <a:tcPr/>
+                </a:tc>
+                <a:tc>
+                  <a:txBody>
+                    <a:bodyPr/>
+                    <a:lstStyle/>
+                    <a:p>
+                      <a:pPr algn="l">
+                        <a:lnSpc>
+                          <a:spcPct val="107000"/>
+                        </a:lnSpc>
+                        <a:spcAft>
+                          <a:spcPts val="0"/>
+                        </a:spcAft>
+                      </a:pPr>
+                      <a:r>
+                        <a:rPr lang="es-PE" sz="900">
+                          <a:effectLst/>
+                        </a:rPr>
+                        <a:t>Estudiante</a:t>
+                      </a:r>
+                      <a:endParaRPr lang="en-GB" sz="900">
+                        <a:effectLst/>
+                        <a:latin typeface="Calibri" panose="020F0502020204030204" pitchFamily="34" charset="0"/>
+                        <a:ea typeface="Calibri" panose="020F0502020204030204" pitchFamily="34" charset="0"/>
+                        <a:cs typeface="Times New Roman" panose="02020603050405020304" pitchFamily="18" charset="0"/>
+                      </a:endParaRPr>
+                    </a:p>
+                  </a:txBody>
+                  <a:tcPr marL="47611" marR="47611" marT="0" marB="0"/>
+                </a:tc>
+              </a:tr>
+              <a:tr h="350364">
+                <a:tc gridSpan="2">
+                  <a:txBody>
+                    <a:bodyPr/>
+                    <a:lstStyle/>
+                    <a:p>
+                      <a:pPr algn="l">
+                        <a:lnSpc>
+                          <a:spcPct val="107000"/>
+                        </a:lnSpc>
+                        <a:spcAft>
+                          <a:spcPts val="0"/>
+                        </a:spcAft>
+                      </a:pPr>
+                      <a:r>
+                        <a:rPr lang="es-PE" sz="900">
+                          <a:effectLst/>
+                        </a:rPr>
+                        <a:t>Propósito</a:t>
+                      </a:r>
+                      <a:endParaRPr lang="en-GB" sz="900">
+                        <a:effectLst/>
+                        <a:latin typeface="Calibri" panose="020F0502020204030204" pitchFamily="34" charset="0"/>
+                        <a:ea typeface="Calibri" panose="020F0502020204030204" pitchFamily="34" charset="0"/>
+                        <a:cs typeface="Times New Roman" panose="02020603050405020304" pitchFamily="18" charset="0"/>
+                      </a:endParaRPr>
+                    </a:p>
+                  </a:txBody>
+                  <a:tcPr marL="47611" marR="47611" marT="0" marB="0"/>
+                </a:tc>
+                <a:tc hMerge="1">
+                  <a:txBody>
+                    <a:bodyPr/>
+                    <a:lstStyle/>
+                    <a:p>
+                      <a:endParaRPr lang="en-GB"/>
+                    </a:p>
+                  </a:txBody>
+                  <a:tcPr/>
+                </a:tc>
+                <a:tc>
+                  <a:txBody>
+                    <a:bodyPr/>
+                    <a:lstStyle/>
+                    <a:p>
+                      <a:pPr algn="l">
+                        <a:lnSpc>
+                          <a:spcPct val="107000"/>
+                        </a:lnSpc>
+                        <a:spcAft>
+                          <a:spcPts val="0"/>
+                        </a:spcAft>
+                      </a:pPr>
+                      <a:r>
+                        <a:rPr lang="es-PE" sz="900" dirty="0">
+                          <a:effectLst/>
+                        </a:rPr>
+                        <a:t>Crear, buscar y gestionar grupos de Estudio de la plataforma/aplicativo</a:t>
+                      </a:r>
+                      <a:endParaRPr lang="en-GB" sz="900" dirty="0">
+                        <a:effectLst/>
+                        <a:latin typeface="Calibri" panose="020F0502020204030204" pitchFamily="34" charset="0"/>
+                        <a:ea typeface="Calibri" panose="020F0502020204030204" pitchFamily="34" charset="0"/>
+                        <a:cs typeface="Times New Roman" panose="02020603050405020304" pitchFamily="18" charset="0"/>
+                      </a:endParaRPr>
+                    </a:p>
+                  </a:txBody>
+                  <a:tcPr marL="47611" marR="47611" marT="0" marB="0"/>
+                </a:tc>
+              </a:tr>
+              <a:tr h="700729">
+                <a:tc gridSpan="3">
+                  <a:txBody>
+                    <a:bodyPr/>
+                    <a:lstStyle/>
+                    <a:p>
+                      <a:pPr algn="l">
+                        <a:lnSpc>
+                          <a:spcPct val="107000"/>
+                        </a:lnSpc>
+                        <a:spcAft>
+                          <a:spcPts val="0"/>
+                        </a:spcAft>
+                      </a:pPr>
+                      <a:r>
+                        <a:rPr lang="es-PE" sz="900" dirty="0">
+                          <a:effectLst/>
+                        </a:rPr>
+                        <a:t>Resumen: El caso de uso de se inicia cuando el estudiante ingresa al apartado de “GRUPOS” en el cual puede elegir entre crear un Nuevo grupo de estudio, Buscar y Unirse a grupos de estudios ya existentes, y gestionar los grupos de estudios en los que se encuentra</a:t>
+                      </a:r>
+                      <a:endParaRPr lang="en-GB" sz="900" dirty="0">
+                        <a:effectLst/>
+                        <a:latin typeface="Calibri" panose="020F0502020204030204" pitchFamily="34" charset="0"/>
+                        <a:ea typeface="Calibri" panose="020F0502020204030204" pitchFamily="34" charset="0"/>
+                        <a:cs typeface="Times New Roman" panose="02020603050405020304" pitchFamily="18" charset="0"/>
+                      </a:endParaRPr>
+                    </a:p>
+                  </a:txBody>
+                  <a:tcPr marL="47611" marR="47611" marT="0" marB="0"/>
+                </a:tc>
+                <a:tc hMerge="1">
+                  <a:txBody>
+                    <a:bodyPr/>
+                    <a:lstStyle/>
+                    <a:p>
+                      <a:endParaRPr lang="en-GB"/>
+                    </a:p>
+                  </a:txBody>
+                  <a:tcPr/>
+                </a:tc>
+                <a:tc hMerge="1">
+                  <a:txBody>
+                    <a:bodyPr/>
+                    <a:lstStyle/>
+                    <a:p>
+                      <a:endParaRPr lang="en-GB"/>
+                    </a:p>
+                  </a:txBody>
+                  <a:tcPr/>
+                </a:tc>
+              </a:tr>
+              <a:tr h="175182">
+                <a:tc gridSpan="3">
+                  <a:txBody>
+                    <a:bodyPr/>
+                    <a:lstStyle/>
+                    <a:p>
+                      <a:pPr algn="ctr">
+                        <a:lnSpc>
+                          <a:spcPct val="107000"/>
+                        </a:lnSpc>
+                        <a:spcAft>
+                          <a:spcPts val="0"/>
+                        </a:spcAft>
+                      </a:pPr>
+                      <a:r>
+                        <a:rPr lang="es-PE" sz="900">
+                          <a:effectLst/>
+                        </a:rPr>
+                        <a:t>Curso Normal de Eventos</a:t>
+                      </a:r>
+                      <a:endParaRPr lang="en-GB" sz="900">
+                        <a:effectLst/>
+                        <a:latin typeface="Calibri" panose="020F0502020204030204" pitchFamily="34" charset="0"/>
+                        <a:ea typeface="Calibri" panose="020F0502020204030204" pitchFamily="34" charset="0"/>
+                        <a:cs typeface="Times New Roman" panose="02020603050405020304" pitchFamily="18" charset="0"/>
+                      </a:endParaRPr>
+                    </a:p>
+                  </a:txBody>
+                  <a:tcPr marL="47611" marR="47611" marT="0" marB="0"/>
+                </a:tc>
+                <a:tc hMerge="1">
+                  <a:txBody>
+                    <a:bodyPr/>
+                    <a:lstStyle/>
+                    <a:p>
+                      <a:endParaRPr lang="en-GB"/>
+                    </a:p>
+                  </a:txBody>
+                  <a:tcPr/>
+                </a:tc>
+                <a:tc hMerge="1">
+                  <a:txBody>
+                    <a:bodyPr/>
+                    <a:lstStyle/>
+                    <a:p>
+                      <a:endParaRPr lang="en-GB"/>
+                    </a:p>
+                  </a:txBody>
+                  <a:tcPr/>
+                </a:tc>
+              </a:tr>
+              <a:tr h="175182">
+                <a:tc gridSpan="2">
+                  <a:txBody>
+                    <a:bodyPr/>
+                    <a:lstStyle/>
+                    <a:p>
+                      <a:pPr algn="ctr">
+                        <a:lnSpc>
+                          <a:spcPct val="107000"/>
+                        </a:lnSpc>
+                        <a:spcAft>
+                          <a:spcPts val="0"/>
+                        </a:spcAft>
+                      </a:pPr>
+                      <a:r>
+                        <a:rPr lang="es-PE" sz="900">
+                          <a:effectLst/>
+                        </a:rPr>
+                        <a:t>Acción del Actor</a:t>
+                      </a:r>
+                      <a:endParaRPr lang="en-GB" sz="900">
+                        <a:effectLst/>
+                        <a:latin typeface="Calibri" panose="020F0502020204030204" pitchFamily="34" charset="0"/>
+                        <a:ea typeface="Calibri" panose="020F0502020204030204" pitchFamily="34" charset="0"/>
+                        <a:cs typeface="Times New Roman" panose="02020603050405020304" pitchFamily="18" charset="0"/>
+                      </a:endParaRPr>
+                    </a:p>
+                  </a:txBody>
+                  <a:tcPr marL="47611" marR="47611" marT="0" marB="0"/>
+                </a:tc>
+                <a:tc hMerge="1">
+                  <a:txBody>
+                    <a:bodyPr/>
+                    <a:lstStyle/>
+                    <a:p>
+                      <a:endParaRPr lang="en-GB"/>
+                    </a:p>
+                  </a:txBody>
+                  <a:tcPr/>
+                </a:tc>
+                <a:tc>
+                  <a:txBody>
+                    <a:bodyPr/>
+                    <a:lstStyle/>
+                    <a:p>
+                      <a:pPr algn="ctr">
+                        <a:lnSpc>
+                          <a:spcPct val="107000"/>
+                        </a:lnSpc>
+                        <a:spcAft>
+                          <a:spcPts val="0"/>
+                        </a:spcAft>
+                      </a:pPr>
+                      <a:r>
+                        <a:rPr lang="es-PE" sz="900">
+                          <a:effectLst/>
+                        </a:rPr>
+                        <a:t>Respuesta del proceso de Negocio</a:t>
+                      </a:r>
+                      <a:endParaRPr lang="en-GB" sz="900">
+                        <a:effectLst/>
+                        <a:latin typeface="Calibri" panose="020F0502020204030204" pitchFamily="34" charset="0"/>
+                        <a:ea typeface="Calibri" panose="020F0502020204030204" pitchFamily="34" charset="0"/>
+                        <a:cs typeface="Times New Roman" panose="02020603050405020304" pitchFamily="18" charset="0"/>
+                      </a:endParaRPr>
+                    </a:p>
+                  </a:txBody>
+                  <a:tcPr marL="47611" marR="47611" marT="0" marB="0"/>
+                </a:tc>
+              </a:tr>
+              <a:tr h="1751821">
+                <a:tc gridSpan="2">
+                  <a:txBody>
+                    <a:bodyPr/>
+                    <a:lstStyle/>
+                    <a:p>
+                      <a:pPr algn="l">
+                        <a:lnSpc>
+                          <a:spcPct val="107000"/>
+                        </a:lnSpc>
+                        <a:spcAft>
+                          <a:spcPts val="0"/>
+                        </a:spcAft>
+                      </a:pPr>
+                      <a:r>
+                        <a:rPr lang="es-PE" sz="900">
+                          <a:effectLst/>
+                        </a:rPr>
+                        <a:t>1 . El Alumno entra al menú de “Grupos”</a:t>
+                      </a:r>
+                      <a:endParaRPr lang="en-GB" sz="900">
+                        <a:effectLst/>
+                      </a:endParaRPr>
+                    </a:p>
+                    <a:p>
+                      <a:pPr algn="l">
+                        <a:lnSpc>
+                          <a:spcPct val="107000"/>
+                        </a:lnSpc>
+                        <a:spcAft>
+                          <a:spcPts val="0"/>
+                        </a:spcAft>
+                      </a:pPr>
+                      <a:r>
+                        <a:rPr lang="es-PE" sz="900">
+                          <a:effectLst/>
+                        </a:rPr>
+                        <a:t>2 . El alumno elige entre las opciones de “Crear Grupo, Gestionar Grupos, Buscar Grupos”</a:t>
+                      </a:r>
+                      <a:endParaRPr lang="en-GB" sz="900">
+                        <a:effectLst/>
+                      </a:endParaRPr>
+                    </a:p>
+                    <a:p>
+                      <a:pPr algn="l">
+                        <a:lnSpc>
+                          <a:spcPct val="107000"/>
+                        </a:lnSpc>
+                        <a:spcAft>
+                          <a:spcPts val="0"/>
+                        </a:spcAft>
+                      </a:pPr>
+                      <a:r>
+                        <a:rPr lang="es-PE" sz="900">
+                          <a:effectLst/>
+                        </a:rPr>
+                        <a:t>3 . El alumno elige “Crear Grupos”</a:t>
+                      </a:r>
+                      <a:endParaRPr lang="en-GB" sz="900">
+                        <a:effectLst/>
+                      </a:endParaRPr>
+                    </a:p>
+                    <a:p>
+                      <a:pPr algn="l">
+                        <a:lnSpc>
+                          <a:spcPct val="107000"/>
+                        </a:lnSpc>
+                        <a:spcAft>
+                          <a:spcPts val="0"/>
+                        </a:spcAft>
+                      </a:pPr>
+                      <a:r>
+                        <a:rPr lang="es-PE" sz="900">
+                          <a:effectLst/>
+                        </a:rPr>
+                        <a:t>5 . El alumno llena los datos solicitados</a:t>
+                      </a:r>
+                      <a:endParaRPr lang="en-GB" sz="900">
+                        <a:effectLst/>
+                        <a:latin typeface="Calibri" panose="020F0502020204030204" pitchFamily="34" charset="0"/>
+                        <a:ea typeface="Calibri" panose="020F0502020204030204" pitchFamily="34" charset="0"/>
+                        <a:cs typeface="Times New Roman" panose="02020603050405020304" pitchFamily="18" charset="0"/>
+                      </a:endParaRPr>
+                    </a:p>
+                  </a:txBody>
+                  <a:tcPr marL="47611" marR="47611" marT="0" marB="0"/>
+                </a:tc>
+                <a:tc hMerge="1">
+                  <a:txBody>
+                    <a:bodyPr/>
+                    <a:lstStyle/>
+                    <a:p>
+                      <a:endParaRPr lang="en-GB"/>
+                    </a:p>
+                  </a:txBody>
+                  <a:tcPr/>
+                </a:tc>
+                <a:tc>
+                  <a:txBody>
+                    <a:bodyPr/>
+                    <a:lstStyle/>
+                    <a:p>
+                      <a:pPr algn="l">
+                        <a:lnSpc>
+                          <a:spcPct val="107000"/>
+                        </a:lnSpc>
+                        <a:spcAft>
+                          <a:spcPts val="0"/>
+                        </a:spcAft>
+                      </a:pPr>
+                      <a:r>
+                        <a:rPr lang="es-PE" sz="900" dirty="0">
+                          <a:effectLst/>
+                        </a:rPr>
+                        <a:t>4 . Se muestra el formulario de creación de nuevo grupo</a:t>
+                      </a:r>
+                      <a:endParaRPr lang="en-GB" sz="900" dirty="0">
+                        <a:effectLst/>
+                      </a:endParaRPr>
+                    </a:p>
+                    <a:p>
+                      <a:pPr algn="l">
+                        <a:lnSpc>
+                          <a:spcPct val="107000"/>
+                        </a:lnSpc>
+                        <a:spcAft>
+                          <a:spcPts val="0"/>
+                        </a:spcAft>
+                      </a:pPr>
+                      <a:r>
+                        <a:rPr lang="es-PE" sz="900" dirty="0">
+                          <a:effectLst/>
+                        </a:rPr>
+                        <a:t>6 . Se realiza la carga del grupo nuevo al sistema</a:t>
+                      </a:r>
+                      <a:endParaRPr lang="en-GB" sz="900" dirty="0">
+                        <a:effectLst/>
+                      </a:endParaRPr>
+                    </a:p>
+                    <a:p>
+                      <a:pPr algn="l">
+                        <a:lnSpc>
+                          <a:spcPct val="107000"/>
+                        </a:lnSpc>
+                        <a:spcAft>
+                          <a:spcPts val="0"/>
+                        </a:spcAft>
+                      </a:pPr>
+                      <a:r>
+                        <a:rPr lang="es-PE" sz="900" dirty="0">
+                          <a:effectLst/>
+                        </a:rPr>
+                        <a:t>7 . Se notifica la creación del grupo con éxito</a:t>
+                      </a:r>
+                      <a:endParaRPr lang="en-GB" sz="900" dirty="0">
+                        <a:effectLst/>
+                        <a:latin typeface="Calibri" panose="020F0502020204030204" pitchFamily="34" charset="0"/>
+                        <a:ea typeface="Calibri" panose="020F0502020204030204" pitchFamily="34" charset="0"/>
+                        <a:cs typeface="Times New Roman" panose="02020603050405020304" pitchFamily="18" charset="0"/>
+                      </a:endParaRPr>
+                    </a:p>
+                  </a:txBody>
+                  <a:tcPr marL="47611" marR="47611" marT="0" marB="0"/>
+                </a:tc>
+              </a:tr>
+              <a:tr h="175182">
+                <a:tc gridSpan="3">
+                  <a:txBody>
+                    <a:bodyPr/>
+                    <a:lstStyle/>
+                    <a:p>
+                      <a:pPr algn="ctr">
+                        <a:lnSpc>
+                          <a:spcPct val="107000"/>
+                        </a:lnSpc>
+                        <a:spcAft>
+                          <a:spcPts val="0"/>
+                        </a:spcAft>
+                      </a:pPr>
+                      <a:r>
+                        <a:rPr lang="es-PE" sz="900">
+                          <a:effectLst/>
+                        </a:rPr>
+                        <a:t>CURSOS ALTERNOS</a:t>
+                      </a:r>
+                      <a:endParaRPr lang="en-GB" sz="900">
+                        <a:effectLst/>
+                        <a:latin typeface="Calibri" panose="020F0502020204030204" pitchFamily="34" charset="0"/>
+                        <a:ea typeface="Calibri" panose="020F0502020204030204" pitchFamily="34" charset="0"/>
+                        <a:cs typeface="Times New Roman" panose="02020603050405020304" pitchFamily="18" charset="0"/>
+                      </a:endParaRPr>
+                    </a:p>
+                  </a:txBody>
+                  <a:tcPr marL="47611" marR="47611" marT="0" marB="0"/>
+                </a:tc>
+                <a:tc hMerge="1">
+                  <a:txBody>
+                    <a:bodyPr/>
+                    <a:lstStyle/>
+                    <a:p>
+                      <a:endParaRPr lang="en-GB"/>
+                    </a:p>
+                  </a:txBody>
+                  <a:tcPr/>
+                </a:tc>
+                <a:tc hMerge="1">
+                  <a:txBody>
+                    <a:bodyPr/>
+                    <a:lstStyle/>
+                    <a:p>
+                      <a:endParaRPr lang="en-GB"/>
+                    </a:p>
+                  </a:txBody>
+                  <a:tcPr/>
+                </a:tc>
+              </a:tr>
+              <a:tr h="178225">
+                <a:tc gridSpan="3">
+                  <a:txBody>
+                    <a:bodyPr/>
+                    <a:lstStyle/>
+                    <a:p>
+                      <a:pPr algn="ctr">
+                        <a:lnSpc>
+                          <a:spcPct val="107000"/>
+                        </a:lnSpc>
+                        <a:spcAft>
+                          <a:spcPts val="0"/>
+                        </a:spcAft>
+                      </a:pPr>
+                      <a:r>
+                        <a:rPr lang="es-PE" sz="900">
+                          <a:effectLst/>
+                        </a:rPr>
+                        <a:t>Buscar Grupos</a:t>
+                      </a:r>
+                      <a:endParaRPr lang="en-GB" sz="900">
+                        <a:effectLst/>
+                        <a:latin typeface="Calibri" panose="020F0502020204030204" pitchFamily="34" charset="0"/>
+                        <a:ea typeface="Calibri" panose="020F0502020204030204" pitchFamily="34" charset="0"/>
+                        <a:cs typeface="Times New Roman" panose="02020603050405020304" pitchFamily="18" charset="0"/>
+                      </a:endParaRPr>
+                    </a:p>
+                  </a:txBody>
+                  <a:tcPr marL="47611" marR="47611" marT="0" marB="0"/>
+                </a:tc>
+                <a:tc hMerge="1">
+                  <a:txBody>
+                    <a:bodyPr/>
+                    <a:lstStyle/>
+                    <a:p>
+                      <a:endParaRPr lang="en-GB"/>
+                    </a:p>
+                  </a:txBody>
+                  <a:tcPr/>
+                </a:tc>
+                <a:tc hMerge="1">
+                  <a:txBody>
+                    <a:bodyPr/>
+                    <a:lstStyle/>
+                    <a:p>
+                      <a:endParaRPr lang="en-GB"/>
+                    </a:p>
+                  </a:txBody>
+                  <a:tcPr/>
+                </a:tc>
+              </a:tr>
+              <a:tr h="1051092">
+                <a:tc gridSpan="2">
+                  <a:txBody>
+                    <a:bodyPr/>
+                    <a:lstStyle/>
+                    <a:p>
+                      <a:pPr algn="l">
+                        <a:lnSpc>
+                          <a:spcPct val="107000"/>
+                        </a:lnSpc>
+                        <a:spcAft>
+                          <a:spcPts val="0"/>
+                        </a:spcAft>
+                      </a:pPr>
+                      <a:r>
+                        <a:rPr lang="es-PE" sz="900">
+                          <a:effectLst/>
+                        </a:rPr>
+                        <a:t>1 . El alumno navega entre todos los grupos existentes de la plataforma.</a:t>
+                      </a:r>
+                      <a:endParaRPr lang="en-GB" sz="900">
+                        <a:effectLst/>
+                      </a:endParaRPr>
+                    </a:p>
+                    <a:p>
+                      <a:pPr algn="l">
+                        <a:lnSpc>
+                          <a:spcPct val="107000"/>
+                        </a:lnSpc>
+                        <a:spcAft>
+                          <a:spcPts val="0"/>
+                        </a:spcAft>
+                      </a:pPr>
+                      <a:r>
+                        <a:rPr lang="es-PE" sz="900">
+                          <a:effectLst/>
+                        </a:rPr>
+                        <a:t>2 . Elije Grupo de su preferencia</a:t>
+                      </a:r>
+                      <a:endParaRPr lang="en-GB" sz="900">
+                        <a:effectLst/>
+                        <a:latin typeface="Calibri" panose="020F0502020204030204" pitchFamily="34" charset="0"/>
+                        <a:ea typeface="Calibri" panose="020F0502020204030204" pitchFamily="34" charset="0"/>
+                        <a:cs typeface="Times New Roman" panose="02020603050405020304" pitchFamily="18" charset="0"/>
+                      </a:endParaRPr>
+                    </a:p>
+                  </a:txBody>
+                  <a:tcPr marL="47611" marR="47611" marT="0" marB="0"/>
+                </a:tc>
+                <a:tc hMerge="1">
+                  <a:txBody>
+                    <a:bodyPr/>
+                    <a:lstStyle/>
+                    <a:p>
+                      <a:endParaRPr lang="en-GB"/>
+                    </a:p>
+                  </a:txBody>
+                  <a:tcPr/>
+                </a:tc>
+                <a:tc>
+                  <a:txBody>
+                    <a:bodyPr/>
+                    <a:lstStyle/>
+                    <a:p>
+                      <a:pPr algn="l">
+                        <a:lnSpc>
+                          <a:spcPct val="107000"/>
+                        </a:lnSpc>
+                        <a:spcAft>
+                          <a:spcPts val="0"/>
+                        </a:spcAft>
+                      </a:pPr>
+                      <a:r>
+                        <a:rPr lang="es-PE" sz="900">
+                          <a:effectLst/>
+                        </a:rPr>
+                        <a:t>3 . El sistema incluye al alumno en el grupo seleccionado.</a:t>
+                      </a:r>
+                      <a:endParaRPr lang="en-GB" sz="900">
+                        <a:effectLst/>
+                        <a:latin typeface="Calibri" panose="020F0502020204030204" pitchFamily="34" charset="0"/>
+                        <a:ea typeface="Calibri" panose="020F0502020204030204" pitchFamily="34" charset="0"/>
+                        <a:cs typeface="Times New Roman" panose="02020603050405020304" pitchFamily="18" charset="0"/>
+                      </a:endParaRPr>
+                    </a:p>
+                  </a:txBody>
+                  <a:tcPr marL="47611" marR="47611" marT="0" marB="0"/>
+                </a:tc>
+              </a:tr>
+              <a:tr h="206646">
+                <a:tc gridSpan="3">
+                  <a:txBody>
+                    <a:bodyPr/>
+                    <a:lstStyle/>
+                    <a:p>
+                      <a:pPr algn="ctr">
+                        <a:lnSpc>
+                          <a:spcPct val="107000"/>
+                        </a:lnSpc>
+                        <a:spcAft>
+                          <a:spcPts val="0"/>
+                        </a:spcAft>
+                      </a:pPr>
+                      <a:r>
+                        <a:rPr lang="es-PE" sz="900">
+                          <a:effectLst/>
+                        </a:rPr>
+                        <a:t>Gestionar Grupos</a:t>
+                      </a:r>
+                      <a:endParaRPr lang="en-GB" sz="900">
+                        <a:effectLst/>
+                        <a:latin typeface="Calibri" panose="020F0502020204030204" pitchFamily="34" charset="0"/>
+                        <a:ea typeface="Calibri" panose="020F0502020204030204" pitchFamily="34" charset="0"/>
+                        <a:cs typeface="Times New Roman" panose="02020603050405020304" pitchFamily="18" charset="0"/>
+                      </a:endParaRPr>
+                    </a:p>
+                  </a:txBody>
+                  <a:tcPr marL="47611" marR="47611" marT="0" marB="0"/>
+                </a:tc>
+                <a:tc hMerge="1">
+                  <a:txBody>
+                    <a:bodyPr/>
+                    <a:lstStyle/>
+                    <a:p>
+                      <a:endParaRPr lang="en-GB"/>
+                    </a:p>
+                  </a:txBody>
+                  <a:tcPr/>
+                </a:tc>
+                <a:tc hMerge="1">
+                  <a:txBody>
+                    <a:bodyPr/>
+                    <a:lstStyle/>
+                    <a:p>
+                      <a:endParaRPr lang="en-GB"/>
+                    </a:p>
+                  </a:txBody>
+                  <a:tcPr/>
+                </a:tc>
+              </a:tr>
+              <a:tr h="875910">
+                <a:tc>
+                  <a:txBody>
+                    <a:bodyPr/>
+                    <a:lstStyle/>
+                    <a:p>
+                      <a:pPr algn="l">
+                        <a:lnSpc>
+                          <a:spcPct val="107000"/>
+                        </a:lnSpc>
+                        <a:spcAft>
+                          <a:spcPts val="0"/>
+                        </a:spcAft>
+                      </a:pPr>
+                      <a:r>
+                        <a:rPr lang="es-PE" sz="900" dirty="0">
+                          <a:effectLst/>
+                        </a:rPr>
+                        <a:t>1 . El alumno solicita Salir de un grupo en específico.</a:t>
+                      </a:r>
+                      <a:endParaRPr lang="en-GB" sz="900" dirty="0">
+                        <a:effectLst/>
+                      </a:endParaRPr>
+                    </a:p>
+                    <a:p>
+                      <a:pPr algn="l">
+                        <a:lnSpc>
+                          <a:spcPct val="107000"/>
+                        </a:lnSpc>
+                        <a:spcAft>
+                          <a:spcPts val="0"/>
+                        </a:spcAft>
+                      </a:pPr>
+                      <a:r>
+                        <a:rPr lang="es-PE" sz="900" dirty="0">
+                          <a:effectLst/>
+                        </a:rPr>
+                        <a:t>3 . El alumno confirma su salida de un grupo</a:t>
+                      </a:r>
+                      <a:endParaRPr lang="en-GB" sz="900" dirty="0">
+                        <a:effectLst/>
+                        <a:latin typeface="Calibri" panose="020F0502020204030204" pitchFamily="34" charset="0"/>
+                        <a:ea typeface="Calibri" panose="020F0502020204030204" pitchFamily="34" charset="0"/>
+                        <a:cs typeface="Times New Roman" panose="02020603050405020304" pitchFamily="18" charset="0"/>
+                      </a:endParaRPr>
+                    </a:p>
+                  </a:txBody>
+                  <a:tcPr marL="47611" marR="47611" marT="0" marB="0"/>
+                </a:tc>
+                <a:tc gridSpan="2">
+                  <a:txBody>
+                    <a:bodyPr/>
+                    <a:lstStyle/>
+                    <a:p>
+                      <a:pPr algn="l">
+                        <a:lnSpc>
+                          <a:spcPct val="107000"/>
+                        </a:lnSpc>
+                        <a:spcAft>
+                          <a:spcPts val="0"/>
+                        </a:spcAft>
+                      </a:pPr>
+                      <a:r>
+                        <a:rPr lang="es-PE" sz="900" dirty="0">
+                          <a:effectLst/>
+                        </a:rPr>
+                        <a:t>2 . El sistema solicita confirmación de Salida de un Grupo.</a:t>
+                      </a:r>
+                      <a:endParaRPr lang="en-GB" sz="900" dirty="0">
+                        <a:effectLst/>
+                      </a:endParaRPr>
+                    </a:p>
+                    <a:p>
+                      <a:pPr algn="l">
+                        <a:lnSpc>
+                          <a:spcPct val="107000"/>
+                        </a:lnSpc>
+                        <a:spcAft>
+                          <a:spcPts val="0"/>
+                        </a:spcAft>
+                      </a:pPr>
+                      <a:r>
+                        <a:rPr lang="es-PE" sz="900" dirty="0">
+                          <a:effectLst/>
+                        </a:rPr>
+                        <a:t>4 . El sistema retira al alumno del grupo</a:t>
+                      </a:r>
+                      <a:endParaRPr lang="en-GB" sz="900" dirty="0">
+                        <a:effectLst/>
+                      </a:endParaRPr>
+                    </a:p>
+                    <a:p>
+                      <a:pPr algn="l">
+                        <a:lnSpc>
+                          <a:spcPct val="107000"/>
+                        </a:lnSpc>
+                        <a:spcAft>
+                          <a:spcPts val="0"/>
+                        </a:spcAft>
+                      </a:pPr>
+                      <a:r>
+                        <a:rPr lang="es-PE" sz="900" dirty="0">
+                          <a:effectLst/>
+                        </a:rPr>
+                        <a:t>5 . Notifica que su salida de un grupo se realizo con éxito.</a:t>
+                      </a:r>
+                      <a:endParaRPr lang="en-GB" sz="900" dirty="0">
+                        <a:effectLst/>
+                        <a:latin typeface="Calibri" panose="020F0502020204030204" pitchFamily="34" charset="0"/>
+                        <a:ea typeface="Calibri" panose="020F0502020204030204" pitchFamily="34" charset="0"/>
+                        <a:cs typeface="Times New Roman" panose="02020603050405020304" pitchFamily="18" charset="0"/>
+                      </a:endParaRPr>
+                    </a:p>
+                  </a:txBody>
+                  <a:tcPr marL="47611" marR="47611" marT="0" marB="0"/>
+                </a:tc>
+                <a:tc hMerge="1">
+                  <a:txBody>
+                    <a:bodyPr/>
+                    <a:lstStyle/>
+                    <a:p>
+                      <a:endParaRPr lang="en-GB"/>
+                    </a:p>
+                  </a:txBody>
+                  <a:tcPr/>
+                </a:tc>
+              </a:tr>
+            </a:tbl>
+          </a:graphicData>
+        </a:graphic>
+      </p:graphicFrame>
+    </p:spTree>
+    <p:extLst>
+      <p:ext uri="{BB962C8B-B14F-4D97-AF65-F5344CB8AC3E}">
+        <p14:creationId xmlns:p14="http://schemas.microsoft.com/office/powerpoint/2010/main" val="2732436662"/>
+      </p:ext>
+    </p:extLst>
+  </p:cSld>
+  <p:clrMapOvr>
+    <a:masterClrMapping/>
+  </p:clrMapOvr>
+</p:sld>
+</file>
+
+<file path=ppt/slides/slide7.xml><?xml version="1.0" encoding="utf-8"?>
 <p:sld xmlns:a="http://schemas.openxmlformats.org/drawingml/2006/main" xmlns:r="http://schemas.openxmlformats.org/officeDocument/2006/relationships" xmlns:p="http://schemas.openxmlformats.org/presentationml/2006/main">
   <p:cSld>
     <p:spTree>
@@ -6260,7 +11576,7 @@
           <p:cNvPr id="5" name="Título 1">
             <a:extLst>
               <a:ext uri="{FF2B5EF4-FFF2-40B4-BE49-F238E27FC236}">
-                <a16:creationId xmlns:a16="http://schemas.microsoft.com/office/drawing/2014/main" id="{37910671-8775-42F1-A377-CE7A81567295}"/>
+                <a16:creationId xmlns:a16="http://schemas.microsoft.com/office/drawing/2014/main" xmlns="" id="{37910671-8775-42F1-A377-CE7A81567295}"/>
               </a:ext>
             </a:extLst>
           </p:cNvPr>
@@ -6273,7 +11589,7 @@
         </p:nvSpPr>
         <p:spPr>
           <a:xfrm>
-            <a:off x="508760" y="239272"/>
+            <a:off x="237711" y="86872"/>
             <a:ext cx="8491538" cy="463550"/>
           </a:xfrm>
         </p:spPr>
@@ -6284,7 +11600,11 @@
           <a:lstStyle/>
           <a:p>
             <a:r>
-              <a:rPr lang="es-ES" sz="3200" b="1" u="sng" dirty="0"/>
+              <a:rPr lang="es-ES" sz="3200" b="1" u="sng" dirty="0">
+                <a:solidFill>
+                  <a:schemeClr val="accent2"/>
+                </a:solidFill>
+              </a:rPr>
               <a:t>Diagrama de clases</a:t>
             </a:r>
           </a:p>
@@ -6292,13 +11612,7 @@
       </p:sp>
       <p:pic>
         <p:nvPicPr>
-          <p:cNvPr id="7" name="Imagen 6">
-            <a:extLst>
-              <a:ext uri="{FF2B5EF4-FFF2-40B4-BE49-F238E27FC236}">
-                <a16:creationId xmlns:a16="http://schemas.microsoft.com/office/drawing/2014/main" id="{8CD3BB61-EFFD-4F3B-A65D-DEEF6ABEE234}"/>
-              </a:ext>
-            </a:extLst>
-          </p:cNvPr>
+          <p:cNvPr id="2" name="Imagen 1"/>
           <p:cNvPicPr>
             <a:picLocks noChangeAspect="1"/>
           </p:cNvPicPr>
@@ -6318,8 +11632,8 @@
         </p:blipFill>
         <p:spPr>
           <a:xfrm>
-            <a:off x="332961" y="702822"/>
-            <a:ext cx="11526078" cy="5790053"/>
+            <a:off x="390525" y="702822"/>
+            <a:ext cx="10620375" cy="5917959"/>
           </a:xfrm>
           <a:prstGeom prst="rect">
             <a:avLst/>
